--- a/slides/Circuit-Diagrams.pptx
+++ b/slides/Circuit-Diagrams.pptx
@@ -6,6 +6,9 @@
   </p:sldMasterIdLst>
   <p:sldIdLst>
     <p:sldId id="256" r:id="rId2"/>
+    <p:sldId id="257" r:id="rId3"/>
+    <p:sldId id="258" r:id="rId4"/>
+    <p:sldId id="259" r:id="rId5"/>
   </p:sldIdLst>
   <p:sldSz cx="12192000" cy="6858000"/>
   <p:notesSz cx="6858000" cy="9144000"/>
@@ -104,6 +107,11 @@
       </a:defRPr>
     </a:lvl9pPr>
   </p:defaultTextStyle>
+  <p:extLst>
+    <p:ext uri="{EFAFB233-063F-42B5-8137-9DF3F51BA10A}">
+      <p15:sldGuideLst xmlns:p15="http://schemas.microsoft.com/office/powerpoint/2012/main"/>
+    </p:ext>
+  </p:extLst>
 </p:presentation>
 </file>
 
@@ -254,7 +262,7 @@
           <a:p>
             <a:fld id="{1BE92E5C-6CC1-3C4C-9008-EB0C631F4F05}" type="datetimeFigureOut">
               <a:rPr lang="en-US" smtClean="0"/>
-              <a:t>1/7/25</a:t>
+              <a:t>3/5/25</a:t>
             </a:fld>
             <a:endParaRPr lang="en-US"/>
           </a:p>
@@ -452,7 +460,7 @@
           <a:p>
             <a:fld id="{1BE92E5C-6CC1-3C4C-9008-EB0C631F4F05}" type="datetimeFigureOut">
               <a:rPr lang="en-US" smtClean="0"/>
-              <a:t>1/7/25</a:t>
+              <a:t>3/5/25</a:t>
             </a:fld>
             <a:endParaRPr lang="en-US"/>
           </a:p>
@@ -660,7 +668,7 @@
           <a:p>
             <a:fld id="{1BE92E5C-6CC1-3C4C-9008-EB0C631F4F05}" type="datetimeFigureOut">
               <a:rPr lang="en-US" smtClean="0"/>
-              <a:t>1/7/25</a:t>
+              <a:t>3/5/25</a:t>
             </a:fld>
             <a:endParaRPr lang="en-US"/>
           </a:p>
@@ -858,7 +866,7 @@
           <a:p>
             <a:fld id="{1BE92E5C-6CC1-3C4C-9008-EB0C631F4F05}" type="datetimeFigureOut">
               <a:rPr lang="en-US" smtClean="0"/>
-              <a:t>1/7/25</a:t>
+              <a:t>3/5/25</a:t>
             </a:fld>
             <a:endParaRPr lang="en-US"/>
           </a:p>
@@ -1133,7 +1141,7 @@
           <a:p>
             <a:fld id="{1BE92E5C-6CC1-3C4C-9008-EB0C631F4F05}" type="datetimeFigureOut">
               <a:rPr lang="en-US" smtClean="0"/>
-              <a:t>1/7/25</a:t>
+              <a:t>3/5/25</a:t>
             </a:fld>
             <a:endParaRPr lang="en-US"/>
           </a:p>
@@ -1398,7 +1406,7 @@
           <a:p>
             <a:fld id="{1BE92E5C-6CC1-3C4C-9008-EB0C631F4F05}" type="datetimeFigureOut">
               <a:rPr lang="en-US" smtClean="0"/>
-              <a:t>1/7/25</a:t>
+              <a:t>3/5/25</a:t>
             </a:fld>
             <a:endParaRPr lang="en-US"/>
           </a:p>
@@ -1810,7 +1818,7 @@
           <a:p>
             <a:fld id="{1BE92E5C-6CC1-3C4C-9008-EB0C631F4F05}" type="datetimeFigureOut">
               <a:rPr lang="en-US" smtClean="0"/>
-              <a:t>1/7/25</a:t>
+              <a:t>3/5/25</a:t>
             </a:fld>
             <a:endParaRPr lang="en-US"/>
           </a:p>
@@ -1951,7 +1959,7 @@
           <a:p>
             <a:fld id="{1BE92E5C-6CC1-3C4C-9008-EB0C631F4F05}" type="datetimeFigureOut">
               <a:rPr lang="en-US" smtClean="0"/>
-              <a:t>1/7/25</a:t>
+              <a:t>3/5/25</a:t>
             </a:fld>
             <a:endParaRPr lang="en-US"/>
           </a:p>
@@ -2064,7 +2072,7 @@
           <a:p>
             <a:fld id="{1BE92E5C-6CC1-3C4C-9008-EB0C631F4F05}" type="datetimeFigureOut">
               <a:rPr lang="en-US" smtClean="0"/>
-              <a:t>1/7/25</a:t>
+              <a:t>3/5/25</a:t>
             </a:fld>
             <a:endParaRPr lang="en-US"/>
           </a:p>
@@ -2375,7 +2383,7 @@
           <a:p>
             <a:fld id="{1BE92E5C-6CC1-3C4C-9008-EB0C631F4F05}" type="datetimeFigureOut">
               <a:rPr lang="en-US" smtClean="0"/>
-              <a:t>1/7/25</a:t>
+              <a:t>3/5/25</a:t>
             </a:fld>
             <a:endParaRPr lang="en-US"/>
           </a:p>
@@ -2663,7 +2671,7 @@
           <a:p>
             <a:fld id="{1BE92E5C-6CC1-3C4C-9008-EB0C631F4F05}" type="datetimeFigureOut">
               <a:rPr lang="en-US" smtClean="0"/>
-              <a:t>1/7/25</a:t>
+              <a:t>3/5/25</a:t>
             </a:fld>
             <a:endParaRPr lang="en-US"/>
           </a:p>
@@ -2904,7 +2912,7 @@
           <a:p>
             <a:fld id="{1BE92E5C-6CC1-3C4C-9008-EB0C631F4F05}" type="datetimeFigureOut">
               <a:rPr lang="en-US" smtClean="0"/>
-              <a:t>1/7/25</a:t>
+              <a:t>3/5/25</a:t>
             </a:fld>
             <a:endParaRPr lang="en-US"/>
           </a:p>
@@ -3872,6 +3880,3092 @@
 </p:sld>
 </file>
 
+<file path=ppt/slides/slide2.xml><?xml version="1.0" encoding="utf-8"?>
+<p:sld xmlns:a="http://schemas.openxmlformats.org/drawingml/2006/main" xmlns:r="http://schemas.openxmlformats.org/officeDocument/2006/relationships" xmlns:p="http://schemas.openxmlformats.org/presentationml/2006/main">
+  <p:cSld>
+    <p:spTree>
+      <p:nvGrpSpPr>
+        <p:cNvPr id="1" name=""/>
+        <p:cNvGrpSpPr/>
+        <p:nvPr/>
+      </p:nvGrpSpPr>
+      <p:grpSpPr>
+        <a:xfrm>
+          <a:off x="0" y="0"/>
+          <a:ext cx="0" cy="0"/>
+          <a:chOff x="0" y="0"/>
+          <a:chExt cx="0" cy="0"/>
+        </a:xfrm>
+      </p:grpSpPr>
+      <p:sp>
+        <p:nvSpPr>
+          <p:cNvPr id="2" name="Title 1">
+            <a:extLst>
+              <a:ext uri="{FF2B5EF4-FFF2-40B4-BE49-F238E27FC236}">
+                <a16:creationId xmlns:a16="http://schemas.microsoft.com/office/drawing/2014/main" id="{76622AC1-4625-FB79-6554-D603F12FD569}"/>
+              </a:ext>
+            </a:extLst>
+          </p:cNvPr>
+          <p:cNvSpPr>
+            <a:spLocks noGrp="1"/>
+          </p:cNvSpPr>
+          <p:nvPr>
+            <p:ph type="title"/>
+          </p:nvPr>
+        </p:nvSpPr>
+        <p:spPr>
+          <a:xfrm>
+            <a:off x="356937" y="220746"/>
+            <a:ext cx="10515600" cy="428959"/>
+          </a:xfrm>
+        </p:spPr>
+        <p:txBody>
+          <a:bodyPr>
+            <a:normAutofit fontScale="90000"/>
+          </a:bodyPr>
+          <a:lstStyle/>
+          <a:p>
+            <a:endParaRPr lang="en-US" dirty="0"/>
+          </a:p>
+        </p:txBody>
+      </p:sp>
+      <p:pic>
+        <p:nvPicPr>
+          <p:cNvPr id="4" name="Picture 3">
+            <a:extLst>
+              <a:ext uri="{FF2B5EF4-FFF2-40B4-BE49-F238E27FC236}">
+                <a16:creationId xmlns:a16="http://schemas.microsoft.com/office/drawing/2014/main" id="{47270CE5-2C09-4D5A-4691-E19975323166}"/>
+              </a:ext>
+            </a:extLst>
+          </p:cNvPr>
+          <p:cNvPicPr>
+            <a:picLocks noChangeAspect="1"/>
+          </p:cNvPicPr>
+          <p:nvPr/>
+        </p:nvPicPr>
+        <p:blipFill>
+          <a:blip r:embed="rId2"/>
+          <a:stretch>
+            <a:fillRect/>
+          </a:stretch>
+        </p:blipFill>
+        <p:spPr>
+          <a:xfrm>
+            <a:off x="1584157" y="1563749"/>
+            <a:ext cx="7772400" cy="4043323"/>
+          </a:xfrm>
+          <a:prstGeom prst="rect">
+            <a:avLst/>
+          </a:prstGeom>
+        </p:spPr>
+      </p:pic>
+      <p:sp>
+        <p:nvSpPr>
+          <p:cNvPr id="5" name="TextBox 4">
+            <a:extLst>
+              <a:ext uri="{FF2B5EF4-FFF2-40B4-BE49-F238E27FC236}">
+                <a16:creationId xmlns:a16="http://schemas.microsoft.com/office/drawing/2014/main" id="{E9A12711-675F-0DD4-63B6-9EF24003E50A}"/>
+              </a:ext>
+            </a:extLst>
+          </p:cNvPr>
+          <p:cNvSpPr txBox="1"/>
+          <p:nvPr/>
+        </p:nvSpPr>
+        <p:spPr>
+          <a:xfrm>
+            <a:off x="3786376" y="3144182"/>
+            <a:ext cx="1101584" cy="369332"/>
+          </a:xfrm>
+          <a:prstGeom prst="rect">
+            <a:avLst/>
+          </a:prstGeom>
+          <a:noFill/>
+        </p:spPr>
+        <p:txBody>
+          <a:bodyPr wrap="none" rtlCol="0">
+            <a:spAutoFit/>
+          </a:bodyPr>
+          <a:lstStyle/>
+          <a:p>
+            <a:r>
+              <a:rPr lang="en-US" dirty="0"/>
+              <a:t>10K Ohm</a:t>
+            </a:r>
+          </a:p>
+        </p:txBody>
+      </p:sp>
+      <p:sp>
+        <p:nvSpPr>
+          <p:cNvPr id="6" name="Freeform 5">
+            <a:extLst>
+              <a:ext uri="{FF2B5EF4-FFF2-40B4-BE49-F238E27FC236}">
+                <a16:creationId xmlns:a16="http://schemas.microsoft.com/office/drawing/2014/main" id="{33C5278D-C4D5-4675-92B5-47B0C4857412}"/>
+              </a:ext>
+            </a:extLst>
+          </p:cNvPr>
+          <p:cNvSpPr/>
+          <p:nvPr/>
+        </p:nvSpPr>
+        <p:spPr>
+          <a:xfrm flipV="1">
+            <a:off x="3901809" y="3529152"/>
+            <a:ext cx="870718" cy="224699"/>
+          </a:xfrm>
+          <a:custGeom>
+            <a:avLst/>
+            <a:gdLst>
+              <a:gd name="connsiteX0" fmla="*/ 0 w 6635579"/>
+              <a:gd name="connsiteY0" fmla="*/ 580768 h 1172959"/>
+              <a:gd name="connsiteX1" fmla="*/ 1470454 w 6635579"/>
+              <a:gd name="connsiteY1" fmla="*/ 580768 h 1172959"/>
+              <a:gd name="connsiteX2" fmla="*/ 1779373 w 6635579"/>
+              <a:gd name="connsiteY2" fmla="*/ 24713 h 1172959"/>
+              <a:gd name="connsiteX3" fmla="*/ 2409568 w 6635579"/>
+              <a:gd name="connsiteY3" fmla="*/ 1161535 h 1172959"/>
+              <a:gd name="connsiteX4" fmla="*/ 3039762 w 6635579"/>
+              <a:gd name="connsiteY4" fmla="*/ 37070 h 1172959"/>
+              <a:gd name="connsiteX5" fmla="*/ 3645244 w 6635579"/>
+              <a:gd name="connsiteY5" fmla="*/ 1161535 h 1172959"/>
+              <a:gd name="connsiteX6" fmla="*/ 4275438 w 6635579"/>
+              <a:gd name="connsiteY6" fmla="*/ 0 h 1172959"/>
+              <a:gd name="connsiteX7" fmla="*/ 4917990 w 6635579"/>
+              <a:gd name="connsiteY7" fmla="*/ 1161535 h 1172959"/>
+              <a:gd name="connsiteX8" fmla="*/ 5263979 w 6635579"/>
+              <a:gd name="connsiteY8" fmla="*/ 593124 h 1172959"/>
+              <a:gd name="connsiteX9" fmla="*/ 6635579 w 6635579"/>
+              <a:gd name="connsiteY9" fmla="*/ 593124 h 1172959"/>
+              <a:gd name="connsiteX10" fmla="*/ 6635579 w 6635579"/>
+              <a:gd name="connsiteY10" fmla="*/ 593124 h 1172959"/>
+              <a:gd name="connsiteX11" fmla="*/ 6635579 w 6635579"/>
+              <a:gd name="connsiteY11" fmla="*/ 593124 h 1172959"/>
+              <a:gd name="connsiteX0" fmla="*/ 0 w 6635579"/>
+              <a:gd name="connsiteY0" fmla="*/ 580768 h 1172959"/>
+              <a:gd name="connsiteX1" fmla="*/ 1470454 w 6635579"/>
+              <a:gd name="connsiteY1" fmla="*/ 580768 h 1172959"/>
+              <a:gd name="connsiteX2" fmla="*/ 1779373 w 6635579"/>
+              <a:gd name="connsiteY2" fmla="*/ 24713 h 1172959"/>
+              <a:gd name="connsiteX3" fmla="*/ 2409568 w 6635579"/>
+              <a:gd name="connsiteY3" fmla="*/ 1161535 h 1172959"/>
+              <a:gd name="connsiteX4" fmla="*/ 3039762 w 6635579"/>
+              <a:gd name="connsiteY4" fmla="*/ 37070 h 1172959"/>
+              <a:gd name="connsiteX5" fmla="*/ 3645244 w 6635579"/>
+              <a:gd name="connsiteY5" fmla="*/ 1161535 h 1172959"/>
+              <a:gd name="connsiteX6" fmla="*/ 4275438 w 6635579"/>
+              <a:gd name="connsiteY6" fmla="*/ 0 h 1172959"/>
+              <a:gd name="connsiteX7" fmla="*/ 4917990 w 6635579"/>
+              <a:gd name="connsiteY7" fmla="*/ 1161535 h 1172959"/>
+              <a:gd name="connsiteX8" fmla="*/ 5263979 w 6635579"/>
+              <a:gd name="connsiteY8" fmla="*/ 593124 h 1172959"/>
+              <a:gd name="connsiteX9" fmla="*/ 6635579 w 6635579"/>
+              <a:gd name="connsiteY9" fmla="*/ 593124 h 1172959"/>
+              <a:gd name="connsiteX10" fmla="*/ 6635579 w 6635579"/>
+              <a:gd name="connsiteY10" fmla="*/ 593124 h 1172959"/>
+              <a:gd name="connsiteX11" fmla="*/ 6635579 w 6635579"/>
+              <a:gd name="connsiteY11" fmla="*/ 593124 h 1172959"/>
+              <a:gd name="connsiteX0" fmla="*/ 0 w 6635579"/>
+              <a:gd name="connsiteY0" fmla="*/ 580768 h 1172959"/>
+              <a:gd name="connsiteX1" fmla="*/ 1470454 w 6635579"/>
+              <a:gd name="connsiteY1" fmla="*/ 580768 h 1172959"/>
+              <a:gd name="connsiteX2" fmla="*/ 1779373 w 6635579"/>
+              <a:gd name="connsiteY2" fmla="*/ 24713 h 1172959"/>
+              <a:gd name="connsiteX3" fmla="*/ 2409568 w 6635579"/>
+              <a:gd name="connsiteY3" fmla="*/ 1161535 h 1172959"/>
+              <a:gd name="connsiteX4" fmla="*/ 3039762 w 6635579"/>
+              <a:gd name="connsiteY4" fmla="*/ 37070 h 1172959"/>
+              <a:gd name="connsiteX5" fmla="*/ 3645244 w 6635579"/>
+              <a:gd name="connsiteY5" fmla="*/ 1161535 h 1172959"/>
+              <a:gd name="connsiteX6" fmla="*/ 4275438 w 6635579"/>
+              <a:gd name="connsiteY6" fmla="*/ 0 h 1172959"/>
+              <a:gd name="connsiteX7" fmla="*/ 4917990 w 6635579"/>
+              <a:gd name="connsiteY7" fmla="*/ 1161535 h 1172959"/>
+              <a:gd name="connsiteX8" fmla="*/ 5263979 w 6635579"/>
+              <a:gd name="connsiteY8" fmla="*/ 593124 h 1172959"/>
+              <a:gd name="connsiteX9" fmla="*/ 6635579 w 6635579"/>
+              <a:gd name="connsiteY9" fmla="*/ 593124 h 1172959"/>
+              <a:gd name="connsiteX10" fmla="*/ 6635579 w 6635579"/>
+              <a:gd name="connsiteY10" fmla="*/ 593124 h 1172959"/>
+              <a:gd name="connsiteX11" fmla="*/ 6635579 w 6635579"/>
+              <a:gd name="connsiteY11" fmla="*/ 593124 h 1172959"/>
+              <a:gd name="connsiteX0" fmla="*/ 0 w 6635579"/>
+              <a:gd name="connsiteY0" fmla="*/ 580768 h 1172959"/>
+              <a:gd name="connsiteX1" fmla="*/ 1470454 w 6635579"/>
+              <a:gd name="connsiteY1" fmla="*/ 580768 h 1172959"/>
+              <a:gd name="connsiteX2" fmla="*/ 1779373 w 6635579"/>
+              <a:gd name="connsiteY2" fmla="*/ 24713 h 1172959"/>
+              <a:gd name="connsiteX3" fmla="*/ 2409568 w 6635579"/>
+              <a:gd name="connsiteY3" fmla="*/ 1161535 h 1172959"/>
+              <a:gd name="connsiteX4" fmla="*/ 3039762 w 6635579"/>
+              <a:gd name="connsiteY4" fmla="*/ 37070 h 1172959"/>
+              <a:gd name="connsiteX5" fmla="*/ 3645244 w 6635579"/>
+              <a:gd name="connsiteY5" fmla="*/ 1161535 h 1172959"/>
+              <a:gd name="connsiteX6" fmla="*/ 4275438 w 6635579"/>
+              <a:gd name="connsiteY6" fmla="*/ 0 h 1172959"/>
+              <a:gd name="connsiteX7" fmla="*/ 4917990 w 6635579"/>
+              <a:gd name="connsiteY7" fmla="*/ 1161535 h 1172959"/>
+              <a:gd name="connsiteX8" fmla="*/ 5263979 w 6635579"/>
+              <a:gd name="connsiteY8" fmla="*/ 593124 h 1172959"/>
+              <a:gd name="connsiteX9" fmla="*/ 6635579 w 6635579"/>
+              <a:gd name="connsiteY9" fmla="*/ 593124 h 1172959"/>
+              <a:gd name="connsiteX10" fmla="*/ 6635579 w 6635579"/>
+              <a:gd name="connsiteY10" fmla="*/ 593124 h 1172959"/>
+              <a:gd name="connsiteX11" fmla="*/ 6635579 w 6635579"/>
+              <a:gd name="connsiteY11" fmla="*/ 593124 h 1172959"/>
+              <a:gd name="connsiteX0" fmla="*/ 0 w 6635579"/>
+              <a:gd name="connsiteY0" fmla="*/ 580768 h 1172959"/>
+              <a:gd name="connsiteX1" fmla="*/ 1470454 w 6635579"/>
+              <a:gd name="connsiteY1" fmla="*/ 580768 h 1172959"/>
+              <a:gd name="connsiteX2" fmla="*/ 1779373 w 6635579"/>
+              <a:gd name="connsiteY2" fmla="*/ 24713 h 1172959"/>
+              <a:gd name="connsiteX3" fmla="*/ 2409568 w 6635579"/>
+              <a:gd name="connsiteY3" fmla="*/ 1161535 h 1172959"/>
+              <a:gd name="connsiteX4" fmla="*/ 3039762 w 6635579"/>
+              <a:gd name="connsiteY4" fmla="*/ 37070 h 1172959"/>
+              <a:gd name="connsiteX5" fmla="*/ 3645244 w 6635579"/>
+              <a:gd name="connsiteY5" fmla="*/ 1161535 h 1172959"/>
+              <a:gd name="connsiteX6" fmla="*/ 4275438 w 6635579"/>
+              <a:gd name="connsiteY6" fmla="*/ 0 h 1172959"/>
+              <a:gd name="connsiteX7" fmla="*/ 4917990 w 6635579"/>
+              <a:gd name="connsiteY7" fmla="*/ 1161535 h 1172959"/>
+              <a:gd name="connsiteX8" fmla="*/ 5263979 w 6635579"/>
+              <a:gd name="connsiteY8" fmla="*/ 593124 h 1172959"/>
+              <a:gd name="connsiteX9" fmla="*/ 6635579 w 6635579"/>
+              <a:gd name="connsiteY9" fmla="*/ 593124 h 1172959"/>
+              <a:gd name="connsiteX10" fmla="*/ 6635579 w 6635579"/>
+              <a:gd name="connsiteY10" fmla="*/ 593124 h 1172959"/>
+              <a:gd name="connsiteX11" fmla="*/ 6635579 w 6635579"/>
+              <a:gd name="connsiteY11" fmla="*/ 593124 h 1172959"/>
+              <a:gd name="connsiteX0" fmla="*/ 0 w 6635579"/>
+              <a:gd name="connsiteY0" fmla="*/ 580768 h 1172959"/>
+              <a:gd name="connsiteX1" fmla="*/ 1470454 w 6635579"/>
+              <a:gd name="connsiteY1" fmla="*/ 580768 h 1172959"/>
+              <a:gd name="connsiteX2" fmla="*/ 1779373 w 6635579"/>
+              <a:gd name="connsiteY2" fmla="*/ 24713 h 1172959"/>
+              <a:gd name="connsiteX3" fmla="*/ 2409568 w 6635579"/>
+              <a:gd name="connsiteY3" fmla="*/ 1161535 h 1172959"/>
+              <a:gd name="connsiteX4" fmla="*/ 3039762 w 6635579"/>
+              <a:gd name="connsiteY4" fmla="*/ 37070 h 1172959"/>
+              <a:gd name="connsiteX5" fmla="*/ 3645244 w 6635579"/>
+              <a:gd name="connsiteY5" fmla="*/ 1161535 h 1172959"/>
+              <a:gd name="connsiteX6" fmla="*/ 4275438 w 6635579"/>
+              <a:gd name="connsiteY6" fmla="*/ 0 h 1172959"/>
+              <a:gd name="connsiteX7" fmla="*/ 4917990 w 6635579"/>
+              <a:gd name="connsiteY7" fmla="*/ 1161535 h 1172959"/>
+              <a:gd name="connsiteX8" fmla="*/ 5263979 w 6635579"/>
+              <a:gd name="connsiteY8" fmla="*/ 593124 h 1172959"/>
+              <a:gd name="connsiteX9" fmla="*/ 6635579 w 6635579"/>
+              <a:gd name="connsiteY9" fmla="*/ 593124 h 1172959"/>
+              <a:gd name="connsiteX10" fmla="*/ 6635579 w 6635579"/>
+              <a:gd name="connsiteY10" fmla="*/ 593124 h 1172959"/>
+              <a:gd name="connsiteX11" fmla="*/ 6635579 w 6635579"/>
+              <a:gd name="connsiteY11" fmla="*/ 593124 h 1172959"/>
+              <a:gd name="connsiteX0" fmla="*/ 0 w 6635579"/>
+              <a:gd name="connsiteY0" fmla="*/ 580768 h 1172959"/>
+              <a:gd name="connsiteX1" fmla="*/ 1470454 w 6635579"/>
+              <a:gd name="connsiteY1" fmla="*/ 580768 h 1172959"/>
+              <a:gd name="connsiteX2" fmla="*/ 1779373 w 6635579"/>
+              <a:gd name="connsiteY2" fmla="*/ 24713 h 1172959"/>
+              <a:gd name="connsiteX3" fmla="*/ 2409568 w 6635579"/>
+              <a:gd name="connsiteY3" fmla="*/ 1161535 h 1172959"/>
+              <a:gd name="connsiteX4" fmla="*/ 3039762 w 6635579"/>
+              <a:gd name="connsiteY4" fmla="*/ 37070 h 1172959"/>
+              <a:gd name="connsiteX5" fmla="*/ 3645244 w 6635579"/>
+              <a:gd name="connsiteY5" fmla="*/ 1161535 h 1172959"/>
+              <a:gd name="connsiteX6" fmla="*/ 4275438 w 6635579"/>
+              <a:gd name="connsiteY6" fmla="*/ 0 h 1172959"/>
+              <a:gd name="connsiteX7" fmla="*/ 4917990 w 6635579"/>
+              <a:gd name="connsiteY7" fmla="*/ 1161535 h 1172959"/>
+              <a:gd name="connsiteX8" fmla="*/ 5263979 w 6635579"/>
+              <a:gd name="connsiteY8" fmla="*/ 593124 h 1172959"/>
+              <a:gd name="connsiteX9" fmla="*/ 6635579 w 6635579"/>
+              <a:gd name="connsiteY9" fmla="*/ 593124 h 1172959"/>
+              <a:gd name="connsiteX10" fmla="*/ 6635579 w 6635579"/>
+              <a:gd name="connsiteY10" fmla="*/ 593124 h 1172959"/>
+              <a:gd name="connsiteX11" fmla="*/ 6635579 w 6635579"/>
+              <a:gd name="connsiteY11" fmla="*/ 593124 h 1172959"/>
+              <a:gd name="connsiteX0" fmla="*/ 0 w 6635579"/>
+              <a:gd name="connsiteY0" fmla="*/ 580768 h 1172959"/>
+              <a:gd name="connsiteX1" fmla="*/ 1470454 w 6635579"/>
+              <a:gd name="connsiteY1" fmla="*/ 580768 h 1172959"/>
+              <a:gd name="connsiteX2" fmla="*/ 1779373 w 6635579"/>
+              <a:gd name="connsiteY2" fmla="*/ 24713 h 1172959"/>
+              <a:gd name="connsiteX3" fmla="*/ 2409568 w 6635579"/>
+              <a:gd name="connsiteY3" fmla="*/ 1161535 h 1172959"/>
+              <a:gd name="connsiteX4" fmla="*/ 3039762 w 6635579"/>
+              <a:gd name="connsiteY4" fmla="*/ 37070 h 1172959"/>
+              <a:gd name="connsiteX5" fmla="*/ 3645244 w 6635579"/>
+              <a:gd name="connsiteY5" fmla="*/ 1161535 h 1172959"/>
+              <a:gd name="connsiteX6" fmla="*/ 4275438 w 6635579"/>
+              <a:gd name="connsiteY6" fmla="*/ 0 h 1172959"/>
+              <a:gd name="connsiteX7" fmla="*/ 4917990 w 6635579"/>
+              <a:gd name="connsiteY7" fmla="*/ 1161535 h 1172959"/>
+              <a:gd name="connsiteX8" fmla="*/ 5263979 w 6635579"/>
+              <a:gd name="connsiteY8" fmla="*/ 593124 h 1172959"/>
+              <a:gd name="connsiteX9" fmla="*/ 6635579 w 6635579"/>
+              <a:gd name="connsiteY9" fmla="*/ 593124 h 1172959"/>
+              <a:gd name="connsiteX10" fmla="*/ 6635579 w 6635579"/>
+              <a:gd name="connsiteY10" fmla="*/ 593124 h 1172959"/>
+              <a:gd name="connsiteX11" fmla="*/ 6635579 w 6635579"/>
+              <a:gd name="connsiteY11" fmla="*/ 593124 h 1172959"/>
+              <a:gd name="connsiteX0" fmla="*/ 0 w 6635579"/>
+              <a:gd name="connsiteY0" fmla="*/ 580768 h 1172959"/>
+              <a:gd name="connsiteX1" fmla="*/ 1470454 w 6635579"/>
+              <a:gd name="connsiteY1" fmla="*/ 580768 h 1172959"/>
+              <a:gd name="connsiteX2" fmla="*/ 1779373 w 6635579"/>
+              <a:gd name="connsiteY2" fmla="*/ 24713 h 1172959"/>
+              <a:gd name="connsiteX3" fmla="*/ 2409568 w 6635579"/>
+              <a:gd name="connsiteY3" fmla="*/ 1161535 h 1172959"/>
+              <a:gd name="connsiteX4" fmla="*/ 3039762 w 6635579"/>
+              <a:gd name="connsiteY4" fmla="*/ 37070 h 1172959"/>
+              <a:gd name="connsiteX5" fmla="*/ 3645244 w 6635579"/>
+              <a:gd name="connsiteY5" fmla="*/ 1161535 h 1172959"/>
+              <a:gd name="connsiteX6" fmla="*/ 4275438 w 6635579"/>
+              <a:gd name="connsiteY6" fmla="*/ 0 h 1172959"/>
+              <a:gd name="connsiteX7" fmla="*/ 4917990 w 6635579"/>
+              <a:gd name="connsiteY7" fmla="*/ 1161535 h 1172959"/>
+              <a:gd name="connsiteX8" fmla="*/ 5263979 w 6635579"/>
+              <a:gd name="connsiteY8" fmla="*/ 593124 h 1172959"/>
+              <a:gd name="connsiteX9" fmla="*/ 6635579 w 6635579"/>
+              <a:gd name="connsiteY9" fmla="*/ 593124 h 1172959"/>
+              <a:gd name="connsiteX10" fmla="*/ 6635579 w 6635579"/>
+              <a:gd name="connsiteY10" fmla="*/ 593124 h 1172959"/>
+              <a:gd name="connsiteX11" fmla="*/ 6635579 w 6635579"/>
+              <a:gd name="connsiteY11" fmla="*/ 593124 h 1172959"/>
+              <a:gd name="connsiteX0" fmla="*/ 0 w 6635579"/>
+              <a:gd name="connsiteY0" fmla="*/ 580768 h 1172959"/>
+              <a:gd name="connsiteX1" fmla="*/ 1470454 w 6635579"/>
+              <a:gd name="connsiteY1" fmla="*/ 580768 h 1172959"/>
+              <a:gd name="connsiteX2" fmla="*/ 1779373 w 6635579"/>
+              <a:gd name="connsiteY2" fmla="*/ 24713 h 1172959"/>
+              <a:gd name="connsiteX3" fmla="*/ 2409568 w 6635579"/>
+              <a:gd name="connsiteY3" fmla="*/ 1161535 h 1172959"/>
+              <a:gd name="connsiteX4" fmla="*/ 3039762 w 6635579"/>
+              <a:gd name="connsiteY4" fmla="*/ 37070 h 1172959"/>
+              <a:gd name="connsiteX5" fmla="*/ 3645244 w 6635579"/>
+              <a:gd name="connsiteY5" fmla="*/ 1161535 h 1172959"/>
+              <a:gd name="connsiteX6" fmla="*/ 4275438 w 6635579"/>
+              <a:gd name="connsiteY6" fmla="*/ 0 h 1172959"/>
+              <a:gd name="connsiteX7" fmla="*/ 4917990 w 6635579"/>
+              <a:gd name="connsiteY7" fmla="*/ 1161535 h 1172959"/>
+              <a:gd name="connsiteX8" fmla="*/ 5263979 w 6635579"/>
+              <a:gd name="connsiteY8" fmla="*/ 593124 h 1172959"/>
+              <a:gd name="connsiteX9" fmla="*/ 6635579 w 6635579"/>
+              <a:gd name="connsiteY9" fmla="*/ 593124 h 1172959"/>
+              <a:gd name="connsiteX10" fmla="*/ 6635579 w 6635579"/>
+              <a:gd name="connsiteY10" fmla="*/ 593124 h 1172959"/>
+              <a:gd name="connsiteX11" fmla="*/ 6635579 w 6635579"/>
+              <a:gd name="connsiteY11" fmla="*/ 593124 h 1172959"/>
+              <a:gd name="connsiteX0" fmla="*/ 0 w 6635579"/>
+              <a:gd name="connsiteY0" fmla="*/ 580768 h 1172959"/>
+              <a:gd name="connsiteX1" fmla="*/ 1470454 w 6635579"/>
+              <a:gd name="connsiteY1" fmla="*/ 580768 h 1172959"/>
+              <a:gd name="connsiteX2" fmla="*/ 1779373 w 6635579"/>
+              <a:gd name="connsiteY2" fmla="*/ 24713 h 1172959"/>
+              <a:gd name="connsiteX3" fmla="*/ 2409568 w 6635579"/>
+              <a:gd name="connsiteY3" fmla="*/ 1161535 h 1172959"/>
+              <a:gd name="connsiteX4" fmla="*/ 3039762 w 6635579"/>
+              <a:gd name="connsiteY4" fmla="*/ 37070 h 1172959"/>
+              <a:gd name="connsiteX5" fmla="*/ 3645244 w 6635579"/>
+              <a:gd name="connsiteY5" fmla="*/ 1161535 h 1172959"/>
+              <a:gd name="connsiteX6" fmla="*/ 4275438 w 6635579"/>
+              <a:gd name="connsiteY6" fmla="*/ 0 h 1172959"/>
+              <a:gd name="connsiteX7" fmla="*/ 4917990 w 6635579"/>
+              <a:gd name="connsiteY7" fmla="*/ 1161535 h 1172959"/>
+              <a:gd name="connsiteX8" fmla="*/ 5263979 w 6635579"/>
+              <a:gd name="connsiteY8" fmla="*/ 593124 h 1172959"/>
+              <a:gd name="connsiteX9" fmla="*/ 6635579 w 6635579"/>
+              <a:gd name="connsiteY9" fmla="*/ 593124 h 1172959"/>
+              <a:gd name="connsiteX10" fmla="*/ 6635579 w 6635579"/>
+              <a:gd name="connsiteY10" fmla="*/ 593124 h 1172959"/>
+              <a:gd name="connsiteX11" fmla="*/ 6635579 w 6635579"/>
+              <a:gd name="connsiteY11" fmla="*/ 593124 h 1172959"/>
+              <a:gd name="connsiteX0" fmla="*/ 0 w 6635579"/>
+              <a:gd name="connsiteY0" fmla="*/ 580768 h 1172959"/>
+              <a:gd name="connsiteX1" fmla="*/ 1470454 w 6635579"/>
+              <a:gd name="connsiteY1" fmla="*/ 580768 h 1172959"/>
+              <a:gd name="connsiteX2" fmla="*/ 1779373 w 6635579"/>
+              <a:gd name="connsiteY2" fmla="*/ 24713 h 1172959"/>
+              <a:gd name="connsiteX3" fmla="*/ 2409568 w 6635579"/>
+              <a:gd name="connsiteY3" fmla="*/ 1161535 h 1172959"/>
+              <a:gd name="connsiteX4" fmla="*/ 3039762 w 6635579"/>
+              <a:gd name="connsiteY4" fmla="*/ 37070 h 1172959"/>
+              <a:gd name="connsiteX5" fmla="*/ 3645244 w 6635579"/>
+              <a:gd name="connsiteY5" fmla="*/ 1161535 h 1172959"/>
+              <a:gd name="connsiteX6" fmla="*/ 4275438 w 6635579"/>
+              <a:gd name="connsiteY6" fmla="*/ 0 h 1172959"/>
+              <a:gd name="connsiteX7" fmla="*/ 4917990 w 6635579"/>
+              <a:gd name="connsiteY7" fmla="*/ 1161535 h 1172959"/>
+              <a:gd name="connsiteX8" fmla="*/ 5263979 w 6635579"/>
+              <a:gd name="connsiteY8" fmla="*/ 593124 h 1172959"/>
+              <a:gd name="connsiteX9" fmla="*/ 6635579 w 6635579"/>
+              <a:gd name="connsiteY9" fmla="*/ 593124 h 1172959"/>
+              <a:gd name="connsiteX10" fmla="*/ 6635579 w 6635579"/>
+              <a:gd name="connsiteY10" fmla="*/ 593124 h 1172959"/>
+              <a:gd name="connsiteX11" fmla="*/ 6635579 w 6635579"/>
+              <a:gd name="connsiteY11" fmla="*/ 593124 h 1172959"/>
+              <a:gd name="connsiteX0" fmla="*/ 0 w 6635579"/>
+              <a:gd name="connsiteY0" fmla="*/ 580768 h 1172959"/>
+              <a:gd name="connsiteX1" fmla="*/ 1470454 w 6635579"/>
+              <a:gd name="connsiteY1" fmla="*/ 580768 h 1172959"/>
+              <a:gd name="connsiteX2" fmla="*/ 1779373 w 6635579"/>
+              <a:gd name="connsiteY2" fmla="*/ 24713 h 1172959"/>
+              <a:gd name="connsiteX3" fmla="*/ 2409568 w 6635579"/>
+              <a:gd name="connsiteY3" fmla="*/ 1161535 h 1172959"/>
+              <a:gd name="connsiteX4" fmla="*/ 3039762 w 6635579"/>
+              <a:gd name="connsiteY4" fmla="*/ 37070 h 1172959"/>
+              <a:gd name="connsiteX5" fmla="*/ 3645244 w 6635579"/>
+              <a:gd name="connsiteY5" fmla="*/ 1161535 h 1172959"/>
+              <a:gd name="connsiteX6" fmla="*/ 4275438 w 6635579"/>
+              <a:gd name="connsiteY6" fmla="*/ 0 h 1172959"/>
+              <a:gd name="connsiteX7" fmla="*/ 4917990 w 6635579"/>
+              <a:gd name="connsiteY7" fmla="*/ 1161535 h 1172959"/>
+              <a:gd name="connsiteX8" fmla="*/ 5263979 w 6635579"/>
+              <a:gd name="connsiteY8" fmla="*/ 593124 h 1172959"/>
+              <a:gd name="connsiteX9" fmla="*/ 6635579 w 6635579"/>
+              <a:gd name="connsiteY9" fmla="*/ 593124 h 1172959"/>
+              <a:gd name="connsiteX10" fmla="*/ 6635579 w 6635579"/>
+              <a:gd name="connsiteY10" fmla="*/ 593124 h 1172959"/>
+              <a:gd name="connsiteX11" fmla="*/ 6635579 w 6635579"/>
+              <a:gd name="connsiteY11" fmla="*/ 593124 h 1172959"/>
+              <a:gd name="connsiteX0" fmla="*/ 0 w 6635579"/>
+              <a:gd name="connsiteY0" fmla="*/ 580768 h 1172959"/>
+              <a:gd name="connsiteX1" fmla="*/ 1470454 w 6635579"/>
+              <a:gd name="connsiteY1" fmla="*/ 580768 h 1172959"/>
+              <a:gd name="connsiteX2" fmla="*/ 1779373 w 6635579"/>
+              <a:gd name="connsiteY2" fmla="*/ 24713 h 1172959"/>
+              <a:gd name="connsiteX3" fmla="*/ 2409568 w 6635579"/>
+              <a:gd name="connsiteY3" fmla="*/ 1161535 h 1172959"/>
+              <a:gd name="connsiteX4" fmla="*/ 3039762 w 6635579"/>
+              <a:gd name="connsiteY4" fmla="*/ 37070 h 1172959"/>
+              <a:gd name="connsiteX5" fmla="*/ 3645244 w 6635579"/>
+              <a:gd name="connsiteY5" fmla="*/ 1161535 h 1172959"/>
+              <a:gd name="connsiteX6" fmla="*/ 4275438 w 6635579"/>
+              <a:gd name="connsiteY6" fmla="*/ 0 h 1172959"/>
+              <a:gd name="connsiteX7" fmla="*/ 4917990 w 6635579"/>
+              <a:gd name="connsiteY7" fmla="*/ 1161535 h 1172959"/>
+              <a:gd name="connsiteX8" fmla="*/ 5263979 w 6635579"/>
+              <a:gd name="connsiteY8" fmla="*/ 593124 h 1172959"/>
+              <a:gd name="connsiteX9" fmla="*/ 6635579 w 6635579"/>
+              <a:gd name="connsiteY9" fmla="*/ 593124 h 1172959"/>
+              <a:gd name="connsiteX10" fmla="*/ 6635579 w 6635579"/>
+              <a:gd name="connsiteY10" fmla="*/ 593124 h 1172959"/>
+              <a:gd name="connsiteX11" fmla="*/ 6635579 w 6635579"/>
+              <a:gd name="connsiteY11" fmla="*/ 593124 h 1172959"/>
+              <a:gd name="connsiteX0" fmla="*/ 0 w 6635579"/>
+              <a:gd name="connsiteY0" fmla="*/ 580768 h 1172959"/>
+              <a:gd name="connsiteX1" fmla="*/ 1470454 w 6635579"/>
+              <a:gd name="connsiteY1" fmla="*/ 580768 h 1172959"/>
+              <a:gd name="connsiteX2" fmla="*/ 1779373 w 6635579"/>
+              <a:gd name="connsiteY2" fmla="*/ 24713 h 1172959"/>
+              <a:gd name="connsiteX3" fmla="*/ 2409568 w 6635579"/>
+              <a:gd name="connsiteY3" fmla="*/ 1161535 h 1172959"/>
+              <a:gd name="connsiteX4" fmla="*/ 3039762 w 6635579"/>
+              <a:gd name="connsiteY4" fmla="*/ 37070 h 1172959"/>
+              <a:gd name="connsiteX5" fmla="*/ 3645244 w 6635579"/>
+              <a:gd name="connsiteY5" fmla="*/ 1161535 h 1172959"/>
+              <a:gd name="connsiteX6" fmla="*/ 4275438 w 6635579"/>
+              <a:gd name="connsiteY6" fmla="*/ 0 h 1172959"/>
+              <a:gd name="connsiteX7" fmla="*/ 4917990 w 6635579"/>
+              <a:gd name="connsiteY7" fmla="*/ 1161535 h 1172959"/>
+              <a:gd name="connsiteX8" fmla="*/ 5263979 w 6635579"/>
+              <a:gd name="connsiteY8" fmla="*/ 593124 h 1172959"/>
+              <a:gd name="connsiteX9" fmla="*/ 6635579 w 6635579"/>
+              <a:gd name="connsiteY9" fmla="*/ 593124 h 1172959"/>
+              <a:gd name="connsiteX10" fmla="*/ 6635579 w 6635579"/>
+              <a:gd name="connsiteY10" fmla="*/ 593124 h 1172959"/>
+              <a:gd name="connsiteX11" fmla="*/ 6635579 w 6635579"/>
+              <a:gd name="connsiteY11" fmla="*/ 593124 h 1172959"/>
+              <a:gd name="connsiteX0" fmla="*/ 0 w 6635579"/>
+              <a:gd name="connsiteY0" fmla="*/ 580768 h 1172959"/>
+              <a:gd name="connsiteX1" fmla="*/ 1470454 w 6635579"/>
+              <a:gd name="connsiteY1" fmla="*/ 580768 h 1172959"/>
+              <a:gd name="connsiteX2" fmla="*/ 1779373 w 6635579"/>
+              <a:gd name="connsiteY2" fmla="*/ 24713 h 1172959"/>
+              <a:gd name="connsiteX3" fmla="*/ 2409568 w 6635579"/>
+              <a:gd name="connsiteY3" fmla="*/ 1161535 h 1172959"/>
+              <a:gd name="connsiteX4" fmla="*/ 3039762 w 6635579"/>
+              <a:gd name="connsiteY4" fmla="*/ 37070 h 1172959"/>
+              <a:gd name="connsiteX5" fmla="*/ 3645244 w 6635579"/>
+              <a:gd name="connsiteY5" fmla="*/ 1161535 h 1172959"/>
+              <a:gd name="connsiteX6" fmla="*/ 4275438 w 6635579"/>
+              <a:gd name="connsiteY6" fmla="*/ 0 h 1172959"/>
+              <a:gd name="connsiteX7" fmla="*/ 4917990 w 6635579"/>
+              <a:gd name="connsiteY7" fmla="*/ 1161535 h 1172959"/>
+              <a:gd name="connsiteX8" fmla="*/ 5263979 w 6635579"/>
+              <a:gd name="connsiteY8" fmla="*/ 593124 h 1172959"/>
+              <a:gd name="connsiteX9" fmla="*/ 6635579 w 6635579"/>
+              <a:gd name="connsiteY9" fmla="*/ 593124 h 1172959"/>
+              <a:gd name="connsiteX10" fmla="*/ 6635579 w 6635579"/>
+              <a:gd name="connsiteY10" fmla="*/ 593124 h 1172959"/>
+              <a:gd name="connsiteX11" fmla="*/ 6635579 w 6635579"/>
+              <a:gd name="connsiteY11" fmla="*/ 593124 h 1172959"/>
+              <a:gd name="connsiteX0" fmla="*/ 0 w 6635579"/>
+              <a:gd name="connsiteY0" fmla="*/ 580768 h 1172959"/>
+              <a:gd name="connsiteX1" fmla="*/ 1470454 w 6635579"/>
+              <a:gd name="connsiteY1" fmla="*/ 580768 h 1172959"/>
+              <a:gd name="connsiteX2" fmla="*/ 1779373 w 6635579"/>
+              <a:gd name="connsiteY2" fmla="*/ 24713 h 1172959"/>
+              <a:gd name="connsiteX3" fmla="*/ 2409568 w 6635579"/>
+              <a:gd name="connsiteY3" fmla="*/ 1161535 h 1172959"/>
+              <a:gd name="connsiteX4" fmla="*/ 3039762 w 6635579"/>
+              <a:gd name="connsiteY4" fmla="*/ 37070 h 1172959"/>
+              <a:gd name="connsiteX5" fmla="*/ 3645244 w 6635579"/>
+              <a:gd name="connsiteY5" fmla="*/ 1161535 h 1172959"/>
+              <a:gd name="connsiteX6" fmla="*/ 4275438 w 6635579"/>
+              <a:gd name="connsiteY6" fmla="*/ 0 h 1172959"/>
+              <a:gd name="connsiteX7" fmla="*/ 4917990 w 6635579"/>
+              <a:gd name="connsiteY7" fmla="*/ 1161535 h 1172959"/>
+              <a:gd name="connsiteX8" fmla="*/ 5263979 w 6635579"/>
+              <a:gd name="connsiteY8" fmla="*/ 593124 h 1172959"/>
+              <a:gd name="connsiteX9" fmla="*/ 6635579 w 6635579"/>
+              <a:gd name="connsiteY9" fmla="*/ 593124 h 1172959"/>
+              <a:gd name="connsiteX10" fmla="*/ 6635579 w 6635579"/>
+              <a:gd name="connsiteY10" fmla="*/ 593124 h 1172959"/>
+              <a:gd name="connsiteX11" fmla="*/ 6635579 w 6635579"/>
+              <a:gd name="connsiteY11" fmla="*/ 593124 h 1172959"/>
+              <a:gd name="connsiteX0" fmla="*/ 0 w 6635579"/>
+              <a:gd name="connsiteY0" fmla="*/ 580768 h 1172959"/>
+              <a:gd name="connsiteX1" fmla="*/ 1470454 w 6635579"/>
+              <a:gd name="connsiteY1" fmla="*/ 580768 h 1172959"/>
+              <a:gd name="connsiteX2" fmla="*/ 1779373 w 6635579"/>
+              <a:gd name="connsiteY2" fmla="*/ 24713 h 1172959"/>
+              <a:gd name="connsiteX3" fmla="*/ 2409568 w 6635579"/>
+              <a:gd name="connsiteY3" fmla="*/ 1161535 h 1172959"/>
+              <a:gd name="connsiteX4" fmla="*/ 3039762 w 6635579"/>
+              <a:gd name="connsiteY4" fmla="*/ 37070 h 1172959"/>
+              <a:gd name="connsiteX5" fmla="*/ 3645244 w 6635579"/>
+              <a:gd name="connsiteY5" fmla="*/ 1161535 h 1172959"/>
+              <a:gd name="connsiteX6" fmla="*/ 4275438 w 6635579"/>
+              <a:gd name="connsiteY6" fmla="*/ 0 h 1172959"/>
+              <a:gd name="connsiteX7" fmla="*/ 4917990 w 6635579"/>
+              <a:gd name="connsiteY7" fmla="*/ 1161535 h 1172959"/>
+              <a:gd name="connsiteX8" fmla="*/ 5263979 w 6635579"/>
+              <a:gd name="connsiteY8" fmla="*/ 593124 h 1172959"/>
+              <a:gd name="connsiteX9" fmla="*/ 6635579 w 6635579"/>
+              <a:gd name="connsiteY9" fmla="*/ 593124 h 1172959"/>
+              <a:gd name="connsiteX10" fmla="*/ 6635579 w 6635579"/>
+              <a:gd name="connsiteY10" fmla="*/ 593124 h 1172959"/>
+              <a:gd name="connsiteX11" fmla="*/ 6635579 w 6635579"/>
+              <a:gd name="connsiteY11" fmla="*/ 593124 h 1172959"/>
+              <a:gd name="connsiteX0" fmla="*/ 0 w 6635579"/>
+              <a:gd name="connsiteY0" fmla="*/ 580768 h 1172959"/>
+              <a:gd name="connsiteX1" fmla="*/ 1470454 w 6635579"/>
+              <a:gd name="connsiteY1" fmla="*/ 580768 h 1172959"/>
+              <a:gd name="connsiteX2" fmla="*/ 1779373 w 6635579"/>
+              <a:gd name="connsiteY2" fmla="*/ 24713 h 1172959"/>
+              <a:gd name="connsiteX3" fmla="*/ 2409568 w 6635579"/>
+              <a:gd name="connsiteY3" fmla="*/ 1161535 h 1172959"/>
+              <a:gd name="connsiteX4" fmla="*/ 3039762 w 6635579"/>
+              <a:gd name="connsiteY4" fmla="*/ 37070 h 1172959"/>
+              <a:gd name="connsiteX5" fmla="*/ 3645244 w 6635579"/>
+              <a:gd name="connsiteY5" fmla="*/ 1161535 h 1172959"/>
+              <a:gd name="connsiteX6" fmla="*/ 4275438 w 6635579"/>
+              <a:gd name="connsiteY6" fmla="*/ 0 h 1172959"/>
+              <a:gd name="connsiteX7" fmla="*/ 4917990 w 6635579"/>
+              <a:gd name="connsiteY7" fmla="*/ 1161535 h 1172959"/>
+              <a:gd name="connsiteX8" fmla="*/ 5263979 w 6635579"/>
+              <a:gd name="connsiteY8" fmla="*/ 593124 h 1172959"/>
+              <a:gd name="connsiteX9" fmla="*/ 6635579 w 6635579"/>
+              <a:gd name="connsiteY9" fmla="*/ 593124 h 1172959"/>
+              <a:gd name="connsiteX10" fmla="*/ 6635579 w 6635579"/>
+              <a:gd name="connsiteY10" fmla="*/ 593124 h 1172959"/>
+              <a:gd name="connsiteX11" fmla="*/ 6635579 w 6635579"/>
+              <a:gd name="connsiteY11" fmla="*/ 593124 h 1172959"/>
+              <a:gd name="connsiteX0" fmla="*/ 0 w 6635579"/>
+              <a:gd name="connsiteY0" fmla="*/ 580768 h 1172959"/>
+              <a:gd name="connsiteX1" fmla="*/ 1470454 w 6635579"/>
+              <a:gd name="connsiteY1" fmla="*/ 580768 h 1172959"/>
+              <a:gd name="connsiteX2" fmla="*/ 1779373 w 6635579"/>
+              <a:gd name="connsiteY2" fmla="*/ 24713 h 1172959"/>
+              <a:gd name="connsiteX3" fmla="*/ 2409568 w 6635579"/>
+              <a:gd name="connsiteY3" fmla="*/ 1161535 h 1172959"/>
+              <a:gd name="connsiteX4" fmla="*/ 3039762 w 6635579"/>
+              <a:gd name="connsiteY4" fmla="*/ 37070 h 1172959"/>
+              <a:gd name="connsiteX5" fmla="*/ 3645244 w 6635579"/>
+              <a:gd name="connsiteY5" fmla="*/ 1161535 h 1172959"/>
+              <a:gd name="connsiteX6" fmla="*/ 4275438 w 6635579"/>
+              <a:gd name="connsiteY6" fmla="*/ 0 h 1172959"/>
+              <a:gd name="connsiteX7" fmla="*/ 4917990 w 6635579"/>
+              <a:gd name="connsiteY7" fmla="*/ 1161535 h 1172959"/>
+              <a:gd name="connsiteX8" fmla="*/ 5263979 w 6635579"/>
+              <a:gd name="connsiteY8" fmla="*/ 593124 h 1172959"/>
+              <a:gd name="connsiteX9" fmla="*/ 6635579 w 6635579"/>
+              <a:gd name="connsiteY9" fmla="*/ 593124 h 1172959"/>
+              <a:gd name="connsiteX10" fmla="*/ 6635579 w 6635579"/>
+              <a:gd name="connsiteY10" fmla="*/ 593124 h 1172959"/>
+              <a:gd name="connsiteX11" fmla="*/ 6635579 w 6635579"/>
+              <a:gd name="connsiteY11" fmla="*/ 593124 h 1172959"/>
+              <a:gd name="connsiteX0" fmla="*/ 0 w 6635579"/>
+              <a:gd name="connsiteY0" fmla="*/ 580768 h 1161535"/>
+              <a:gd name="connsiteX1" fmla="*/ 1470454 w 6635579"/>
+              <a:gd name="connsiteY1" fmla="*/ 580768 h 1161535"/>
+              <a:gd name="connsiteX2" fmla="*/ 1779373 w 6635579"/>
+              <a:gd name="connsiteY2" fmla="*/ 24713 h 1161535"/>
+              <a:gd name="connsiteX3" fmla="*/ 2409568 w 6635579"/>
+              <a:gd name="connsiteY3" fmla="*/ 1161535 h 1161535"/>
+              <a:gd name="connsiteX4" fmla="*/ 3039762 w 6635579"/>
+              <a:gd name="connsiteY4" fmla="*/ 37070 h 1161535"/>
+              <a:gd name="connsiteX5" fmla="*/ 3645244 w 6635579"/>
+              <a:gd name="connsiteY5" fmla="*/ 1161535 h 1161535"/>
+              <a:gd name="connsiteX6" fmla="*/ 4275438 w 6635579"/>
+              <a:gd name="connsiteY6" fmla="*/ 0 h 1161535"/>
+              <a:gd name="connsiteX7" fmla="*/ 4917990 w 6635579"/>
+              <a:gd name="connsiteY7" fmla="*/ 1161535 h 1161535"/>
+              <a:gd name="connsiteX8" fmla="*/ 5263979 w 6635579"/>
+              <a:gd name="connsiteY8" fmla="*/ 593124 h 1161535"/>
+              <a:gd name="connsiteX9" fmla="*/ 6635579 w 6635579"/>
+              <a:gd name="connsiteY9" fmla="*/ 593124 h 1161535"/>
+              <a:gd name="connsiteX10" fmla="*/ 6635579 w 6635579"/>
+              <a:gd name="connsiteY10" fmla="*/ 593124 h 1161535"/>
+              <a:gd name="connsiteX11" fmla="*/ 6635579 w 6635579"/>
+              <a:gd name="connsiteY11" fmla="*/ 593124 h 1161535"/>
+              <a:gd name="connsiteX0" fmla="*/ 0 w 6635579"/>
+              <a:gd name="connsiteY0" fmla="*/ 580768 h 1161535"/>
+              <a:gd name="connsiteX1" fmla="*/ 1470454 w 6635579"/>
+              <a:gd name="connsiteY1" fmla="*/ 580768 h 1161535"/>
+              <a:gd name="connsiteX2" fmla="*/ 1779373 w 6635579"/>
+              <a:gd name="connsiteY2" fmla="*/ 24713 h 1161535"/>
+              <a:gd name="connsiteX3" fmla="*/ 2409568 w 6635579"/>
+              <a:gd name="connsiteY3" fmla="*/ 1161535 h 1161535"/>
+              <a:gd name="connsiteX4" fmla="*/ 3039762 w 6635579"/>
+              <a:gd name="connsiteY4" fmla="*/ 37070 h 1161535"/>
+              <a:gd name="connsiteX5" fmla="*/ 3645244 w 6635579"/>
+              <a:gd name="connsiteY5" fmla="*/ 1161535 h 1161535"/>
+              <a:gd name="connsiteX6" fmla="*/ 4275438 w 6635579"/>
+              <a:gd name="connsiteY6" fmla="*/ 0 h 1161535"/>
+              <a:gd name="connsiteX7" fmla="*/ 4917990 w 6635579"/>
+              <a:gd name="connsiteY7" fmla="*/ 1161535 h 1161535"/>
+              <a:gd name="connsiteX8" fmla="*/ 5263979 w 6635579"/>
+              <a:gd name="connsiteY8" fmla="*/ 593124 h 1161535"/>
+              <a:gd name="connsiteX9" fmla="*/ 6635579 w 6635579"/>
+              <a:gd name="connsiteY9" fmla="*/ 593124 h 1161535"/>
+              <a:gd name="connsiteX10" fmla="*/ 6635579 w 6635579"/>
+              <a:gd name="connsiteY10" fmla="*/ 593124 h 1161535"/>
+              <a:gd name="connsiteX11" fmla="*/ 6635579 w 6635579"/>
+              <a:gd name="connsiteY11" fmla="*/ 593124 h 1161535"/>
+              <a:gd name="connsiteX0" fmla="*/ 0 w 6635579"/>
+              <a:gd name="connsiteY0" fmla="*/ 580768 h 1161535"/>
+              <a:gd name="connsiteX1" fmla="*/ 1470454 w 6635579"/>
+              <a:gd name="connsiteY1" fmla="*/ 580768 h 1161535"/>
+              <a:gd name="connsiteX2" fmla="*/ 1779373 w 6635579"/>
+              <a:gd name="connsiteY2" fmla="*/ 24713 h 1161535"/>
+              <a:gd name="connsiteX3" fmla="*/ 2409568 w 6635579"/>
+              <a:gd name="connsiteY3" fmla="*/ 1161535 h 1161535"/>
+              <a:gd name="connsiteX4" fmla="*/ 3039762 w 6635579"/>
+              <a:gd name="connsiteY4" fmla="*/ 37070 h 1161535"/>
+              <a:gd name="connsiteX5" fmla="*/ 3645244 w 6635579"/>
+              <a:gd name="connsiteY5" fmla="*/ 1161535 h 1161535"/>
+              <a:gd name="connsiteX6" fmla="*/ 4275438 w 6635579"/>
+              <a:gd name="connsiteY6" fmla="*/ 0 h 1161535"/>
+              <a:gd name="connsiteX7" fmla="*/ 4917990 w 6635579"/>
+              <a:gd name="connsiteY7" fmla="*/ 1161535 h 1161535"/>
+              <a:gd name="connsiteX8" fmla="*/ 5263979 w 6635579"/>
+              <a:gd name="connsiteY8" fmla="*/ 593124 h 1161535"/>
+              <a:gd name="connsiteX9" fmla="*/ 6635579 w 6635579"/>
+              <a:gd name="connsiteY9" fmla="*/ 593124 h 1161535"/>
+              <a:gd name="connsiteX10" fmla="*/ 6635579 w 6635579"/>
+              <a:gd name="connsiteY10" fmla="*/ 593124 h 1161535"/>
+              <a:gd name="connsiteX11" fmla="*/ 6635579 w 6635579"/>
+              <a:gd name="connsiteY11" fmla="*/ 593124 h 1161535"/>
+              <a:gd name="connsiteX0" fmla="*/ 0 w 6635579"/>
+              <a:gd name="connsiteY0" fmla="*/ 580768 h 1161535"/>
+              <a:gd name="connsiteX1" fmla="*/ 1470454 w 6635579"/>
+              <a:gd name="connsiteY1" fmla="*/ 580768 h 1161535"/>
+              <a:gd name="connsiteX2" fmla="*/ 1779373 w 6635579"/>
+              <a:gd name="connsiteY2" fmla="*/ 24713 h 1161535"/>
+              <a:gd name="connsiteX3" fmla="*/ 2409568 w 6635579"/>
+              <a:gd name="connsiteY3" fmla="*/ 1161535 h 1161535"/>
+              <a:gd name="connsiteX4" fmla="*/ 3039762 w 6635579"/>
+              <a:gd name="connsiteY4" fmla="*/ 37070 h 1161535"/>
+              <a:gd name="connsiteX5" fmla="*/ 3645244 w 6635579"/>
+              <a:gd name="connsiteY5" fmla="*/ 1161535 h 1161535"/>
+              <a:gd name="connsiteX6" fmla="*/ 4275438 w 6635579"/>
+              <a:gd name="connsiteY6" fmla="*/ 0 h 1161535"/>
+              <a:gd name="connsiteX7" fmla="*/ 4917990 w 6635579"/>
+              <a:gd name="connsiteY7" fmla="*/ 1161535 h 1161535"/>
+              <a:gd name="connsiteX8" fmla="*/ 5263979 w 6635579"/>
+              <a:gd name="connsiteY8" fmla="*/ 593124 h 1161535"/>
+              <a:gd name="connsiteX9" fmla="*/ 6635579 w 6635579"/>
+              <a:gd name="connsiteY9" fmla="*/ 593124 h 1161535"/>
+              <a:gd name="connsiteX10" fmla="*/ 6635579 w 6635579"/>
+              <a:gd name="connsiteY10" fmla="*/ 593124 h 1161535"/>
+              <a:gd name="connsiteX11" fmla="*/ 6635579 w 6635579"/>
+              <a:gd name="connsiteY11" fmla="*/ 593124 h 1161535"/>
+              <a:gd name="connsiteX0" fmla="*/ 0 w 6635579"/>
+              <a:gd name="connsiteY0" fmla="*/ 580768 h 1161535"/>
+              <a:gd name="connsiteX1" fmla="*/ 1470454 w 6635579"/>
+              <a:gd name="connsiteY1" fmla="*/ 580768 h 1161535"/>
+              <a:gd name="connsiteX2" fmla="*/ 1779373 w 6635579"/>
+              <a:gd name="connsiteY2" fmla="*/ 24713 h 1161535"/>
+              <a:gd name="connsiteX3" fmla="*/ 2409568 w 6635579"/>
+              <a:gd name="connsiteY3" fmla="*/ 1161535 h 1161535"/>
+              <a:gd name="connsiteX4" fmla="*/ 3039762 w 6635579"/>
+              <a:gd name="connsiteY4" fmla="*/ 37070 h 1161535"/>
+              <a:gd name="connsiteX5" fmla="*/ 3645244 w 6635579"/>
+              <a:gd name="connsiteY5" fmla="*/ 1161535 h 1161535"/>
+              <a:gd name="connsiteX6" fmla="*/ 4275438 w 6635579"/>
+              <a:gd name="connsiteY6" fmla="*/ 0 h 1161535"/>
+              <a:gd name="connsiteX7" fmla="*/ 4917990 w 6635579"/>
+              <a:gd name="connsiteY7" fmla="*/ 1161535 h 1161535"/>
+              <a:gd name="connsiteX8" fmla="*/ 5263979 w 6635579"/>
+              <a:gd name="connsiteY8" fmla="*/ 593124 h 1161535"/>
+              <a:gd name="connsiteX9" fmla="*/ 6635579 w 6635579"/>
+              <a:gd name="connsiteY9" fmla="*/ 593124 h 1161535"/>
+              <a:gd name="connsiteX10" fmla="*/ 6635579 w 6635579"/>
+              <a:gd name="connsiteY10" fmla="*/ 593124 h 1161535"/>
+              <a:gd name="connsiteX11" fmla="*/ 6635579 w 6635579"/>
+              <a:gd name="connsiteY11" fmla="*/ 593124 h 1161535"/>
+            </a:gdLst>
+            <a:ahLst/>
+            <a:cxnLst>
+              <a:cxn ang="0">
+                <a:pos x="connsiteX0" y="connsiteY0"/>
+              </a:cxn>
+              <a:cxn ang="0">
+                <a:pos x="connsiteX1" y="connsiteY1"/>
+              </a:cxn>
+              <a:cxn ang="0">
+                <a:pos x="connsiteX2" y="connsiteY2"/>
+              </a:cxn>
+              <a:cxn ang="0">
+                <a:pos x="connsiteX3" y="connsiteY3"/>
+              </a:cxn>
+              <a:cxn ang="0">
+                <a:pos x="connsiteX4" y="connsiteY4"/>
+              </a:cxn>
+              <a:cxn ang="0">
+                <a:pos x="connsiteX5" y="connsiteY5"/>
+              </a:cxn>
+              <a:cxn ang="0">
+                <a:pos x="connsiteX6" y="connsiteY6"/>
+              </a:cxn>
+              <a:cxn ang="0">
+                <a:pos x="connsiteX7" y="connsiteY7"/>
+              </a:cxn>
+              <a:cxn ang="0">
+                <a:pos x="connsiteX8" y="connsiteY8"/>
+              </a:cxn>
+              <a:cxn ang="0">
+                <a:pos x="connsiteX9" y="connsiteY9"/>
+              </a:cxn>
+              <a:cxn ang="0">
+                <a:pos x="connsiteX10" y="connsiteY10"/>
+              </a:cxn>
+              <a:cxn ang="0">
+                <a:pos x="connsiteX11" y="connsiteY11"/>
+              </a:cxn>
+            </a:cxnLst>
+            <a:rect l="l" t="t" r="r" b="b"/>
+            <a:pathLst>
+              <a:path w="6635579" h="1161535">
+                <a:moveTo>
+                  <a:pt x="0" y="580768"/>
+                </a:moveTo>
+                <a:cubicBezTo>
+                  <a:pt x="586946" y="627106"/>
+                  <a:pt x="15652" y="589038"/>
+                  <a:pt x="1470454" y="580768"/>
+                </a:cubicBezTo>
+                <a:cubicBezTo>
+                  <a:pt x="1785773" y="19169"/>
+                  <a:pt x="1491556" y="589100"/>
+                  <a:pt x="1779373" y="24713"/>
+                </a:cubicBezTo>
+                <a:cubicBezTo>
+                  <a:pt x="2395437" y="1171895"/>
+                  <a:pt x="1791540" y="34061"/>
+                  <a:pt x="2409568" y="1161535"/>
+                </a:cubicBezTo>
+                <a:cubicBezTo>
+                  <a:pt x="3046353" y="33489"/>
+                  <a:pt x="2425853" y="1176553"/>
+                  <a:pt x="3039762" y="37070"/>
+                </a:cubicBezTo>
+                <a:cubicBezTo>
+                  <a:pt x="3653671" y="1181243"/>
+                  <a:pt x="3045402" y="42297"/>
+                  <a:pt x="3645244" y="1161535"/>
+                </a:cubicBezTo>
+                <a:cubicBezTo>
+                  <a:pt x="4287288" y="-2883"/>
+                  <a:pt x="3655351" y="1172307"/>
+                  <a:pt x="4275438" y="0"/>
+                </a:cubicBezTo>
+                <a:cubicBezTo>
+                  <a:pt x="4909592" y="1158240"/>
+                  <a:pt x="4288999" y="2915"/>
+                  <a:pt x="4917990" y="1161535"/>
+                </a:cubicBezTo>
+                <a:cubicBezTo>
+                  <a:pt x="5251560" y="589829"/>
+                  <a:pt x="4926132" y="1161472"/>
+                  <a:pt x="5263979" y="593124"/>
+                </a:cubicBezTo>
+                <a:lnTo>
+                  <a:pt x="6635579" y="593124"/>
+                </a:lnTo>
+                <a:lnTo>
+                  <a:pt x="6635579" y="593124"/>
+                </a:lnTo>
+                <a:lnTo>
+                  <a:pt x="6635579" y="593124"/>
+                </a:lnTo>
+              </a:path>
+            </a:pathLst>
+          </a:custGeom>
+          <a:noFill/>
+          <a:ln w="76200"/>
+        </p:spPr>
+        <p:style>
+          <a:lnRef idx="2">
+            <a:schemeClr val="accent1">
+              <a:shade val="15000"/>
+            </a:schemeClr>
+          </a:lnRef>
+          <a:fillRef idx="1">
+            <a:schemeClr val="accent1"/>
+          </a:fillRef>
+          <a:effectRef idx="0">
+            <a:schemeClr val="accent1"/>
+          </a:effectRef>
+          <a:fontRef idx="minor">
+            <a:schemeClr val="lt1"/>
+          </a:fontRef>
+        </p:style>
+        <p:txBody>
+          <a:bodyPr rtlCol="0" anchor="ctr"/>
+          <a:lstStyle/>
+          <a:p>
+            <a:pPr algn="ctr"/>
+            <a:endParaRPr lang="en-US"/>
+          </a:p>
+        </p:txBody>
+      </p:sp>
+    </p:spTree>
+    <p:extLst>
+      <p:ext uri="{BB962C8B-B14F-4D97-AF65-F5344CB8AC3E}">
+        <p14:creationId xmlns:p14="http://schemas.microsoft.com/office/powerpoint/2010/main" val="3117263915"/>
+      </p:ext>
+    </p:extLst>
+  </p:cSld>
+  <p:clrMapOvr>
+    <a:masterClrMapping/>
+  </p:clrMapOvr>
+</p:sld>
+</file>
+
+<file path=ppt/slides/slide3.xml><?xml version="1.0" encoding="utf-8"?>
+<p:sld xmlns:a="http://schemas.openxmlformats.org/drawingml/2006/main" xmlns:r="http://schemas.openxmlformats.org/officeDocument/2006/relationships" xmlns:p="http://schemas.openxmlformats.org/presentationml/2006/main">
+  <p:cSld>
+    <p:spTree>
+      <p:nvGrpSpPr>
+        <p:cNvPr id="1" name="">
+          <a:extLst>
+            <a:ext uri="{FF2B5EF4-FFF2-40B4-BE49-F238E27FC236}">
+              <a16:creationId xmlns:a16="http://schemas.microsoft.com/office/drawing/2014/main" id="{91614F2F-3180-6C21-F767-677569C2D2A6}"/>
+            </a:ext>
+          </a:extLst>
+        </p:cNvPr>
+        <p:cNvGrpSpPr/>
+        <p:nvPr/>
+      </p:nvGrpSpPr>
+      <p:grpSpPr>
+        <a:xfrm>
+          <a:off x="0" y="0"/>
+          <a:ext cx="0" cy="0"/>
+          <a:chOff x="0" y="0"/>
+          <a:chExt cx="0" cy="0"/>
+        </a:xfrm>
+      </p:grpSpPr>
+      <p:sp>
+        <p:nvSpPr>
+          <p:cNvPr id="2" name="Title 1">
+            <a:extLst>
+              <a:ext uri="{FF2B5EF4-FFF2-40B4-BE49-F238E27FC236}">
+                <a16:creationId xmlns:a16="http://schemas.microsoft.com/office/drawing/2014/main" id="{370DF678-1488-BABF-9B08-FCDF385E36E5}"/>
+              </a:ext>
+            </a:extLst>
+          </p:cNvPr>
+          <p:cNvSpPr>
+            <a:spLocks noGrp="1"/>
+          </p:cNvSpPr>
+          <p:nvPr>
+            <p:ph type="title"/>
+          </p:nvPr>
+        </p:nvSpPr>
+        <p:spPr>
+          <a:xfrm>
+            <a:off x="356937" y="220746"/>
+            <a:ext cx="10515600" cy="428959"/>
+          </a:xfrm>
+        </p:spPr>
+        <p:txBody>
+          <a:bodyPr>
+            <a:normAutofit fontScale="90000"/>
+          </a:bodyPr>
+          <a:lstStyle/>
+          <a:p>
+            <a:endParaRPr lang="en-US" dirty="0"/>
+          </a:p>
+        </p:txBody>
+      </p:sp>
+      <p:pic>
+        <p:nvPicPr>
+          <p:cNvPr id="4" name="Picture 3">
+            <a:extLst>
+              <a:ext uri="{FF2B5EF4-FFF2-40B4-BE49-F238E27FC236}">
+                <a16:creationId xmlns:a16="http://schemas.microsoft.com/office/drawing/2014/main" id="{9836B4C2-1DE3-7460-C359-7251C10AC99B}"/>
+              </a:ext>
+            </a:extLst>
+          </p:cNvPr>
+          <p:cNvPicPr>
+            <a:picLocks noChangeAspect="1"/>
+          </p:cNvPicPr>
+          <p:nvPr/>
+        </p:nvPicPr>
+        <p:blipFill>
+          <a:blip r:embed="rId2"/>
+          <a:stretch>
+            <a:fillRect/>
+          </a:stretch>
+        </p:blipFill>
+        <p:spPr>
+          <a:xfrm>
+            <a:off x="1584157" y="1563749"/>
+            <a:ext cx="7772400" cy="4043323"/>
+          </a:xfrm>
+          <a:prstGeom prst="rect">
+            <a:avLst/>
+          </a:prstGeom>
+        </p:spPr>
+      </p:pic>
+      <p:sp>
+        <p:nvSpPr>
+          <p:cNvPr id="5" name="TextBox 4">
+            <a:extLst>
+              <a:ext uri="{FF2B5EF4-FFF2-40B4-BE49-F238E27FC236}">
+                <a16:creationId xmlns:a16="http://schemas.microsoft.com/office/drawing/2014/main" id="{50FEEBF7-F8DA-7F14-6A76-70FF28801B2E}"/>
+              </a:ext>
+            </a:extLst>
+          </p:cNvPr>
+          <p:cNvSpPr txBox="1"/>
+          <p:nvPr/>
+        </p:nvSpPr>
+        <p:spPr>
+          <a:xfrm>
+            <a:off x="3786376" y="3144182"/>
+            <a:ext cx="1101584" cy="369332"/>
+          </a:xfrm>
+          <a:prstGeom prst="rect">
+            <a:avLst/>
+          </a:prstGeom>
+          <a:noFill/>
+        </p:spPr>
+        <p:txBody>
+          <a:bodyPr wrap="none" rtlCol="0">
+            <a:spAutoFit/>
+          </a:bodyPr>
+          <a:lstStyle/>
+          <a:p>
+            <a:r>
+              <a:rPr lang="en-US" dirty="0"/>
+              <a:t>10K Ohm</a:t>
+            </a:r>
+          </a:p>
+        </p:txBody>
+      </p:sp>
+      <p:sp>
+        <p:nvSpPr>
+          <p:cNvPr id="6" name="Freeform 5">
+            <a:extLst>
+              <a:ext uri="{FF2B5EF4-FFF2-40B4-BE49-F238E27FC236}">
+                <a16:creationId xmlns:a16="http://schemas.microsoft.com/office/drawing/2014/main" id="{9B1DC694-4149-D011-84BA-0B233F4EEBAB}"/>
+              </a:ext>
+            </a:extLst>
+          </p:cNvPr>
+          <p:cNvSpPr/>
+          <p:nvPr/>
+        </p:nvSpPr>
+        <p:spPr>
+          <a:xfrm flipV="1">
+            <a:off x="3901809" y="3529152"/>
+            <a:ext cx="870718" cy="224699"/>
+          </a:xfrm>
+          <a:custGeom>
+            <a:avLst/>
+            <a:gdLst>
+              <a:gd name="connsiteX0" fmla="*/ 0 w 6635579"/>
+              <a:gd name="connsiteY0" fmla="*/ 580768 h 1172959"/>
+              <a:gd name="connsiteX1" fmla="*/ 1470454 w 6635579"/>
+              <a:gd name="connsiteY1" fmla="*/ 580768 h 1172959"/>
+              <a:gd name="connsiteX2" fmla="*/ 1779373 w 6635579"/>
+              <a:gd name="connsiteY2" fmla="*/ 24713 h 1172959"/>
+              <a:gd name="connsiteX3" fmla="*/ 2409568 w 6635579"/>
+              <a:gd name="connsiteY3" fmla="*/ 1161535 h 1172959"/>
+              <a:gd name="connsiteX4" fmla="*/ 3039762 w 6635579"/>
+              <a:gd name="connsiteY4" fmla="*/ 37070 h 1172959"/>
+              <a:gd name="connsiteX5" fmla="*/ 3645244 w 6635579"/>
+              <a:gd name="connsiteY5" fmla="*/ 1161535 h 1172959"/>
+              <a:gd name="connsiteX6" fmla="*/ 4275438 w 6635579"/>
+              <a:gd name="connsiteY6" fmla="*/ 0 h 1172959"/>
+              <a:gd name="connsiteX7" fmla="*/ 4917990 w 6635579"/>
+              <a:gd name="connsiteY7" fmla="*/ 1161535 h 1172959"/>
+              <a:gd name="connsiteX8" fmla="*/ 5263979 w 6635579"/>
+              <a:gd name="connsiteY8" fmla="*/ 593124 h 1172959"/>
+              <a:gd name="connsiteX9" fmla="*/ 6635579 w 6635579"/>
+              <a:gd name="connsiteY9" fmla="*/ 593124 h 1172959"/>
+              <a:gd name="connsiteX10" fmla="*/ 6635579 w 6635579"/>
+              <a:gd name="connsiteY10" fmla="*/ 593124 h 1172959"/>
+              <a:gd name="connsiteX11" fmla="*/ 6635579 w 6635579"/>
+              <a:gd name="connsiteY11" fmla="*/ 593124 h 1172959"/>
+              <a:gd name="connsiteX0" fmla="*/ 0 w 6635579"/>
+              <a:gd name="connsiteY0" fmla="*/ 580768 h 1172959"/>
+              <a:gd name="connsiteX1" fmla="*/ 1470454 w 6635579"/>
+              <a:gd name="connsiteY1" fmla="*/ 580768 h 1172959"/>
+              <a:gd name="connsiteX2" fmla="*/ 1779373 w 6635579"/>
+              <a:gd name="connsiteY2" fmla="*/ 24713 h 1172959"/>
+              <a:gd name="connsiteX3" fmla="*/ 2409568 w 6635579"/>
+              <a:gd name="connsiteY3" fmla="*/ 1161535 h 1172959"/>
+              <a:gd name="connsiteX4" fmla="*/ 3039762 w 6635579"/>
+              <a:gd name="connsiteY4" fmla="*/ 37070 h 1172959"/>
+              <a:gd name="connsiteX5" fmla="*/ 3645244 w 6635579"/>
+              <a:gd name="connsiteY5" fmla="*/ 1161535 h 1172959"/>
+              <a:gd name="connsiteX6" fmla="*/ 4275438 w 6635579"/>
+              <a:gd name="connsiteY6" fmla="*/ 0 h 1172959"/>
+              <a:gd name="connsiteX7" fmla="*/ 4917990 w 6635579"/>
+              <a:gd name="connsiteY7" fmla="*/ 1161535 h 1172959"/>
+              <a:gd name="connsiteX8" fmla="*/ 5263979 w 6635579"/>
+              <a:gd name="connsiteY8" fmla="*/ 593124 h 1172959"/>
+              <a:gd name="connsiteX9" fmla="*/ 6635579 w 6635579"/>
+              <a:gd name="connsiteY9" fmla="*/ 593124 h 1172959"/>
+              <a:gd name="connsiteX10" fmla="*/ 6635579 w 6635579"/>
+              <a:gd name="connsiteY10" fmla="*/ 593124 h 1172959"/>
+              <a:gd name="connsiteX11" fmla="*/ 6635579 w 6635579"/>
+              <a:gd name="connsiteY11" fmla="*/ 593124 h 1172959"/>
+              <a:gd name="connsiteX0" fmla="*/ 0 w 6635579"/>
+              <a:gd name="connsiteY0" fmla="*/ 580768 h 1172959"/>
+              <a:gd name="connsiteX1" fmla="*/ 1470454 w 6635579"/>
+              <a:gd name="connsiteY1" fmla="*/ 580768 h 1172959"/>
+              <a:gd name="connsiteX2" fmla="*/ 1779373 w 6635579"/>
+              <a:gd name="connsiteY2" fmla="*/ 24713 h 1172959"/>
+              <a:gd name="connsiteX3" fmla="*/ 2409568 w 6635579"/>
+              <a:gd name="connsiteY3" fmla="*/ 1161535 h 1172959"/>
+              <a:gd name="connsiteX4" fmla="*/ 3039762 w 6635579"/>
+              <a:gd name="connsiteY4" fmla="*/ 37070 h 1172959"/>
+              <a:gd name="connsiteX5" fmla="*/ 3645244 w 6635579"/>
+              <a:gd name="connsiteY5" fmla="*/ 1161535 h 1172959"/>
+              <a:gd name="connsiteX6" fmla="*/ 4275438 w 6635579"/>
+              <a:gd name="connsiteY6" fmla="*/ 0 h 1172959"/>
+              <a:gd name="connsiteX7" fmla="*/ 4917990 w 6635579"/>
+              <a:gd name="connsiteY7" fmla="*/ 1161535 h 1172959"/>
+              <a:gd name="connsiteX8" fmla="*/ 5263979 w 6635579"/>
+              <a:gd name="connsiteY8" fmla="*/ 593124 h 1172959"/>
+              <a:gd name="connsiteX9" fmla="*/ 6635579 w 6635579"/>
+              <a:gd name="connsiteY9" fmla="*/ 593124 h 1172959"/>
+              <a:gd name="connsiteX10" fmla="*/ 6635579 w 6635579"/>
+              <a:gd name="connsiteY10" fmla="*/ 593124 h 1172959"/>
+              <a:gd name="connsiteX11" fmla="*/ 6635579 w 6635579"/>
+              <a:gd name="connsiteY11" fmla="*/ 593124 h 1172959"/>
+              <a:gd name="connsiteX0" fmla="*/ 0 w 6635579"/>
+              <a:gd name="connsiteY0" fmla="*/ 580768 h 1172959"/>
+              <a:gd name="connsiteX1" fmla="*/ 1470454 w 6635579"/>
+              <a:gd name="connsiteY1" fmla="*/ 580768 h 1172959"/>
+              <a:gd name="connsiteX2" fmla="*/ 1779373 w 6635579"/>
+              <a:gd name="connsiteY2" fmla="*/ 24713 h 1172959"/>
+              <a:gd name="connsiteX3" fmla="*/ 2409568 w 6635579"/>
+              <a:gd name="connsiteY3" fmla="*/ 1161535 h 1172959"/>
+              <a:gd name="connsiteX4" fmla="*/ 3039762 w 6635579"/>
+              <a:gd name="connsiteY4" fmla="*/ 37070 h 1172959"/>
+              <a:gd name="connsiteX5" fmla="*/ 3645244 w 6635579"/>
+              <a:gd name="connsiteY5" fmla="*/ 1161535 h 1172959"/>
+              <a:gd name="connsiteX6" fmla="*/ 4275438 w 6635579"/>
+              <a:gd name="connsiteY6" fmla="*/ 0 h 1172959"/>
+              <a:gd name="connsiteX7" fmla="*/ 4917990 w 6635579"/>
+              <a:gd name="connsiteY7" fmla="*/ 1161535 h 1172959"/>
+              <a:gd name="connsiteX8" fmla="*/ 5263979 w 6635579"/>
+              <a:gd name="connsiteY8" fmla="*/ 593124 h 1172959"/>
+              <a:gd name="connsiteX9" fmla="*/ 6635579 w 6635579"/>
+              <a:gd name="connsiteY9" fmla="*/ 593124 h 1172959"/>
+              <a:gd name="connsiteX10" fmla="*/ 6635579 w 6635579"/>
+              <a:gd name="connsiteY10" fmla="*/ 593124 h 1172959"/>
+              <a:gd name="connsiteX11" fmla="*/ 6635579 w 6635579"/>
+              <a:gd name="connsiteY11" fmla="*/ 593124 h 1172959"/>
+              <a:gd name="connsiteX0" fmla="*/ 0 w 6635579"/>
+              <a:gd name="connsiteY0" fmla="*/ 580768 h 1172959"/>
+              <a:gd name="connsiteX1" fmla="*/ 1470454 w 6635579"/>
+              <a:gd name="connsiteY1" fmla="*/ 580768 h 1172959"/>
+              <a:gd name="connsiteX2" fmla="*/ 1779373 w 6635579"/>
+              <a:gd name="connsiteY2" fmla="*/ 24713 h 1172959"/>
+              <a:gd name="connsiteX3" fmla="*/ 2409568 w 6635579"/>
+              <a:gd name="connsiteY3" fmla="*/ 1161535 h 1172959"/>
+              <a:gd name="connsiteX4" fmla="*/ 3039762 w 6635579"/>
+              <a:gd name="connsiteY4" fmla="*/ 37070 h 1172959"/>
+              <a:gd name="connsiteX5" fmla="*/ 3645244 w 6635579"/>
+              <a:gd name="connsiteY5" fmla="*/ 1161535 h 1172959"/>
+              <a:gd name="connsiteX6" fmla="*/ 4275438 w 6635579"/>
+              <a:gd name="connsiteY6" fmla="*/ 0 h 1172959"/>
+              <a:gd name="connsiteX7" fmla="*/ 4917990 w 6635579"/>
+              <a:gd name="connsiteY7" fmla="*/ 1161535 h 1172959"/>
+              <a:gd name="connsiteX8" fmla="*/ 5263979 w 6635579"/>
+              <a:gd name="connsiteY8" fmla="*/ 593124 h 1172959"/>
+              <a:gd name="connsiteX9" fmla="*/ 6635579 w 6635579"/>
+              <a:gd name="connsiteY9" fmla="*/ 593124 h 1172959"/>
+              <a:gd name="connsiteX10" fmla="*/ 6635579 w 6635579"/>
+              <a:gd name="connsiteY10" fmla="*/ 593124 h 1172959"/>
+              <a:gd name="connsiteX11" fmla="*/ 6635579 w 6635579"/>
+              <a:gd name="connsiteY11" fmla="*/ 593124 h 1172959"/>
+              <a:gd name="connsiteX0" fmla="*/ 0 w 6635579"/>
+              <a:gd name="connsiteY0" fmla="*/ 580768 h 1172959"/>
+              <a:gd name="connsiteX1" fmla="*/ 1470454 w 6635579"/>
+              <a:gd name="connsiteY1" fmla="*/ 580768 h 1172959"/>
+              <a:gd name="connsiteX2" fmla="*/ 1779373 w 6635579"/>
+              <a:gd name="connsiteY2" fmla="*/ 24713 h 1172959"/>
+              <a:gd name="connsiteX3" fmla="*/ 2409568 w 6635579"/>
+              <a:gd name="connsiteY3" fmla="*/ 1161535 h 1172959"/>
+              <a:gd name="connsiteX4" fmla="*/ 3039762 w 6635579"/>
+              <a:gd name="connsiteY4" fmla="*/ 37070 h 1172959"/>
+              <a:gd name="connsiteX5" fmla="*/ 3645244 w 6635579"/>
+              <a:gd name="connsiteY5" fmla="*/ 1161535 h 1172959"/>
+              <a:gd name="connsiteX6" fmla="*/ 4275438 w 6635579"/>
+              <a:gd name="connsiteY6" fmla="*/ 0 h 1172959"/>
+              <a:gd name="connsiteX7" fmla="*/ 4917990 w 6635579"/>
+              <a:gd name="connsiteY7" fmla="*/ 1161535 h 1172959"/>
+              <a:gd name="connsiteX8" fmla="*/ 5263979 w 6635579"/>
+              <a:gd name="connsiteY8" fmla="*/ 593124 h 1172959"/>
+              <a:gd name="connsiteX9" fmla="*/ 6635579 w 6635579"/>
+              <a:gd name="connsiteY9" fmla="*/ 593124 h 1172959"/>
+              <a:gd name="connsiteX10" fmla="*/ 6635579 w 6635579"/>
+              <a:gd name="connsiteY10" fmla="*/ 593124 h 1172959"/>
+              <a:gd name="connsiteX11" fmla="*/ 6635579 w 6635579"/>
+              <a:gd name="connsiteY11" fmla="*/ 593124 h 1172959"/>
+              <a:gd name="connsiteX0" fmla="*/ 0 w 6635579"/>
+              <a:gd name="connsiteY0" fmla="*/ 580768 h 1172959"/>
+              <a:gd name="connsiteX1" fmla="*/ 1470454 w 6635579"/>
+              <a:gd name="connsiteY1" fmla="*/ 580768 h 1172959"/>
+              <a:gd name="connsiteX2" fmla="*/ 1779373 w 6635579"/>
+              <a:gd name="connsiteY2" fmla="*/ 24713 h 1172959"/>
+              <a:gd name="connsiteX3" fmla="*/ 2409568 w 6635579"/>
+              <a:gd name="connsiteY3" fmla="*/ 1161535 h 1172959"/>
+              <a:gd name="connsiteX4" fmla="*/ 3039762 w 6635579"/>
+              <a:gd name="connsiteY4" fmla="*/ 37070 h 1172959"/>
+              <a:gd name="connsiteX5" fmla="*/ 3645244 w 6635579"/>
+              <a:gd name="connsiteY5" fmla="*/ 1161535 h 1172959"/>
+              <a:gd name="connsiteX6" fmla="*/ 4275438 w 6635579"/>
+              <a:gd name="connsiteY6" fmla="*/ 0 h 1172959"/>
+              <a:gd name="connsiteX7" fmla="*/ 4917990 w 6635579"/>
+              <a:gd name="connsiteY7" fmla="*/ 1161535 h 1172959"/>
+              <a:gd name="connsiteX8" fmla="*/ 5263979 w 6635579"/>
+              <a:gd name="connsiteY8" fmla="*/ 593124 h 1172959"/>
+              <a:gd name="connsiteX9" fmla="*/ 6635579 w 6635579"/>
+              <a:gd name="connsiteY9" fmla="*/ 593124 h 1172959"/>
+              <a:gd name="connsiteX10" fmla="*/ 6635579 w 6635579"/>
+              <a:gd name="connsiteY10" fmla="*/ 593124 h 1172959"/>
+              <a:gd name="connsiteX11" fmla="*/ 6635579 w 6635579"/>
+              <a:gd name="connsiteY11" fmla="*/ 593124 h 1172959"/>
+              <a:gd name="connsiteX0" fmla="*/ 0 w 6635579"/>
+              <a:gd name="connsiteY0" fmla="*/ 580768 h 1172959"/>
+              <a:gd name="connsiteX1" fmla="*/ 1470454 w 6635579"/>
+              <a:gd name="connsiteY1" fmla="*/ 580768 h 1172959"/>
+              <a:gd name="connsiteX2" fmla="*/ 1779373 w 6635579"/>
+              <a:gd name="connsiteY2" fmla="*/ 24713 h 1172959"/>
+              <a:gd name="connsiteX3" fmla="*/ 2409568 w 6635579"/>
+              <a:gd name="connsiteY3" fmla="*/ 1161535 h 1172959"/>
+              <a:gd name="connsiteX4" fmla="*/ 3039762 w 6635579"/>
+              <a:gd name="connsiteY4" fmla="*/ 37070 h 1172959"/>
+              <a:gd name="connsiteX5" fmla="*/ 3645244 w 6635579"/>
+              <a:gd name="connsiteY5" fmla="*/ 1161535 h 1172959"/>
+              <a:gd name="connsiteX6" fmla="*/ 4275438 w 6635579"/>
+              <a:gd name="connsiteY6" fmla="*/ 0 h 1172959"/>
+              <a:gd name="connsiteX7" fmla="*/ 4917990 w 6635579"/>
+              <a:gd name="connsiteY7" fmla="*/ 1161535 h 1172959"/>
+              <a:gd name="connsiteX8" fmla="*/ 5263979 w 6635579"/>
+              <a:gd name="connsiteY8" fmla="*/ 593124 h 1172959"/>
+              <a:gd name="connsiteX9" fmla="*/ 6635579 w 6635579"/>
+              <a:gd name="connsiteY9" fmla="*/ 593124 h 1172959"/>
+              <a:gd name="connsiteX10" fmla="*/ 6635579 w 6635579"/>
+              <a:gd name="connsiteY10" fmla="*/ 593124 h 1172959"/>
+              <a:gd name="connsiteX11" fmla="*/ 6635579 w 6635579"/>
+              <a:gd name="connsiteY11" fmla="*/ 593124 h 1172959"/>
+              <a:gd name="connsiteX0" fmla="*/ 0 w 6635579"/>
+              <a:gd name="connsiteY0" fmla="*/ 580768 h 1172959"/>
+              <a:gd name="connsiteX1" fmla="*/ 1470454 w 6635579"/>
+              <a:gd name="connsiteY1" fmla="*/ 580768 h 1172959"/>
+              <a:gd name="connsiteX2" fmla="*/ 1779373 w 6635579"/>
+              <a:gd name="connsiteY2" fmla="*/ 24713 h 1172959"/>
+              <a:gd name="connsiteX3" fmla="*/ 2409568 w 6635579"/>
+              <a:gd name="connsiteY3" fmla="*/ 1161535 h 1172959"/>
+              <a:gd name="connsiteX4" fmla="*/ 3039762 w 6635579"/>
+              <a:gd name="connsiteY4" fmla="*/ 37070 h 1172959"/>
+              <a:gd name="connsiteX5" fmla="*/ 3645244 w 6635579"/>
+              <a:gd name="connsiteY5" fmla="*/ 1161535 h 1172959"/>
+              <a:gd name="connsiteX6" fmla="*/ 4275438 w 6635579"/>
+              <a:gd name="connsiteY6" fmla="*/ 0 h 1172959"/>
+              <a:gd name="connsiteX7" fmla="*/ 4917990 w 6635579"/>
+              <a:gd name="connsiteY7" fmla="*/ 1161535 h 1172959"/>
+              <a:gd name="connsiteX8" fmla="*/ 5263979 w 6635579"/>
+              <a:gd name="connsiteY8" fmla="*/ 593124 h 1172959"/>
+              <a:gd name="connsiteX9" fmla="*/ 6635579 w 6635579"/>
+              <a:gd name="connsiteY9" fmla="*/ 593124 h 1172959"/>
+              <a:gd name="connsiteX10" fmla="*/ 6635579 w 6635579"/>
+              <a:gd name="connsiteY10" fmla="*/ 593124 h 1172959"/>
+              <a:gd name="connsiteX11" fmla="*/ 6635579 w 6635579"/>
+              <a:gd name="connsiteY11" fmla="*/ 593124 h 1172959"/>
+              <a:gd name="connsiteX0" fmla="*/ 0 w 6635579"/>
+              <a:gd name="connsiteY0" fmla="*/ 580768 h 1172959"/>
+              <a:gd name="connsiteX1" fmla="*/ 1470454 w 6635579"/>
+              <a:gd name="connsiteY1" fmla="*/ 580768 h 1172959"/>
+              <a:gd name="connsiteX2" fmla="*/ 1779373 w 6635579"/>
+              <a:gd name="connsiteY2" fmla="*/ 24713 h 1172959"/>
+              <a:gd name="connsiteX3" fmla="*/ 2409568 w 6635579"/>
+              <a:gd name="connsiteY3" fmla="*/ 1161535 h 1172959"/>
+              <a:gd name="connsiteX4" fmla="*/ 3039762 w 6635579"/>
+              <a:gd name="connsiteY4" fmla="*/ 37070 h 1172959"/>
+              <a:gd name="connsiteX5" fmla="*/ 3645244 w 6635579"/>
+              <a:gd name="connsiteY5" fmla="*/ 1161535 h 1172959"/>
+              <a:gd name="connsiteX6" fmla="*/ 4275438 w 6635579"/>
+              <a:gd name="connsiteY6" fmla="*/ 0 h 1172959"/>
+              <a:gd name="connsiteX7" fmla="*/ 4917990 w 6635579"/>
+              <a:gd name="connsiteY7" fmla="*/ 1161535 h 1172959"/>
+              <a:gd name="connsiteX8" fmla="*/ 5263979 w 6635579"/>
+              <a:gd name="connsiteY8" fmla="*/ 593124 h 1172959"/>
+              <a:gd name="connsiteX9" fmla="*/ 6635579 w 6635579"/>
+              <a:gd name="connsiteY9" fmla="*/ 593124 h 1172959"/>
+              <a:gd name="connsiteX10" fmla="*/ 6635579 w 6635579"/>
+              <a:gd name="connsiteY10" fmla="*/ 593124 h 1172959"/>
+              <a:gd name="connsiteX11" fmla="*/ 6635579 w 6635579"/>
+              <a:gd name="connsiteY11" fmla="*/ 593124 h 1172959"/>
+              <a:gd name="connsiteX0" fmla="*/ 0 w 6635579"/>
+              <a:gd name="connsiteY0" fmla="*/ 580768 h 1172959"/>
+              <a:gd name="connsiteX1" fmla="*/ 1470454 w 6635579"/>
+              <a:gd name="connsiteY1" fmla="*/ 580768 h 1172959"/>
+              <a:gd name="connsiteX2" fmla="*/ 1779373 w 6635579"/>
+              <a:gd name="connsiteY2" fmla="*/ 24713 h 1172959"/>
+              <a:gd name="connsiteX3" fmla="*/ 2409568 w 6635579"/>
+              <a:gd name="connsiteY3" fmla="*/ 1161535 h 1172959"/>
+              <a:gd name="connsiteX4" fmla="*/ 3039762 w 6635579"/>
+              <a:gd name="connsiteY4" fmla="*/ 37070 h 1172959"/>
+              <a:gd name="connsiteX5" fmla="*/ 3645244 w 6635579"/>
+              <a:gd name="connsiteY5" fmla="*/ 1161535 h 1172959"/>
+              <a:gd name="connsiteX6" fmla="*/ 4275438 w 6635579"/>
+              <a:gd name="connsiteY6" fmla="*/ 0 h 1172959"/>
+              <a:gd name="connsiteX7" fmla="*/ 4917990 w 6635579"/>
+              <a:gd name="connsiteY7" fmla="*/ 1161535 h 1172959"/>
+              <a:gd name="connsiteX8" fmla="*/ 5263979 w 6635579"/>
+              <a:gd name="connsiteY8" fmla="*/ 593124 h 1172959"/>
+              <a:gd name="connsiteX9" fmla="*/ 6635579 w 6635579"/>
+              <a:gd name="connsiteY9" fmla="*/ 593124 h 1172959"/>
+              <a:gd name="connsiteX10" fmla="*/ 6635579 w 6635579"/>
+              <a:gd name="connsiteY10" fmla="*/ 593124 h 1172959"/>
+              <a:gd name="connsiteX11" fmla="*/ 6635579 w 6635579"/>
+              <a:gd name="connsiteY11" fmla="*/ 593124 h 1172959"/>
+              <a:gd name="connsiteX0" fmla="*/ 0 w 6635579"/>
+              <a:gd name="connsiteY0" fmla="*/ 580768 h 1172959"/>
+              <a:gd name="connsiteX1" fmla="*/ 1470454 w 6635579"/>
+              <a:gd name="connsiteY1" fmla="*/ 580768 h 1172959"/>
+              <a:gd name="connsiteX2" fmla="*/ 1779373 w 6635579"/>
+              <a:gd name="connsiteY2" fmla="*/ 24713 h 1172959"/>
+              <a:gd name="connsiteX3" fmla="*/ 2409568 w 6635579"/>
+              <a:gd name="connsiteY3" fmla="*/ 1161535 h 1172959"/>
+              <a:gd name="connsiteX4" fmla="*/ 3039762 w 6635579"/>
+              <a:gd name="connsiteY4" fmla="*/ 37070 h 1172959"/>
+              <a:gd name="connsiteX5" fmla="*/ 3645244 w 6635579"/>
+              <a:gd name="connsiteY5" fmla="*/ 1161535 h 1172959"/>
+              <a:gd name="connsiteX6" fmla="*/ 4275438 w 6635579"/>
+              <a:gd name="connsiteY6" fmla="*/ 0 h 1172959"/>
+              <a:gd name="connsiteX7" fmla="*/ 4917990 w 6635579"/>
+              <a:gd name="connsiteY7" fmla="*/ 1161535 h 1172959"/>
+              <a:gd name="connsiteX8" fmla="*/ 5263979 w 6635579"/>
+              <a:gd name="connsiteY8" fmla="*/ 593124 h 1172959"/>
+              <a:gd name="connsiteX9" fmla="*/ 6635579 w 6635579"/>
+              <a:gd name="connsiteY9" fmla="*/ 593124 h 1172959"/>
+              <a:gd name="connsiteX10" fmla="*/ 6635579 w 6635579"/>
+              <a:gd name="connsiteY10" fmla="*/ 593124 h 1172959"/>
+              <a:gd name="connsiteX11" fmla="*/ 6635579 w 6635579"/>
+              <a:gd name="connsiteY11" fmla="*/ 593124 h 1172959"/>
+              <a:gd name="connsiteX0" fmla="*/ 0 w 6635579"/>
+              <a:gd name="connsiteY0" fmla="*/ 580768 h 1172959"/>
+              <a:gd name="connsiteX1" fmla="*/ 1470454 w 6635579"/>
+              <a:gd name="connsiteY1" fmla="*/ 580768 h 1172959"/>
+              <a:gd name="connsiteX2" fmla="*/ 1779373 w 6635579"/>
+              <a:gd name="connsiteY2" fmla="*/ 24713 h 1172959"/>
+              <a:gd name="connsiteX3" fmla="*/ 2409568 w 6635579"/>
+              <a:gd name="connsiteY3" fmla="*/ 1161535 h 1172959"/>
+              <a:gd name="connsiteX4" fmla="*/ 3039762 w 6635579"/>
+              <a:gd name="connsiteY4" fmla="*/ 37070 h 1172959"/>
+              <a:gd name="connsiteX5" fmla="*/ 3645244 w 6635579"/>
+              <a:gd name="connsiteY5" fmla="*/ 1161535 h 1172959"/>
+              <a:gd name="connsiteX6" fmla="*/ 4275438 w 6635579"/>
+              <a:gd name="connsiteY6" fmla="*/ 0 h 1172959"/>
+              <a:gd name="connsiteX7" fmla="*/ 4917990 w 6635579"/>
+              <a:gd name="connsiteY7" fmla="*/ 1161535 h 1172959"/>
+              <a:gd name="connsiteX8" fmla="*/ 5263979 w 6635579"/>
+              <a:gd name="connsiteY8" fmla="*/ 593124 h 1172959"/>
+              <a:gd name="connsiteX9" fmla="*/ 6635579 w 6635579"/>
+              <a:gd name="connsiteY9" fmla="*/ 593124 h 1172959"/>
+              <a:gd name="connsiteX10" fmla="*/ 6635579 w 6635579"/>
+              <a:gd name="connsiteY10" fmla="*/ 593124 h 1172959"/>
+              <a:gd name="connsiteX11" fmla="*/ 6635579 w 6635579"/>
+              <a:gd name="connsiteY11" fmla="*/ 593124 h 1172959"/>
+              <a:gd name="connsiteX0" fmla="*/ 0 w 6635579"/>
+              <a:gd name="connsiteY0" fmla="*/ 580768 h 1172959"/>
+              <a:gd name="connsiteX1" fmla="*/ 1470454 w 6635579"/>
+              <a:gd name="connsiteY1" fmla="*/ 580768 h 1172959"/>
+              <a:gd name="connsiteX2" fmla="*/ 1779373 w 6635579"/>
+              <a:gd name="connsiteY2" fmla="*/ 24713 h 1172959"/>
+              <a:gd name="connsiteX3" fmla="*/ 2409568 w 6635579"/>
+              <a:gd name="connsiteY3" fmla="*/ 1161535 h 1172959"/>
+              <a:gd name="connsiteX4" fmla="*/ 3039762 w 6635579"/>
+              <a:gd name="connsiteY4" fmla="*/ 37070 h 1172959"/>
+              <a:gd name="connsiteX5" fmla="*/ 3645244 w 6635579"/>
+              <a:gd name="connsiteY5" fmla="*/ 1161535 h 1172959"/>
+              <a:gd name="connsiteX6" fmla="*/ 4275438 w 6635579"/>
+              <a:gd name="connsiteY6" fmla="*/ 0 h 1172959"/>
+              <a:gd name="connsiteX7" fmla="*/ 4917990 w 6635579"/>
+              <a:gd name="connsiteY7" fmla="*/ 1161535 h 1172959"/>
+              <a:gd name="connsiteX8" fmla="*/ 5263979 w 6635579"/>
+              <a:gd name="connsiteY8" fmla="*/ 593124 h 1172959"/>
+              <a:gd name="connsiteX9" fmla="*/ 6635579 w 6635579"/>
+              <a:gd name="connsiteY9" fmla="*/ 593124 h 1172959"/>
+              <a:gd name="connsiteX10" fmla="*/ 6635579 w 6635579"/>
+              <a:gd name="connsiteY10" fmla="*/ 593124 h 1172959"/>
+              <a:gd name="connsiteX11" fmla="*/ 6635579 w 6635579"/>
+              <a:gd name="connsiteY11" fmla="*/ 593124 h 1172959"/>
+              <a:gd name="connsiteX0" fmla="*/ 0 w 6635579"/>
+              <a:gd name="connsiteY0" fmla="*/ 580768 h 1172959"/>
+              <a:gd name="connsiteX1" fmla="*/ 1470454 w 6635579"/>
+              <a:gd name="connsiteY1" fmla="*/ 580768 h 1172959"/>
+              <a:gd name="connsiteX2" fmla="*/ 1779373 w 6635579"/>
+              <a:gd name="connsiteY2" fmla="*/ 24713 h 1172959"/>
+              <a:gd name="connsiteX3" fmla="*/ 2409568 w 6635579"/>
+              <a:gd name="connsiteY3" fmla="*/ 1161535 h 1172959"/>
+              <a:gd name="connsiteX4" fmla="*/ 3039762 w 6635579"/>
+              <a:gd name="connsiteY4" fmla="*/ 37070 h 1172959"/>
+              <a:gd name="connsiteX5" fmla="*/ 3645244 w 6635579"/>
+              <a:gd name="connsiteY5" fmla="*/ 1161535 h 1172959"/>
+              <a:gd name="connsiteX6" fmla="*/ 4275438 w 6635579"/>
+              <a:gd name="connsiteY6" fmla="*/ 0 h 1172959"/>
+              <a:gd name="connsiteX7" fmla="*/ 4917990 w 6635579"/>
+              <a:gd name="connsiteY7" fmla="*/ 1161535 h 1172959"/>
+              <a:gd name="connsiteX8" fmla="*/ 5263979 w 6635579"/>
+              <a:gd name="connsiteY8" fmla="*/ 593124 h 1172959"/>
+              <a:gd name="connsiteX9" fmla="*/ 6635579 w 6635579"/>
+              <a:gd name="connsiteY9" fmla="*/ 593124 h 1172959"/>
+              <a:gd name="connsiteX10" fmla="*/ 6635579 w 6635579"/>
+              <a:gd name="connsiteY10" fmla="*/ 593124 h 1172959"/>
+              <a:gd name="connsiteX11" fmla="*/ 6635579 w 6635579"/>
+              <a:gd name="connsiteY11" fmla="*/ 593124 h 1172959"/>
+              <a:gd name="connsiteX0" fmla="*/ 0 w 6635579"/>
+              <a:gd name="connsiteY0" fmla="*/ 580768 h 1172959"/>
+              <a:gd name="connsiteX1" fmla="*/ 1470454 w 6635579"/>
+              <a:gd name="connsiteY1" fmla="*/ 580768 h 1172959"/>
+              <a:gd name="connsiteX2" fmla="*/ 1779373 w 6635579"/>
+              <a:gd name="connsiteY2" fmla="*/ 24713 h 1172959"/>
+              <a:gd name="connsiteX3" fmla="*/ 2409568 w 6635579"/>
+              <a:gd name="connsiteY3" fmla="*/ 1161535 h 1172959"/>
+              <a:gd name="connsiteX4" fmla="*/ 3039762 w 6635579"/>
+              <a:gd name="connsiteY4" fmla="*/ 37070 h 1172959"/>
+              <a:gd name="connsiteX5" fmla="*/ 3645244 w 6635579"/>
+              <a:gd name="connsiteY5" fmla="*/ 1161535 h 1172959"/>
+              <a:gd name="connsiteX6" fmla="*/ 4275438 w 6635579"/>
+              <a:gd name="connsiteY6" fmla="*/ 0 h 1172959"/>
+              <a:gd name="connsiteX7" fmla="*/ 4917990 w 6635579"/>
+              <a:gd name="connsiteY7" fmla="*/ 1161535 h 1172959"/>
+              <a:gd name="connsiteX8" fmla="*/ 5263979 w 6635579"/>
+              <a:gd name="connsiteY8" fmla="*/ 593124 h 1172959"/>
+              <a:gd name="connsiteX9" fmla="*/ 6635579 w 6635579"/>
+              <a:gd name="connsiteY9" fmla="*/ 593124 h 1172959"/>
+              <a:gd name="connsiteX10" fmla="*/ 6635579 w 6635579"/>
+              <a:gd name="connsiteY10" fmla="*/ 593124 h 1172959"/>
+              <a:gd name="connsiteX11" fmla="*/ 6635579 w 6635579"/>
+              <a:gd name="connsiteY11" fmla="*/ 593124 h 1172959"/>
+              <a:gd name="connsiteX0" fmla="*/ 0 w 6635579"/>
+              <a:gd name="connsiteY0" fmla="*/ 580768 h 1172959"/>
+              <a:gd name="connsiteX1" fmla="*/ 1470454 w 6635579"/>
+              <a:gd name="connsiteY1" fmla="*/ 580768 h 1172959"/>
+              <a:gd name="connsiteX2" fmla="*/ 1779373 w 6635579"/>
+              <a:gd name="connsiteY2" fmla="*/ 24713 h 1172959"/>
+              <a:gd name="connsiteX3" fmla="*/ 2409568 w 6635579"/>
+              <a:gd name="connsiteY3" fmla="*/ 1161535 h 1172959"/>
+              <a:gd name="connsiteX4" fmla="*/ 3039762 w 6635579"/>
+              <a:gd name="connsiteY4" fmla="*/ 37070 h 1172959"/>
+              <a:gd name="connsiteX5" fmla="*/ 3645244 w 6635579"/>
+              <a:gd name="connsiteY5" fmla="*/ 1161535 h 1172959"/>
+              <a:gd name="connsiteX6" fmla="*/ 4275438 w 6635579"/>
+              <a:gd name="connsiteY6" fmla="*/ 0 h 1172959"/>
+              <a:gd name="connsiteX7" fmla="*/ 4917990 w 6635579"/>
+              <a:gd name="connsiteY7" fmla="*/ 1161535 h 1172959"/>
+              <a:gd name="connsiteX8" fmla="*/ 5263979 w 6635579"/>
+              <a:gd name="connsiteY8" fmla="*/ 593124 h 1172959"/>
+              <a:gd name="connsiteX9" fmla="*/ 6635579 w 6635579"/>
+              <a:gd name="connsiteY9" fmla="*/ 593124 h 1172959"/>
+              <a:gd name="connsiteX10" fmla="*/ 6635579 w 6635579"/>
+              <a:gd name="connsiteY10" fmla="*/ 593124 h 1172959"/>
+              <a:gd name="connsiteX11" fmla="*/ 6635579 w 6635579"/>
+              <a:gd name="connsiteY11" fmla="*/ 593124 h 1172959"/>
+              <a:gd name="connsiteX0" fmla="*/ 0 w 6635579"/>
+              <a:gd name="connsiteY0" fmla="*/ 580768 h 1172959"/>
+              <a:gd name="connsiteX1" fmla="*/ 1470454 w 6635579"/>
+              <a:gd name="connsiteY1" fmla="*/ 580768 h 1172959"/>
+              <a:gd name="connsiteX2" fmla="*/ 1779373 w 6635579"/>
+              <a:gd name="connsiteY2" fmla="*/ 24713 h 1172959"/>
+              <a:gd name="connsiteX3" fmla="*/ 2409568 w 6635579"/>
+              <a:gd name="connsiteY3" fmla="*/ 1161535 h 1172959"/>
+              <a:gd name="connsiteX4" fmla="*/ 3039762 w 6635579"/>
+              <a:gd name="connsiteY4" fmla="*/ 37070 h 1172959"/>
+              <a:gd name="connsiteX5" fmla="*/ 3645244 w 6635579"/>
+              <a:gd name="connsiteY5" fmla="*/ 1161535 h 1172959"/>
+              <a:gd name="connsiteX6" fmla="*/ 4275438 w 6635579"/>
+              <a:gd name="connsiteY6" fmla="*/ 0 h 1172959"/>
+              <a:gd name="connsiteX7" fmla="*/ 4917990 w 6635579"/>
+              <a:gd name="connsiteY7" fmla="*/ 1161535 h 1172959"/>
+              <a:gd name="connsiteX8" fmla="*/ 5263979 w 6635579"/>
+              <a:gd name="connsiteY8" fmla="*/ 593124 h 1172959"/>
+              <a:gd name="connsiteX9" fmla="*/ 6635579 w 6635579"/>
+              <a:gd name="connsiteY9" fmla="*/ 593124 h 1172959"/>
+              <a:gd name="connsiteX10" fmla="*/ 6635579 w 6635579"/>
+              <a:gd name="connsiteY10" fmla="*/ 593124 h 1172959"/>
+              <a:gd name="connsiteX11" fmla="*/ 6635579 w 6635579"/>
+              <a:gd name="connsiteY11" fmla="*/ 593124 h 1172959"/>
+              <a:gd name="connsiteX0" fmla="*/ 0 w 6635579"/>
+              <a:gd name="connsiteY0" fmla="*/ 580768 h 1172959"/>
+              <a:gd name="connsiteX1" fmla="*/ 1470454 w 6635579"/>
+              <a:gd name="connsiteY1" fmla="*/ 580768 h 1172959"/>
+              <a:gd name="connsiteX2" fmla="*/ 1779373 w 6635579"/>
+              <a:gd name="connsiteY2" fmla="*/ 24713 h 1172959"/>
+              <a:gd name="connsiteX3" fmla="*/ 2409568 w 6635579"/>
+              <a:gd name="connsiteY3" fmla="*/ 1161535 h 1172959"/>
+              <a:gd name="connsiteX4" fmla="*/ 3039762 w 6635579"/>
+              <a:gd name="connsiteY4" fmla="*/ 37070 h 1172959"/>
+              <a:gd name="connsiteX5" fmla="*/ 3645244 w 6635579"/>
+              <a:gd name="connsiteY5" fmla="*/ 1161535 h 1172959"/>
+              <a:gd name="connsiteX6" fmla="*/ 4275438 w 6635579"/>
+              <a:gd name="connsiteY6" fmla="*/ 0 h 1172959"/>
+              <a:gd name="connsiteX7" fmla="*/ 4917990 w 6635579"/>
+              <a:gd name="connsiteY7" fmla="*/ 1161535 h 1172959"/>
+              <a:gd name="connsiteX8" fmla="*/ 5263979 w 6635579"/>
+              <a:gd name="connsiteY8" fmla="*/ 593124 h 1172959"/>
+              <a:gd name="connsiteX9" fmla="*/ 6635579 w 6635579"/>
+              <a:gd name="connsiteY9" fmla="*/ 593124 h 1172959"/>
+              <a:gd name="connsiteX10" fmla="*/ 6635579 w 6635579"/>
+              <a:gd name="connsiteY10" fmla="*/ 593124 h 1172959"/>
+              <a:gd name="connsiteX11" fmla="*/ 6635579 w 6635579"/>
+              <a:gd name="connsiteY11" fmla="*/ 593124 h 1172959"/>
+              <a:gd name="connsiteX0" fmla="*/ 0 w 6635579"/>
+              <a:gd name="connsiteY0" fmla="*/ 580768 h 1172959"/>
+              <a:gd name="connsiteX1" fmla="*/ 1470454 w 6635579"/>
+              <a:gd name="connsiteY1" fmla="*/ 580768 h 1172959"/>
+              <a:gd name="connsiteX2" fmla="*/ 1779373 w 6635579"/>
+              <a:gd name="connsiteY2" fmla="*/ 24713 h 1172959"/>
+              <a:gd name="connsiteX3" fmla="*/ 2409568 w 6635579"/>
+              <a:gd name="connsiteY3" fmla="*/ 1161535 h 1172959"/>
+              <a:gd name="connsiteX4" fmla="*/ 3039762 w 6635579"/>
+              <a:gd name="connsiteY4" fmla="*/ 37070 h 1172959"/>
+              <a:gd name="connsiteX5" fmla="*/ 3645244 w 6635579"/>
+              <a:gd name="connsiteY5" fmla="*/ 1161535 h 1172959"/>
+              <a:gd name="connsiteX6" fmla="*/ 4275438 w 6635579"/>
+              <a:gd name="connsiteY6" fmla="*/ 0 h 1172959"/>
+              <a:gd name="connsiteX7" fmla="*/ 4917990 w 6635579"/>
+              <a:gd name="connsiteY7" fmla="*/ 1161535 h 1172959"/>
+              <a:gd name="connsiteX8" fmla="*/ 5263979 w 6635579"/>
+              <a:gd name="connsiteY8" fmla="*/ 593124 h 1172959"/>
+              <a:gd name="connsiteX9" fmla="*/ 6635579 w 6635579"/>
+              <a:gd name="connsiteY9" fmla="*/ 593124 h 1172959"/>
+              <a:gd name="connsiteX10" fmla="*/ 6635579 w 6635579"/>
+              <a:gd name="connsiteY10" fmla="*/ 593124 h 1172959"/>
+              <a:gd name="connsiteX11" fmla="*/ 6635579 w 6635579"/>
+              <a:gd name="connsiteY11" fmla="*/ 593124 h 1172959"/>
+              <a:gd name="connsiteX0" fmla="*/ 0 w 6635579"/>
+              <a:gd name="connsiteY0" fmla="*/ 580768 h 1161535"/>
+              <a:gd name="connsiteX1" fmla="*/ 1470454 w 6635579"/>
+              <a:gd name="connsiteY1" fmla="*/ 580768 h 1161535"/>
+              <a:gd name="connsiteX2" fmla="*/ 1779373 w 6635579"/>
+              <a:gd name="connsiteY2" fmla="*/ 24713 h 1161535"/>
+              <a:gd name="connsiteX3" fmla="*/ 2409568 w 6635579"/>
+              <a:gd name="connsiteY3" fmla="*/ 1161535 h 1161535"/>
+              <a:gd name="connsiteX4" fmla="*/ 3039762 w 6635579"/>
+              <a:gd name="connsiteY4" fmla="*/ 37070 h 1161535"/>
+              <a:gd name="connsiteX5" fmla="*/ 3645244 w 6635579"/>
+              <a:gd name="connsiteY5" fmla="*/ 1161535 h 1161535"/>
+              <a:gd name="connsiteX6" fmla="*/ 4275438 w 6635579"/>
+              <a:gd name="connsiteY6" fmla="*/ 0 h 1161535"/>
+              <a:gd name="connsiteX7" fmla="*/ 4917990 w 6635579"/>
+              <a:gd name="connsiteY7" fmla="*/ 1161535 h 1161535"/>
+              <a:gd name="connsiteX8" fmla="*/ 5263979 w 6635579"/>
+              <a:gd name="connsiteY8" fmla="*/ 593124 h 1161535"/>
+              <a:gd name="connsiteX9" fmla="*/ 6635579 w 6635579"/>
+              <a:gd name="connsiteY9" fmla="*/ 593124 h 1161535"/>
+              <a:gd name="connsiteX10" fmla="*/ 6635579 w 6635579"/>
+              <a:gd name="connsiteY10" fmla="*/ 593124 h 1161535"/>
+              <a:gd name="connsiteX11" fmla="*/ 6635579 w 6635579"/>
+              <a:gd name="connsiteY11" fmla="*/ 593124 h 1161535"/>
+              <a:gd name="connsiteX0" fmla="*/ 0 w 6635579"/>
+              <a:gd name="connsiteY0" fmla="*/ 580768 h 1161535"/>
+              <a:gd name="connsiteX1" fmla="*/ 1470454 w 6635579"/>
+              <a:gd name="connsiteY1" fmla="*/ 580768 h 1161535"/>
+              <a:gd name="connsiteX2" fmla="*/ 1779373 w 6635579"/>
+              <a:gd name="connsiteY2" fmla="*/ 24713 h 1161535"/>
+              <a:gd name="connsiteX3" fmla="*/ 2409568 w 6635579"/>
+              <a:gd name="connsiteY3" fmla="*/ 1161535 h 1161535"/>
+              <a:gd name="connsiteX4" fmla="*/ 3039762 w 6635579"/>
+              <a:gd name="connsiteY4" fmla="*/ 37070 h 1161535"/>
+              <a:gd name="connsiteX5" fmla="*/ 3645244 w 6635579"/>
+              <a:gd name="connsiteY5" fmla="*/ 1161535 h 1161535"/>
+              <a:gd name="connsiteX6" fmla="*/ 4275438 w 6635579"/>
+              <a:gd name="connsiteY6" fmla="*/ 0 h 1161535"/>
+              <a:gd name="connsiteX7" fmla="*/ 4917990 w 6635579"/>
+              <a:gd name="connsiteY7" fmla="*/ 1161535 h 1161535"/>
+              <a:gd name="connsiteX8" fmla="*/ 5263979 w 6635579"/>
+              <a:gd name="connsiteY8" fmla="*/ 593124 h 1161535"/>
+              <a:gd name="connsiteX9" fmla="*/ 6635579 w 6635579"/>
+              <a:gd name="connsiteY9" fmla="*/ 593124 h 1161535"/>
+              <a:gd name="connsiteX10" fmla="*/ 6635579 w 6635579"/>
+              <a:gd name="connsiteY10" fmla="*/ 593124 h 1161535"/>
+              <a:gd name="connsiteX11" fmla="*/ 6635579 w 6635579"/>
+              <a:gd name="connsiteY11" fmla="*/ 593124 h 1161535"/>
+              <a:gd name="connsiteX0" fmla="*/ 0 w 6635579"/>
+              <a:gd name="connsiteY0" fmla="*/ 580768 h 1161535"/>
+              <a:gd name="connsiteX1" fmla="*/ 1470454 w 6635579"/>
+              <a:gd name="connsiteY1" fmla="*/ 580768 h 1161535"/>
+              <a:gd name="connsiteX2" fmla="*/ 1779373 w 6635579"/>
+              <a:gd name="connsiteY2" fmla="*/ 24713 h 1161535"/>
+              <a:gd name="connsiteX3" fmla="*/ 2409568 w 6635579"/>
+              <a:gd name="connsiteY3" fmla="*/ 1161535 h 1161535"/>
+              <a:gd name="connsiteX4" fmla="*/ 3039762 w 6635579"/>
+              <a:gd name="connsiteY4" fmla="*/ 37070 h 1161535"/>
+              <a:gd name="connsiteX5" fmla="*/ 3645244 w 6635579"/>
+              <a:gd name="connsiteY5" fmla="*/ 1161535 h 1161535"/>
+              <a:gd name="connsiteX6" fmla="*/ 4275438 w 6635579"/>
+              <a:gd name="connsiteY6" fmla="*/ 0 h 1161535"/>
+              <a:gd name="connsiteX7" fmla="*/ 4917990 w 6635579"/>
+              <a:gd name="connsiteY7" fmla="*/ 1161535 h 1161535"/>
+              <a:gd name="connsiteX8" fmla="*/ 5263979 w 6635579"/>
+              <a:gd name="connsiteY8" fmla="*/ 593124 h 1161535"/>
+              <a:gd name="connsiteX9" fmla="*/ 6635579 w 6635579"/>
+              <a:gd name="connsiteY9" fmla="*/ 593124 h 1161535"/>
+              <a:gd name="connsiteX10" fmla="*/ 6635579 w 6635579"/>
+              <a:gd name="connsiteY10" fmla="*/ 593124 h 1161535"/>
+              <a:gd name="connsiteX11" fmla="*/ 6635579 w 6635579"/>
+              <a:gd name="connsiteY11" fmla="*/ 593124 h 1161535"/>
+              <a:gd name="connsiteX0" fmla="*/ 0 w 6635579"/>
+              <a:gd name="connsiteY0" fmla="*/ 580768 h 1161535"/>
+              <a:gd name="connsiteX1" fmla="*/ 1470454 w 6635579"/>
+              <a:gd name="connsiteY1" fmla="*/ 580768 h 1161535"/>
+              <a:gd name="connsiteX2" fmla="*/ 1779373 w 6635579"/>
+              <a:gd name="connsiteY2" fmla="*/ 24713 h 1161535"/>
+              <a:gd name="connsiteX3" fmla="*/ 2409568 w 6635579"/>
+              <a:gd name="connsiteY3" fmla="*/ 1161535 h 1161535"/>
+              <a:gd name="connsiteX4" fmla="*/ 3039762 w 6635579"/>
+              <a:gd name="connsiteY4" fmla="*/ 37070 h 1161535"/>
+              <a:gd name="connsiteX5" fmla="*/ 3645244 w 6635579"/>
+              <a:gd name="connsiteY5" fmla="*/ 1161535 h 1161535"/>
+              <a:gd name="connsiteX6" fmla="*/ 4275438 w 6635579"/>
+              <a:gd name="connsiteY6" fmla="*/ 0 h 1161535"/>
+              <a:gd name="connsiteX7" fmla="*/ 4917990 w 6635579"/>
+              <a:gd name="connsiteY7" fmla="*/ 1161535 h 1161535"/>
+              <a:gd name="connsiteX8" fmla="*/ 5263979 w 6635579"/>
+              <a:gd name="connsiteY8" fmla="*/ 593124 h 1161535"/>
+              <a:gd name="connsiteX9" fmla="*/ 6635579 w 6635579"/>
+              <a:gd name="connsiteY9" fmla="*/ 593124 h 1161535"/>
+              <a:gd name="connsiteX10" fmla="*/ 6635579 w 6635579"/>
+              <a:gd name="connsiteY10" fmla="*/ 593124 h 1161535"/>
+              <a:gd name="connsiteX11" fmla="*/ 6635579 w 6635579"/>
+              <a:gd name="connsiteY11" fmla="*/ 593124 h 1161535"/>
+              <a:gd name="connsiteX0" fmla="*/ 0 w 6635579"/>
+              <a:gd name="connsiteY0" fmla="*/ 580768 h 1161535"/>
+              <a:gd name="connsiteX1" fmla="*/ 1470454 w 6635579"/>
+              <a:gd name="connsiteY1" fmla="*/ 580768 h 1161535"/>
+              <a:gd name="connsiteX2" fmla="*/ 1779373 w 6635579"/>
+              <a:gd name="connsiteY2" fmla="*/ 24713 h 1161535"/>
+              <a:gd name="connsiteX3" fmla="*/ 2409568 w 6635579"/>
+              <a:gd name="connsiteY3" fmla="*/ 1161535 h 1161535"/>
+              <a:gd name="connsiteX4" fmla="*/ 3039762 w 6635579"/>
+              <a:gd name="connsiteY4" fmla="*/ 37070 h 1161535"/>
+              <a:gd name="connsiteX5" fmla="*/ 3645244 w 6635579"/>
+              <a:gd name="connsiteY5" fmla="*/ 1161535 h 1161535"/>
+              <a:gd name="connsiteX6" fmla="*/ 4275438 w 6635579"/>
+              <a:gd name="connsiteY6" fmla="*/ 0 h 1161535"/>
+              <a:gd name="connsiteX7" fmla="*/ 4917990 w 6635579"/>
+              <a:gd name="connsiteY7" fmla="*/ 1161535 h 1161535"/>
+              <a:gd name="connsiteX8" fmla="*/ 5263979 w 6635579"/>
+              <a:gd name="connsiteY8" fmla="*/ 593124 h 1161535"/>
+              <a:gd name="connsiteX9" fmla="*/ 6635579 w 6635579"/>
+              <a:gd name="connsiteY9" fmla="*/ 593124 h 1161535"/>
+              <a:gd name="connsiteX10" fmla="*/ 6635579 w 6635579"/>
+              <a:gd name="connsiteY10" fmla="*/ 593124 h 1161535"/>
+              <a:gd name="connsiteX11" fmla="*/ 6635579 w 6635579"/>
+              <a:gd name="connsiteY11" fmla="*/ 593124 h 1161535"/>
+            </a:gdLst>
+            <a:ahLst/>
+            <a:cxnLst>
+              <a:cxn ang="0">
+                <a:pos x="connsiteX0" y="connsiteY0"/>
+              </a:cxn>
+              <a:cxn ang="0">
+                <a:pos x="connsiteX1" y="connsiteY1"/>
+              </a:cxn>
+              <a:cxn ang="0">
+                <a:pos x="connsiteX2" y="connsiteY2"/>
+              </a:cxn>
+              <a:cxn ang="0">
+                <a:pos x="connsiteX3" y="connsiteY3"/>
+              </a:cxn>
+              <a:cxn ang="0">
+                <a:pos x="connsiteX4" y="connsiteY4"/>
+              </a:cxn>
+              <a:cxn ang="0">
+                <a:pos x="connsiteX5" y="connsiteY5"/>
+              </a:cxn>
+              <a:cxn ang="0">
+                <a:pos x="connsiteX6" y="connsiteY6"/>
+              </a:cxn>
+              <a:cxn ang="0">
+                <a:pos x="connsiteX7" y="connsiteY7"/>
+              </a:cxn>
+              <a:cxn ang="0">
+                <a:pos x="connsiteX8" y="connsiteY8"/>
+              </a:cxn>
+              <a:cxn ang="0">
+                <a:pos x="connsiteX9" y="connsiteY9"/>
+              </a:cxn>
+              <a:cxn ang="0">
+                <a:pos x="connsiteX10" y="connsiteY10"/>
+              </a:cxn>
+              <a:cxn ang="0">
+                <a:pos x="connsiteX11" y="connsiteY11"/>
+              </a:cxn>
+            </a:cxnLst>
+            <a:rect l="l" t="t" r="r" b="b"/>
+            <a:pathLst>
+              <a:path w="6635579" h="1161535">
+                <a:moveTo>
+                  <a:pt x="0" y="580768"/>
+                </a:moveTo>
+                <a:cubicBezTo>
+                  <a:pt x="586946" y="627106"/>
+                  <a:pt x="15652" y="589038"/>
+                  <a:pt x="1470454" y="580768"/>
+                </a:cubicBezTo>
+                <a:cubicBezTo>
+                  <a:pt x="1785773" y="19169"/>
+                  <a:pt x="1491556" y="589100"/>
+                  <a:pt x="1779373" y="24713"/>
+                </a:cubicBezTo>
+                <a:cubicBezTo>
+                  <a:pt x="2395437" y="1171895"/>
+                  <a:pt x="1791540" y="34061"/>
+                  <a:pt x="2409568" y="1161535"/>
+                </a:cubicBezTo>
+                <a:cubicBezTo>
+                  <a:pt x="3046353" y="33489"/>
+                  <a:pt x="2425853" y="1176553"/>
+                  <a:pt x="3039762" y="37070"/>
+                </a:cubicBezTo>
+                <a:cubicBezTo>
+                  <a:pt x="3653671" y="1181243"/>
+                  <a:pt x="3045402" y="42297"/>
+                  <a:pt x="3645244" y="1161535"/>
+                </a:cubicBezTo>
+                <a:cubicBezTo>
+                  <a:pt x="4287288" y="-2883"/>
+                  <a:pt x="3655351" y="1172307"/>
+                  <a:pt x="4275438" y="0"/>
+                </a:cubicBezTo>
+                <a:cubicBezTo>
+                  <a:pt x="4909592" y="1158240"/>
+                  <a:pt x="4288999" y="2915"/>
+                  <a:pt x="4917990" y="1161535"/>
+                </a:cubicBezTo>
+                <a:cubicBezTo>
+                  <a:pt x="5251560" y="589829"/>
+                  <a:pt x="4926132" y="1161472"/>
+                  <a:pt x="5263979" y="593124"/>
+                </a:cubicBezTo>
+                <a:lnTo>
+                  <a:pt x="6635579" y="593124"/>
+                </a:lnTo>
+                <a:lnTo>
+                  <a:pt x="6635579" y="593124"/>
+                </a:lnTo>
+                <a:lnTo>
+                  <a:pt x="6635579" y="593124"/>
+                </a:lnTo>
+              </a:path>
+            </a:pathLst>
+          </a:custGeom>
+          <a:noFill/>
+          <a:ln w="76200"/>
+        </p:spPr>
+        <p:style>
+          <a:lnRef idx="2">
+            <a:schemeClr val="accent1">
+              <a:shade val="15000"/>
+            </a:schemeClr>
+          </a:lnRef>
+          <a:fillRef idx="1">
+            <a:schemeClr val="accent1"/>
+          </a:fillRef>
+          <a:effectRef idx="0">
+            <a:schemeClr val="accent1"/>
+          </a:effectRef>
+          <a:fontRef idx="minor">
+            <a:schemeClr val="lt1"/>
+          </a:fontRef>
+        </p:style>
+        <p:txBody>
+          <a:bodyPr rtlCol="0" anchor="ctr"/>
+          <a:lstStyle/>
+          <a:p>
+            <a:pPr algn="ctr"/>
+            <a:endParaRPr lang="en-US"/>
+          </a:p>
+        </p:txBody>
+      </p:sp>
+    </p:spTree>
+    <p:extLst>
+      <p:ext uri="{BB962C8B-B14F-4D97-AF65-F5344CB8AC3E}">
+        <p14:creationId xmlns:p14="http://schemas.microsoft.com/office/powerpoint/2010/main" val="3992602940"/>
+      </p:ext>
+    </p:extLst>
+  </p:cSld>
+  <p:clrMapOvr>
+    <a:masterClrMapping/>
+  </p:clrMapOvr>
+</p:sld>
+</file>
+
+<file path=ppt/slides/slide4.xml><?xml version="1.0" encoding="utf-8"?>
+<p:sld xmlns:a="http://schemas.openxmlformats.org/drawingml/2006/main" xmlns:r="http://schemas.openxmlformats.org/officeDocument/2006/relationships" xmlns:p="http://schemas.openxmlformats.org/presentationml/2006/main">
+  <p:cSld>
+    <p:spTree>
+      <p:nvGrpSpPr>
+        <p:cNvPr id="1" name=""/>
+        <p:cNvGrpSpPr/>
+        <p:nvPr/>
+      </p:nvGrpSpPr>
+      <p:grpSpPr>
+        <a:xfrm>
+          <a:off x="0" y="0"/>
+          <a:ext cx="0" cy="0"/>
+          <a:chOff x="0" y="0"/>
+          <a:chExt cx="0" cy="0"/>
+        </a:xfrm>
+      </p:grpSpPr>
+      <p:sp>
+        <p:nvSpPr>
+          <p:cNvPr id="2" name="Title 1">
+            <a:extLst>
+              <a:ext uri="{FF2B5EF4-FFF2-40B4-BE49-F238E27FC236}">
+                <a16:creationId xmlns:a16="http://schemas.microsoft.com/office/drawing/2014/main" id="{B0DD21AC-9491-B401-C892-A2F646FE5609}"/>
+              </a:ext>
+            </a:extLst>
+          </p:cNvPr>
+          <p:cNvSpPr>
+            <a:spLocks noGrp="1"/>
+          </p:cNvSpPr>
+          <p:nvPr>
+            <p:ph type="title"/>
+          </p:nvPr>
+        </p:nvSpPr>
+        <p:spPr/>
+        <p:txBody>
+          <a:bodyPr/>
+          <a:lstStyle/>
+          <a:p>
+            <a:endParaRPr lang="en-US"/>
+          </a:p>
+        </p:txBody>
+      </p:sp>
+      <p:sp>
+        <p:nvSpPr>
+          <p:cNvPr id="4" name="Oval 3">
+            <a:extLst>
+              <a:ext uri="{FF2B5EF4-FFF2-40B4-BE49-F238E27FC236}">
+                <a16:creationId xmlns:a16="http://schemas.microsoft.com/office/drawing/2014/main" id="{72E2B9C8-C631-9C4C-CB60-861CEFC338D2}"/>
+              </a:ext>
+            </a:extLst>
+          </p:cNvPr>
+          <p:cNvSpPr/>
+          <p:nvPr/>
+        </p:nvSpPr>
+        <p:spPr>
+          <a:xfrm>
+            <a:off x="5848484" y="2945524"/>
+            <a:ext cx="830317" cy="483476"/>
+          </a:xfrm>
+          <a:prstGeom prst="ellipse">
+            <a:avLst/>
+          </a:prstGeom>
+          <a:solidFill>
+            <a:schemeClr val="tx1">
+              <a:lumMod val="75000"/>
+              <a:lumOff val="25000"/>
+            </a:schemeClr>
+          </a:solidFill>
+        </p:spPr>
+        <p:style>
+          <a:lnRef idx="2">
+            <a:schemeClr val="accent1">
+              <a:shade val="15000"/>
+            </a:schemeClr>
+          </a:lnRef>
+          <a:fillRef idx="1">
+            <a:schemeClr val="accent1"/>
+          </a:fillRef>
+          <a:effectRef idx="0">
+            <a:schemeClr val="accent1"/>
+          </a:effectRef>
+          <a:fontRef idx="minor">
+            <a:schemeClr val="lt1"/>
+          </a:fontRef>
+        </p:style>
+        <p:txBody>
+          <a:bodyPr rtlCol="0" anchor="ctr"/>
+          <a:lstStyle/>
+          <a:p>
+            <a:pPr algn="ctr"/>
+            <a:endParaRPr lang="en-US"/>
+          </a:p>
+        </p:txBody>
+      </p:sp>
+      <p:sp>
+        <p:nvSpPr>
+          <p:cNvPr id="5" name="Rectangle 4">
+            <a:extLst>
+              <a:ext uri="{FF2B5EF4-FFF2-40B4-BE49-F238E27FC236}">
+                <a16:creationId xmlns:a16="http://schemas.microsoft.com/office/drawing/2014/main" id="{178AFF17-E7E3-EECC-905D-E2723DB99F10}"/>
+              </a:ext>
+            </a:extLst>
+          </p:cNvPr>
+          <p:cNvSpPr/>
+          <p:nvPr/>
+        </p:nvSpPr>
+        <p:spPr>
+          <a:xfrm>
+            <a:off x="5845290" y="3217876"/>
+            <a:ext cx="830317" cy="597611"/>
+          </a:xfrm>
+          <a:prstGeom prst="rect">
+            <a:avLst/>
+          </a:prstGeom>
+          <a:solidFill>
+            <a:schemeClr val="tx1">
+              <a:lumMod val="75000"/>
+              <a:lumOff val="25000"/>
+            </a:schemeClr>
+          </a:solidFill>
+        </p:spPr>
+        <p:style>
+          <a:lnRef idx="2">
+            <a:schemeClr val="accent1">
+              <a:shade val="15000"/>
+            </a:schemeClr>
+          </a:lnRef>
+          <a:fillRef idx="1">
+            <a:schemeClr val="accent1"/>
+          </a:fillRef>
+          <a:effectRef idx="0">
+            <a:schemeClr val="accent1"/>
+          </a:effectRef>
+          <a:fontRef idx="minor">
+            <a:schemeClr val="lt1"/>
+          </a:fontRef>
+        </p:style>
+        <p:txBody>
+          <a:bodyPr rtlCol="0" anchor="ctr"/>
+          <a:lstStyle/>
+          <a:p>
+            <a:pPr algn="ctr"/>
+            <a:endParaRPr lang="en-US">
+              <a:solidFill>
+                <a:schemeClr val="bg1"/>
+              </a:solidFill>
+            </a:endParaRPr>
+          </a:p>
+        </p:txBody>
+      </p:sp>
+      <p:sp>
+        <p:nvSpPr>
+          <p:cNvPr id="6" name="TextBox 5">
+            <a:extLst>
+              <a:ext uri="{FF2B5EF4-FFF2-40B4-BE49-F238E27FC236}">
+                <a16:creationId xmlns:a16="http://schemas.microsoft.com/office/drawing/2014/main" id="{11A1E605-CC58-0930-3C7D-D568A8D6C7E5}"/>
+              </a:ext>
+            </a:extLst>
+          </p:cNvPr>
+          <p:cNvSpPr txBox="1"/>
+          <p:nvPr/>
+        </p:nvSpPr>
+        <p:spPr>
+          <a:xfrm>
+            <a:off x="5812160" y="3347404"/>
+            <a:ext cx="873957" cy="338554"/>
+          </a:xfrm>
+          <a:prstGeom prst="rect">
+            <a:avLst/>
+          </a:prstGeom>
+          <a:noFill/>
+        </p:spPr>
+        <p:txBody>
+          <a:bodyPr wrap="none" rtlCol="0">
+            <a:spAutoFit/>
+          </a:bodyPr>
+          <a:lstStyle/>
+          <a:p>
+            <a:pPr algn="ctr"/>
+            <a:r>
+              <a:rPr lang="en-US" sz="1600" dirty="0">
+                <a:solidFill>
+                  <a:schemeClr val="bg1"/>
+                </a:solidFill>
+              </a:rPr>
+              <a:t>2N2222</a:t>
+            </a:r>
+          </a:p>
+        </p:txBody>
+      </p:sp>
+      <p:cxnSp>
+        <p:nvCxnSpPr>
+          <p:cNvPr id="7" name="Straight Connector 6">
+            <a:extLst>
+              <a:ext uri="{FF2B5EF4-FFF2-40B4-BE49-F238E27FC236}">
+                <a16:creationId xmlns:a16="http://schemas.microsoft.com/office/drawing/2014/main" id="{FE469BB6-4C42-061F-3829-2B22ACD5816C}"/>
+              </a:ext>
+            </a:extLst>
+          </p:cNvPr>
+          <p:cNvCxnSpPr>
+            <a:cxnSpLocks/>
+          </p:cNvCxnSpPr>
+          <p:nvPr/>
+        </p:nvCxnSpPr>
+        <p:spPr>
+          <a:xfrm>
+            <a:off x="5963133" y="3823702"/>
+            <a:ext cx="0" cy="1305014"/>
+          </a:xfrm>
+          <a:prstGeom prst="line">
+            <a:avLst/>
+          </a:prstGeom>
+          <a:ln w="38100">
+            <a:solidFill>
+              <a:schemeClr val="tx1"/>
+            </a:solidFill>
+          </a:ln>
+        </p:spPr>
+        <p:style>
+          <a:lnRef idx="2">
+            <a:schemeClr val="accent1"/>
+          </a:lnRef>
+          <a:fillRef idx="0">
+            <a:schemeClr val="accent1"/>
+          </a:fillRef>
+          <a:effectRef idx="1">
+            <a:schemeClr val="accent1"/>
+          </a:effectRef>
+          <a:fontRef idx="minor">
+            <a:schemeClr val="tx1"/>
+          </a:fontRef>
+        </p:style>
+      </p:cxnSp>
+      <p:cxnSp>
+        <p:nvCxnSpPr>
+          <p:cNvPr id="8" name="Straight Connector 7">
+            <a:extLst>
+              <a:ext uri="{FF2B5EF4-FFF2-40B4-BE49-F238E27FC236}">
+                <a16:creationId xmlns:a16="http://schemas.microsoft.com/office/drawing/2014/main" id="{6DFAEBAF-DF31-C7DB-94AA-E723C6DEF0FF}"/>
+              </a:ext>
+            </a:extLst>
+          </p:cNvPr>
+          <p:cNvCxnSpPr>
+            <a:cxnSpLocks/>
+          </p:cNvCxnSpPr>
+          <p:nvPr/>
+        </p:nvCxnSpPr>
+        <p:spPr>
+          <a:xfrm>
+            <a:off x="6260448" y="3823702"/>
+            <a:ext cx="0" cy="266141"/>
+          </a:xfrm>
+          <a:prstGeom prst="line">
+            <a:avLst/>
+          </a:prstGeom>
+          <a:ln w="38100">
+            <a:solidFill>
+              <a:schemeClr val="tx1"/>
+            </a:solidFill>
+          </a:ln>
+        </p:spPr>
+        <p:style>
+          <a:lnRef idx="2">
+            <a:schemeClr val="accent1"/>
+          </a:lnRef>
+          <a:fillRef idx="0">
+            <a:schemeClr val="accent1"/>
+          </a:fillRef>
+          <a:effectRef idx="1">
+            <a:schemeClr val="accent1"/>
+          </a:effectRef>
+          <a:fontRef idx="minor">
+            <a:schemeClr val="tx1"/>
+          </a:fontRef>
+        </p:style>
+      </p:cxnSp>
+      <p:cxnSp>
+        <p:nvCxnSpPr>
+          <p:cNvPr id="9" name="Straight Connector 8">
+            <a:extLst>
+              <a:ext uri="{FF2B5EF4-FFF2-40B4-BE49-F238E27FC236}">
+                <a16:creationId xmlns:a16="http://schemas.microsoft.com/office/drawing/2014/main" id="{DC28B7C0-6330-633A-5F7F-0C32F92F17AD}"/>
+              </a:ext>
+            </a:extLst>
+          </p:cNvPr>
+          <p:cNvCxnSpPr>
+            <a:cxnSpLocks/>
+          </p:cNvCxnSpPr>
+          <p:nvPr/>
+        </p:nvCxnSpPr>
+        <p:spPr>
+          <a:xfrm>
+            <a:off x="6545024" y="3826911"/>
+            <a:ext cx="0" cy="262932"/>
+          </a:xfrm>
+          <a:prstGeom prst="line">
+            <a:avLst/>
+          </a:prstGeom>
+          <a:ln w="38100">
+            <a:solidFill>
+              <a:schemeClr val="tx1"/>
+            </a:solidFill>
+          </a:ln>
+        </p:spPr>
+        <p:style>
+          <a:lnRef idx="2">
+            <a:schemeClr val="accent1"/>
+          </a:lnRef>
+          <a:fillRef idx="0">
+            <a:schemeClr val="accent1"/>
+          </a:fillRef>
+          <a:effectRef idx="1">
+            <a:schemeClr val="accent1"/>
+          </a:effectRef>
+          <a:fontRef idx="minor">
+            <a:schemeClr val="tx1"/>
+          </a:fontRef>
+        </p:style>
+      </p:cxnSp>
+      <p:sp>
+        <p:nvSpPr>
+          <p:cNvPr id="10" name="TextBox 9">
+            <a:extLst>
+              <a:ext uri="{FF2B5EF4-FFF2-40B4-BE49-F238E27FC236}">
+                <a16:creationId xmlns:a16="http://schemas.microsoft.com/office/drawing/2014/main" id="{32844E25-579F-2E49-02CB-D4B64A00072B}"/>
+              </a:ext>
+            </a:extLst>
+          </p:cNvPr>
+          <p:cNvSpPr txBox="1"/>
+          <p:nvPr/>
+        </p:nvSpPr>
+        <p:spPr>
+          <a:xfrm>
+            <a:off x="5540493" y="4520605"/>
+            <a:ext cx="304797" cy="369332"/>
+          </a:xfrm>
+          <a:prstGeom prst="rect">
+            <a:avLst/>
+          </a:prstGeom>
+          <a:noFill/>
+        </p:spPr>
+        <p:txBody>
+          <a:bodyPr wrap="square" rtlCol="0">
+            <a:spAutoFit/>
+          </a:bodyPr>
+          <a:lstStyle/>
+          <a:p>
+            <a:r>
+              <a:rPr lang="en-US" dirty="0"/>
+              <a:t>E</a:t>
+            </a:r>
+          </a:p>
+        </p:txBody>
+      </p:sp>
+      <p:sp>
+        <p:nvSpPr>
+          <p:cNvPr id="11" name="TextBox 10">
+            <a:extLst>
+              <a:ext uri="{FF2B5EF4-FFF2-40B4-BE49-F238E27FC236}">
+                <a16:creationId xmlns:a16="http://schemas.microsoft.com/office/drawing/2014/main" id="{9BE83EE9-70B0-475F-C1B3-7017260049D4}"/>
+              </a:ext>
+            </a:extLst>
+          </p:cNvPr>
+          <p:cNvSpPr txBox="1"/>
+          <p:nvPr/>
+        </p:nvSpPr>
+        <p:spPr>
+          <a:xfrm>
+            <a:off x="6675607" y="4472249"/>
+            <a:ext cx="304797" cy="369332"/>
+          </a:xfrm>
+          <a:prstGeom prst="rect">
+            <a:avLst/>
+          </a:prstGeom>
+          <a:noFill/>
+        </p:spPr>
+        <p:txBody>
+          <a:bodyPr wrap="square" rtlCol="0">
+            <a:spAutoFit/>
+          </a:bodyPr>
+          <a:lstStyle/>
+          <a:p>
+            <a:r>
+              <a:rPr lang="en-US" dirty="0"/>
+              <a:t>C</a:t>
+            </a:r>
+          </a:p>
+        </p:txBody>
+      </p:sp>
+      <p:sp>
+        <p:nvSpPr>
+          <p:cNvPr id="12" name="TextBox 11">
+            <a:extLst>
+              <a:ext uri="{FF2B5EF4-FFF2-40B4-BE49-F238E27FC236}">
+                <a16:creationId xmlns:a16="http://schemas.microsoft.com/office/drawing/2014/main" id="{900CE32C-1C92-A933-ABCF-F940B267CB70}"/>
+              </a:ext>
+            </a:extLst>
+          </p:cNvPr>
+          <p:cNvSpPr txBox="1"/>
+          <p:nvPr/>
+        </p:nvSpPr>
+        <p:spPr>
+          <a:xfrm>
+            <a:off x="5505939" y="3692883"/>
+            <a:ext cx="304797" cy="369332"/>
+          </a:xfrm>
+          <a:prstGeom prst="rect">
+            <a:avLst/>
+          </a:prstGeom>
+          <a:noFill/>
+        </p:spPr>
+        <p:txBody>
+          <a:bodyPr wrap="square" rtlCol="0">
+            <a:spAutoFit/>
+          </a:bodyPr>
+          <a:lstStyle/>
+          <a:p>
+            <a:r>
+              <a:rPr lang="en-US" dirty="0"/>
+              <a:t>B</a:t>
+            </a:r>
+          </a:p>
+        </p:txBody>
+      </p:sp>
+      <p:cxnSp>
+        <p:nvCxnSpPr>
+          <p:cNvPr id="13" name="Straight Connector 12">
+            <a:extLst>
+              <a:ext uri="{FF2B5EF4-FFF2-40B4-BE49-F238E27FC236}">
+                <a16:creationId xmlns:a16="http://schemas.microsoft.com/office/drawing/2014/main" id="{D877CFFD-CCBA-EFD5-4B7E-9452F8A21BAB}"/>
+              </a:ext>
+            </a:extLst>
+          </p:cNvPr>
+          <p:cNvCxnSpPr>
+            <a:cxnSpLocks/>
+          </p:cNvCxnSpPr>
+          <p:nvPr/>
+        </p:nvCxnSpPr>
+        <p:spPr>
+          <a:xfrm>
+            <a:off x="5352566" y="4089843"/>
+            <a:ext cx="919188" cy="0"/>
+          </a:xfrm>
+          <a:prstGeom prst="line">
+            <a:avLst/>
+          </a:prstGeom>
+          <a:ln w="38100">
+            <a:solidFill>
+              <a:schemeClr val="tx1"/>
+            </a:solidFill>
+          </a:ln>
+        </p:spPr>
+        <p:style>
+          <a:lnRef idx="2">
+            <a:schemeClr val="accent1"/>
+          </a:lnRef>
+          <a:fillRef idx="0">
+            <a:schemeClr val="accent1"/>
+          </a:fillRef>
+          <a:effectRef idx="1">
+            <a:schemeClr val="accent1"/>
+          </a:effectRef>
+          <a:fontRef idx="minor">
+            <a:schemeClr val="tx1"/>
+          </a:fontRef>
+        </p:style>
+      </p:cxnSp>
+      <p:cxnSp>
+        <p:nvCxnSpPr>
+          <p:cNvPr id="14" name="Straight Connector 13">
+            <a:extLst>
+              <a:ext uri="{FF2B5EF4-FFF2-40B4-BE49-F238E27FC236}">
+                <a16:creationId xmlns:a16="http://schemas.microsoft.com/office/drawing/2014/main" id="{E6CEC384-56F2-AF1B-A3E9-8C78E1D644E7}"/>
+              </a:ext>
+            </a:extLst>
+          </p:cNvPr>
+          <p:cNvCxnSpPr>
+            <a:cxnSpLocks/>
+          </p:cNvCxnSpPr>
+          <p:nvPr/>
+        </p:nvCxnSpPr>
+        <p:spPr>
+          <a:xfrm>
+            <a:off x="6520810" y="4089843"/>
+            <a:ext cx="919188" cy="0"/>
+          </a:xfrm>
+          <a:prstGeom prst="line">
+            <a:avLst/>
+          </a:prstGeom>
+          <a:ln w="38100">
+            <a:solidFill>
+              <a:schemeClr val="tx1"/>
+            </a:solidFill>
+          </a:ln>
+        </p:spPr>
+        <p:style>
+          <a:lnRef idx="2">
+            <a:schemeClr val="accent1"/>
+          </a:lnRef>
+          <a:fillRef idx="0">
+            <a:schemeClr val="accent1"/>
+          </a:fillRef>
+          <a:effectRef idx="1">
+            <a:schemeClr val="accent1"/>
+          </a:effectRef>
+          <a:fontRef idx="minor">
+            <a:schemeClr val="tx1"/>
+          </a:fontRef>
+        </p:style>
+      </p:cxnSp>
+      <p:sp>
+        <p:nvSpPr>
+          <p:cNvPr id="15" name="Freeform 14">
+            <a:extLst>
+              <a:ext uri="{FF2B5EF4-FFF2-40B4-BE49-F238E27FC236}">
+                <a16:creationId xmlns:a16="http://schemas.microsoft.com/office/drawing/2014/main" id="{507C23EE-18A6-07B0-4D9D-609DA9F98817}"/>
+              </a:ext>
+            </a:extLst>
+          </p:cNvPr>
+          <p:cNvSpPr/>
+          <p:nvPr/>
+        </p:nvSpPr>
+        <p:spPr>
+          <a:xfrm>
+            <a:off x="4168345" y="4017838"/>
+            <a:ext cx="1212897" cy="144009"/>
+          </a:xfrm>
+          <a:custGeom>
+            <a:avLst/>
+            <a:gdLst>
+              <a:gd name="connsiteX0" fmla="*/ 0 w 6635579"/>
+              <a:gd name="connsiteY0" fmla="*/ 580768 h 1172959"/>
+              <a:gd name="connsiteX1" fmla="*/ 1470454 w 6635579"/>
+              <a:gd name="connsiteY1" fmla="*/ 580768 h 1172959"/>
+              <a:gd name="connsiteX2" fmla="*/ 1779373 w 6635579"/>
+              <a:gd name="connsiteY2" fmla="*/ 24713 h 1172959"/>
+              <a:gd name="connsiteX3" fmla="*/ 2409568 w 6635579"/>
+              <a:gd name="connsiteY3" fmla="*/ 1161535 h 1172959"/>
+              <a:gd name="connsiteX4" fmla="*/ 3039762 w 6635579"/>
+              <a:gd name="connsiteY4" fmla="*/ 37070 h 1172959"/>
+              <a:gd name="connsiteX5" fmla="*/ 3645244 w 6635579"/>
+              <a:gd name="connsiteY5" fmla="*/ 1161535 h 1172959"/>
+              <a:gd name="connsiteX6" fmla="*/ 4275438 w 6635579"/>
+              <a:gd name="connsiteY6" fmla="*/ 0 h 1172959"/>
+              <a:gd name="connsiteX7" fmla="*/ 4917990 w 6635579"/>
+              <a:gd name="connsiteY7" fmla="*/ 1161535 h 1172959"/>
+              <a:gd name="connsiteX8" fmla="*/ 5263979 w 6635579"/>
+              <a:gd name="connsiteY8" fmla="*/ 593124 h 1172959"/>
+              <a:gd name="connsiteX9" fmla="*/ 6635579 w 6635579"/>
+              <a:gd name="connsiteY9" fmla="*/ 593124 h 1172959"/>
+              <a:gd name="connsiteX10" fmla="*/ 6635579 w 6635579"/>
+              <a:gd name="connsiteY10" fmla="*/ 593124 h 1172959"/>
+              <a:gd name="connsiteX11" fmla="*/ 6635579 w 6635579"/>
+              <a:gd name="connsiteY11" fmla="*/ 593124 h 1172959"/>
+              <a:gd name="connsiteX0" fmla="*/ 0 w 6635579"/>
+              <a:gd name="connsiteY0" fmla="*/ 580768 h 1172959"/>
+              <a:gd name="connsiteX1" fmla="*/ 1470454 w 6635579"/>
+              <a:gd name="connsiteY1" fmla="*/ 580768 h 1172959"/>
+              <a:gd name="connsiteX2" fmla="*/ 1779373 w 6635579"/>
+              <a:gd name="connsiteY2" fmla="*/ 24713 h 1172959"/>
+              <a:gd name="connsiteX3" fmla="*/ 2409568 w 6635579"/>
+              <a:gd name="connsiteY3" fmla="*/ 1161535 h 1172959"/>
+              <a:gd name="connsiteX4" fmla="*/ 3039762 w 6635579"/>
+              <a:gd name="connsiteY4" fmla="*/ 37070 h 1172959"/>
+              <a:gd name="connsiteX5" fmla="*/ 3645244 w 6635579"/>
+              <a:gd name="connsiteY5" fmla="*/ 1161535 h 1172959"/>
+              <a:gd name="connsiteX6" fmla="*/ 4275438 w 6635579"/>
+              <a:gd name="connsiteY6" fmla="*/ 0 h 1172959"/>
+              <a:gd name="connsiteX7" fmla="*/ 4917990 w 6635579"/>
+              <a:gd name="connsiteY7" fmla="*/ 1161535 h 1172959"/>
+              <a:gd name="connsiteX8" fmla="*/ 5263979 w 6635579"/>
+              <a:gd name="connsiteY8" fmla="*/ 593124 h 1172959"/>
+              <a:gd name="connsiteX9" fmla="*/ 6635579 w 6635579"/>
+              <a:gd name="connsiteY9" fmla="*/ 593124 h 1172959"/>
+              <a:gd name="connsiteX10" fmla="*/ 6635579 w 6635579"/>
+              <a:gd name="connsiteY10" fmla="*/ 593124 h 1172959"/>
+              <a:gd name="connsiteX11" fmla="*/ 6635579 w 6635579"/>
+              <a:gd name="connsiteY11" fmla="*/ 593124 h 1172959"/>
+              <a:gd name="connsiteX0" fmla="*/ 0 w 6635579"/>
+              <a:gd name="connsiteY0" fmla="*/ 580768 h 1172959"/>
+              <a:gd name="connsiteX1" fmla="*/ 1470454 w 6635579"/>
+              <a:gd name="connsiteY1" fmla="*/ 580768 h 1172959"/>
+              <a:gd name="connsiteX2" fmla="*/ 1779373 w 6635579"/>
+              <a:gd name="connsiteY2" fmla="*/ 24713 h 1172959"/>
+              <a:gd name="connsiteX3" fmla="*/ 2409568 w 6635579"/>
+              <a:gd name="connsiteY3" fmla="*/ 1161535 h 1172959"/>
+              <a:gd name="connsiteX4" fmla="*/ 3039762 w 6635579"/>
+              <a:gd name="connsiteY4" fmla="*/ 37070 h 1172959"/>
+              <a:gd name="connsiteX5" fmla="*/ 3645244 w 6635579"/>
+              <a:gd name="connsiteY5" fmla="*/ 1161535 h 1172959"/>
+              <a:gd name="connsiteX6" fmla="*/ 4275438 w 6635579"/>
+              <a:gd name="connsiteY6" fmla="*/ 0 h 1172959"/>
+              <a:gd name="connsiteX7" fmla="*/ 4917990 w 6635579"/>
+              <a:gd name="connsiteY7" fmla="*/ 1161535 h 1172959"/>
+              <a:gd name="connsiteX8" fmla="*/ 5263979 w 6635579"/>
+              <a:gd name="connsiteY8" fmla="*/ 593124 h 1172959"/>
+              <a:gd name="connsiteX9" fmla="*/ 6635579 w 6635579"/>
+              <a:gd name="connsiteY9" fmla="*/ 593124 h 1172959"/>
+              <a:gd name="connsiteX10" fmla="*/ 6635579 w 6635579"/>
+              <a:gd name="connsiteY10" fmla="*/ 593124 h 1172959"/>
+              <a:gd name="connsiteX11" fmla="*/ 6635579 w 6635579"/>
+              <a:gd name="connsiteY11" fmla="*/ 593124 h 1172959"/>
+              <a:gd name="connsiteX0" fmla="*/ 0 w 6635579"/>
+              <a:gd name="connsiteY0" fmla="*/ 580768 h 1172959"/>
+              <a:gd name="connsiteX1" fmla="*/ 1470454 w 6635579"/>
+              <a:gd name="connsiteY1" fmla="*/ 580768 h 1172959"/>
+              <a:gd name="connsiteX2" fmla="*/ 1779373 w 6635579"/>
+              <a:gd name="connsiteY2" fmla="*/ 24713 h 1172959"/>
+              <a:gd name="connsiteX3" fmla="*/ 2409568 w 6635579"/>
+              <a:gd name="connsiteY3" fmla="*/ 1161535 h 1172959"/>
+              <a:gd name="connsiteX4" fmla="*/ 3039762 w 6635579"/>
+              <a:gd name="connsiteY4" fmla="*/ 37070 h 1172959"/>
+              <a:gd name="connsiteX5" fmla="*/ 3645244 w 6635579"/>
+              <a:gd name="connsiteY5" fmla="*/ 1161535 h 1172959"/>
+              <a:gd name="connsiteX6" fmla="*/ 4275438 w 6635579"/>
+              <a:gd name="connsiteY6" fmla="*/ 0 h 1172959"/>
+              <a:gd name="connsiteX7" fmla="*/ 4917990 w 6635579"/>
+              <a:gd name="connsiteY7" fmla="*/ 1161535 h 1172959"/>
+              <a:gd name="connsiteX8" fmla="*/ 5263979 w 6635579"/>
+              <a:gd name="connsiteY8" fmla="*/ 593124 h 1172959"/>
+              <a:gd name="connsiteX9" fmla="*/ 6635579 w 6635579"/>
+              <a:gd name="connsiteY9" fmla="*/ 593124 h 1172959"/>
+              <a:gd name="connsiteX10" fmla="*/ 6635579 w 6635579"/>
+              <a:gd name="connsiteY10" fmla="*/ 593124 h 1172959"/>
+              <a:gd name="connsiteX11" fmla="*/ 6635579 w 6635579"/>
+              <a:gd name="connsiteY11" fmla="*/ 593124 h 1172959"/>
+              <a:gd name="connsiteX0" fmla="*/ 0 w 6635579"/>
+              <a:gd name="connsiteY0" fmla="*/ 580768 h 1172959"/>
+              <a:gd name="connsiteX1" fmla="*/ 1470454 w 6635579"/>
+              <a:gd name="connsiteY1" fmla="*/ 580768 h 1172959"/>
+              <a:gd name="connsiteX2" fmla="*/ 1779373 w 6635579"/>
+              <a:gd name="connsiteY2" fmla="*/ 24713 h 1172959"/>
+              <a:gd name="connsiteX3" fmla="*/ 2409568 w 6635579"/>
+              <a:gd name="connsiteY3" fmla="*/ 1161535 h 1172959"/>
+              <a:gd name="connsiteX4" fmla="*/ 3039762 w 6635579"/>
+              <a:gd name="connsiteY4" fmla="*/ 37070 h 1172959"/>
+              <a:gd name="connsiteX5" fmla="*/ 3645244 w 6635579"/>
+              <a:gd name="connsiteY5" fmla="*/ 1161535 h 1172959"/>
+              <a:gd name="connsiteX6" fmla="*/ 4275438 w 6635579"/>
+              <a:gd name="connsiteY6" fmla="*/ 0 h 1172959"/>
+              <a:gd name="connsiteX7" fmla="*/ 4917990 w 6635579"/>
+              <a:gd name="connsiteY7" fmla="*/ 1161535 h 1172959"/>
+              <a:gd name="connsiteX8" fmla="*/ 5263979 w 6635579"/>
+              <a:gd name="connsiteY8" fmla="*/ 593124 h 1172959"/>
+              <a:gd name="connsiteX9" fmla="*/ 6635579 w 6635579"/>
+              <a:gd name="connsiteY9" fmla="*/ 593124 h 1172959"/>
+              <a:gd name="connsiteX10" fmla="*/ 6635579 w 6635579"/>
+              <a:gd name="connsiteY10" fmla="*/ 593124 h 1172959"/>
+              <a:gd name="connsiteX11" fmla="*/ 6635579 w 6635579"/>
+              <a:gd name="connsiteY11" fmla="*/ 593124 h 1172959"/>
+              <a:gd name="connsiteX0" fmla="*/ 0 w 6635579"/>
+              <a:gd name="connsiteY0" fmla="*/ 580768 h 1172959"/>
+              <a:gd name="connsiteX1" fmla="*/ 1470454 w 6635579"/>
+              <a:gd name="connsiteY1" fmla="*/ 580768 h 1172959"/>
+              <a:gd name="connsiteX2" fmla="*/ 1779373 w 6635579"/>
+              <a:gd name="connsiteY2" fmla="*/ 24713 h 1172959"/>
+              <a:gd name="connsiteX3" fmla="*/ 2409568 w 6635579"/>
+              <a:gd name="connsiteY3" fmla="*/ 1161535 h 1172959"/>
+              <a:gd name="connsiteX4" fmla="*/ 3039762 w 6635579"/>
+              <a:gd name="connsiteY4" fmla="*/ 37070 h 1172959"/>
+              <a:gd name="connsiteX5" fmla="*/ 3645244 w 6635579"/>
+              <a:gd name="connsiteY5" fmla="*/ 1161535 h 1172959"/>
+              <a:gd name="connsiteX6" fmla="*/ 4275438 w 6635579"/>
+              <a:gd name="connsiteY6" fmla="*/ 0 h 1172959"/>
+              <a:gd name="connsiteX7" fmla="*/ 4917990 w 6635579"/>
+              <a:gd name="connsiteY7" fmla="*/ 1161535 h 1172959"/>
+              <a:gd name="connsiteX8" fmla="*/ 5263979 w 6635579"/>
+              <a:gd name="connsiteY8" fmla="*/ 593124 h 1172959"/>
+              <a:gd name="connsiteX9" fmla="*/ 6635579 w 6635579"/>
+              <a:gd name="connsiteY9" fmla="*/ 593124 h 1172959"/>
+              <a:gd name="connsiteX10" fmla="*/ 6635579 w 6635579"/>
+              <a:gd name="connsiteY10" fmla="*/ 593124 h 1172959"/>
+              <a:gd name="connsiteX11" fmla="*/ 6635579 w 6635579"/>
+              <a:gd name="connsiteY11" fmla="*/ 593124 h 1172959"/>
+              <a:gd name="connsiteX0" fmla="*/ 0 w 6635579"/>
+              <a:gd name="connsiteY0" fmla="*/ 580768 h 1172959"/>
+              <a:gd name="connsiteX1" fmla="*/ 1470454 w 6635579"/>
+              <a:gd name="connsiteY1" fmla="*/ 580768 h 1172959"/>
+              <a:gd name="connsiteX2" fmla="*/ 1779373 w 6635579"/>
+              <a:gd name="connsiteY2" fmla="*/ 24713 h 1172959"/>
+              <a:gd name="connsiteX3" fmla="*/ 2409568 w 6635579"/>
+              <a:gd name="connsiteY3" fmla="*/ 1161535 h 1172959"/>
+              <a:gd name="connsiteX4" fmla="*/ 3039762 w 6635579"/>
+              <a:gd name="connsiteY4" fmla="*/ 37070 h 1172959"/>
+              <a:gd name="connsiteX5" fmla="*/ 3645244 w 6635579"/>
+              <a:gd name="connsiteY5" fmla="*/ 1161535 h 1172959"/>
+              <a:gd name="connsiteX6" fmla="*/ 4275438 w 6635579"/>
+              <a:gd name="connsiteY6" fmla="*/ 0 h 1172959"/>
+              <a:gd name="connsiteX7" fmla="*/ 4917990 w 6635579"/>
+              <a:gd name="connsiteY7" fmla="*/ 1161535 h 1172959"/>
+              <a:gd name="connsiteX8" fmla="*/ 5263979 w 6635579"/>
+              <a:gd name="connsiteY8" fmla="*/ 593124 h 1172959"/>
+              <a:gd name="connsiteX9" fmla="*/ 6635579 w 6635579"/>
+              <a:gd name="connsiteY9" fmla="*/ 593124 h 1172959"/>
+              <a:gd name="connsiteX10" fmla="*/ 6635579 w 6635579"/>
+              <a:gd name="connsiteY10" fmla="*/ 593124 h 1172959"/>
+              <a:gd name="connsiteX11" fmla="*/ 6635579 w 6635579"/>
+              <a:gd name="connsiteY11" fmla="*/ 593124 h 1172959"/>
+              <a:gd name="connsiteX0" fmla="*/ 0 w 6635579"/>
+              <a:gd name="connsiteY0" fmla="*/ 580768 h 1172959"/>
+              <a:gd name="connsiteX1" fmla="*/ 1470454 w 6635579"/>
+              <a:gd name="connsiteY1" fmla="*/ 580768 h 1172959"/>
+              <a:gd name="connsiteX2" fmla="*/ 1779373 w 6635579"/>
+              <a:gd name="connsiteY2" fmla="*/ 24713 h 1172959"/>
+              <a:gd name="connsiteX3" fmla="*/ 2409568 w 6635579"/>
+              <a:gd name="connsiteY3" fmla="*/ 1161535 h 1172959"/>
+              <a:gd name="connsiteX4" fmla="*/ 3039762 w 6635579"/>
+              <a:gd name="connsiteY4" fmla="*/ 37070 h 1172959"/>
+              <a:gd name="connsiteX5" fmla="*/ 3645244 w 6635579"/>
+              <a:gd name="connsiteY5" fmla="*/ 1161535 h 1172959"/>
+              <a:gd name="connsiteX6" fmla="*/ 4275438 w 6635579"/>
+              <a:gd name="connsiteY6" fmla="*/ 0 h 1172959"/>
+              <a:gd name="connsiteX7" fmla="*/ 4917990 w 6635579"/>
+              <a:gd name="connsiteY7" fmla="*/ 1161535 h 1172959"/>
+              <a:gd name="connsiteX8" fmla="*/ 5263979 w 6635579"/>
+              <a:gd name="connsiteY8" fmla="*/ 593124 h 1172959"/>
+              <a:gd name="connsiteX9" fmla="*/ 6635579 w 6635579"/>
+              <a:gd name="connsiteY9" fmla="*/ 593124 h 1172959"/>
+              <a:gd name="connsiteX10" fmla="*/ 6635579 w 6635579"/>
+              <a:gd name="connsiteY10" fmla="*/ 593124 h 1172959"/>
+              <a:gd name="connsiteX11" fmla="*/ 6635579 w 6635579"/>
+              <a:gd name="connsiteY11" fmla="*/ 593124 h 1172959"/>
+              <a:gd name="connsiteX0" fmla="*/ 0 w 6635579"/>
+              <a:gd name="connsiteY0" fmla="*/ 580768 h 1172959"/>
+              <a:gd name="connsiteX1" fmla="*/ 1470454 w 6635579"/>
+              <a:gd name="connsiteY1" fmla="*/ 580768 h 1172959"/>
+              <a:gd name="connsiteX2" fmla="*/ 1779373 w 6635579"/>
+              <a:gd name="connsiteY2" fmla="*/ 24713 h 1172959"/>
+              <a:gd name="connsiteX3" fmla="*/ 2409568 w 6635579"/>
+              <a:gd name="connsiteY3" fmla="*/ 1161535 h 1172959"/>
+              <a:gd name="connsiteX4" fmla="*/ 3039762 w 6635579"/>
+              <a:gd name="connsiteY4" fmla="*/ 37070 h 1172959"/>
+              <a:gd name="connsiteX5" fmla="*/ 3645244 w 6635579"/>
+              <a:gd name="connsiteY5" fmla="*/ 1161535 h 1172959"/>
+              <a:gd name="connsiteX6" fmla="*/ 4275438 w 6635579"/>
+              <a:gd name="connsiteY6" fmla="*/ 0 h 1172959"/>
+              <a:gd name="connsiteX7" fmla="*/ 4917990 w 6635579"/>
+              <a:gd name="connsiteY7" fmla="*/ 1161535 h 1172959"/>
+              <a:gd name="connsiteX8" fmla="*/ 5263979 w 6635579"/>
+              <a:gd name="connsiteY8" fmla="*/ 593124 h 1172959"/>
+              <a:gd name="connsiteX9" fmla="*/ 6635579 w 6635579"/>
+              <a:gd name="connsiteY9" fmla="*/ 593124 h 1172959"/>
+              <a:gd name="connsiteX10" fmla="*/ 6635579 w 6635579"/>
+              <a:gd name="connsiteY10" fmla="*/ 593124 h 1172959"/>
+              <a:gd name="connsiteX11" fmla="*/ 6635579 w 6635579"/>
+              <a:gd name="connsiteY11" fmla="*/ 593124 h 1172959"/>
+              <a:gd name="connsiteX0" fmla="*/ 0 w 6635579"/>
+              <a:gd name="connsiteY0" fmla="*/ 580768 h 1172959"/>
+              <a:gd name="connsiteX1" fmla="*/ 1470454 w 6635579"/>
+              <a:gd name="connsiteY1" fmla="*/ 580768 h 1172959"/>
+              <a:gd name="connsiteX2" fmla="*/ 1779373 w 6635579"/>
+              <a:gd name="connsiteY2" fmla="*/ 24713 h 1172959"/>
+              <a:gd name="connsiteX3" fmla="*/ 2409568 w 6635579"/>
+              <a:gd name="connsiteY3" fmla="*/ 1161535 h 1172959"/>
+              <a:gd name="connsiteX4" fmla="*/ 3039762 w 6635579"/>
+              <a:gd name="connsiteY4" fmla="*/ 37070 h 1172959"/>
+              <a:gd name="connsiteX5" fmla="*/ 3645244 w 6635579"/>
+              <a:gd name="connsiteY5" fmla="*/ 1161535 h 1172959"/>
+              <a:gd name="connsiteX6" fmla="*/ 4275438 w 6635579"/>
+              <a:gd name="connsiteY6" fmla="*/ 0 h 1172959"/>
+              <a:gd name="connsiteX7" fmla="*/ 4917990 w 6635579"/>
+              <a:gd name="connsiteY7" fmla="*/ 1161535 h 1172959"/>
+              <a:gd name="connsiteX8" fmla="*/ 5263979 w 6635579"/>
+              <a:gd name="connsiteY8" fmla="*/ 593124 h 1172959"/>
+              <a:gd name="connsiteX9" fmla="*/ 6635579 w 6635579"/>
+              <a:gd name="connsiteY9" fmla="*/ 593124 h 1172959"/>
+              <a:gd name="connsiteX10" fmla="*/ 6635579 w 6635579"/>
+              <a:gd name="connsiteY10" fmla="*/ 593124 h 1172959"/>
+              <a:gd name="connsiteX11" fmla="*/ 6635579 w 6635579"/>
+              <a:gd name="connsiteY11" fmla="*/ 593124 h 1172959"/>
+              <a:gd name="connsiteX0" fmla="*/ 0 w 6635579"/>
+              <a:gd name="connsiteY0" fmla="*/ 580768 h 1172959"/>
+              <a:gd name="connsiteX1" fmla="*/ 1470454 w 6635579"/>
+              <a:gd name="connsiteY1" fmla="*/ 580768 h 1172959"/>
+              <a:gd name="connsiteX2" fmla="*/ 1779373 w 6635579"/>
+              <a:gd name="connsiteY2" fmla="*/ 24713 h 1172959"/>
+              <a:gd name="connsiteX3" fmla="*/ 2409568 w 6635579"/>
+              <a:gd name="connsiteY3" fmla="*/ 1161535 h 1172959"/>
+              <a:gd name="connsiteX4" fmla="*/ 3039762 w 6635579"/>
+              <a:gd name="connsiteY4" fmla="*/ 37070 h 1172959"/>
+              <a:gd name="connsiteX5" fmla="*/ 3645244 w 6635579"/>
+              <a:gd name="connsiteY5" fmla="*/ 1161535 h 1172959"/>
+              <a:gd name="connsiteX6" fmla="*/ 4275438 w 6635579"/>
+              <a:gd name="connsiteY6" fmla="*/ 0 h 1172959"/>
+              <a:gd name="connsiteX7" fmla="*/ 4917990 w 6635579"/>
+              <a:gd name="connsiteY7" fmla="*/ 1161535 h 1172959"/>
+              <a:gd name="connsiteX8" fmla="*/ 5263979 w 6635579"/>
+              <a:gd name="connsiteY8" fmla="*/ 593124 h 1172959"/>
+              <a:gd name="connsiteX9" fmla="*/ 6635579 w 6635579"/>
+              <a:gd name="connsiteY9" fmla="*/ 593124 h 1172959"/>
+              <a:gd name="connsiteX10" fmla="*/ 6635579 w 6635579"/>
+              <a:gd name="connsiteY10" fmla="*/ 593124 h 1172959"/>
+              <a:gd name="connsiteX11" fmla="*/ 6635579 w 6635579"/>
+              <a:gd name="connsiteY11" fmla="*/ 593124 h 1172959"/>
+              <a:gd name="connsiteX0" fmla="*/ 0 w 6635579"/>
+              <a:gd name="connsiteY0" fmla="*/ 580768 h 1172959"/>
+              <a:gd name="connsiteX1" fmla="*/ 1470454 w 6635579"/>
+              <a:gd name="connsiteY1" fmla="*/ 580768 h 1172959"/>
+              <a:gd name="connsiteX2" fmla="*/ 1779373 w 6635579"/>
+              <a:gd name="connsiteY2" fmla="*/ 24713 h 1172959"/>
+              <a:gd name="connsiteX3" fmla="*/ 2409568 w 6635579"/>
+              <a:gd name="connsiteY3" fmla="*/ 1161535 h 1172959"/>
+              <a:gd name="connsiteX4" fmla="*/ 3039762 w 6635579"/>
+              <a:gd name="connsiteY4" fmla="*/ 37070 h 1172959"/>
+              <a:gd name="connsiteX5" fmla="*/ 3645244 w 6635579"/>
+              <a:gd name="connsiteY5" fmla="*/ 1161535 h 1172959"/>
+              <a:gd name="connsiteX6" fmla="*/ 4275438 w 6635579"/>
+              <a:gd name="connsiteY6" fmla="*/ 0 h 1172959"/>
+              <a:gd name="connsiteX7" fmla="*/ 4917990 w 6635579"/>
+              <a:gd name="connsiteY7" fmla="*/ 1161535 h 1172959"/>
+              <a:gd name="connsiteX8" fmla="*/ 5263979 w 6635579"/>
+              <a:gd name="connsiteY8" fmla="*/ 593124 h 1172959"/>
+              <a:gd name="connsiteX9" fmla="*/ 6635579 w 6635579"/>
+              <a:gd name="connsiteY9" fmla="*/ 593124 h 1172959"/>
+              <a:gd name="connsiteX10" fmla="*/ 6635579 w 6635579"/>
+              <a:gd name="connsiteY10" fmla="*/ 593124 h 1172959"/>
+              <a:gd name="connsiteX11" fmla="*/ 6635579 w 6635579"/>
+              <a:gd name="connsiteY11" fmla="*/ 593124 h 1172959"/>
+              <a:gd name="connsiteX0" fmla="*/ 0 w 6635579"/>
+              <a:gd name="connsiteY0" fmla="*/ 580768 h 1172959"/>
+              <a:gd name="connsiteX1" fmla="*/ 1470454 w 6635579"/>
+              <a:gd name="connsiteY1" fmla="*/ 580768 h 1172959"/>
+              <a:gd name="connsiteX2" fmla="*/ 1779373 w 6635579"/>
+              <a:gd name="connsiteY2" fmla="*/ 24713 h 1172959"/>
+              <a:gd name="connsiteX3" fmla="*/ 2409568 w 6635579"/>
+              <a:gd name="connsiteY3" fmla="*/ 1161535 h 1172959"/>
+              <a:gd name="connsiteX4" fmla="*/ 3039762 w 6635579"/>
+              <a:gd name="connsiteY4" fmla="*/ 37070 h 1172959"/>
+              <a:gd name="connsiteX5" fmla="*/ 3645244 w 6635579"/>
+              <a:gd name="connsiteY5" fmla="*/ 1161535 h 1172959"/>
+              <a:gd name="connsiteX6" fmla="*/ 4275438 w 6635579"/>
+              <a:gd name="connsiteY6" fmla="*/ 0 h 1172959"/>
+              <a:gd name="connsiteX7" fmla="*/ 4917990 w 6635579"/>
+              <a:gd name="connsiteY7" fmla="*/ 1161535 h 1172959"/>
+              <a:gd name="connsiteX8" fmla="*/ 5263979 w 6635579"/>
+              <a:gd name="connsiteY8" fmla="*/ 593124 h 1172959"/>
+              <a:gd name="connsiteX9" fmla="*/ 6635579 w 6635579"/>
+              <a:gd name="connsiteY9" fmla="*/ 593124 h 1172959"/>
+              <a:gd name="connsiteX10" fmla="*/ 6635579 w 6635579"/>
+              <a:gd name="connsiteY10" fmla="*/ 593124 h 1172959"/>
+              <a:gd name="connsiteX11" fmla="*/ 6635579 w 6635579"/>
+              <a:gd name="connsiteY11" fmla="*/ 593124 h 1172959"/>
+              <a:gd name="connsiteX0" fmla="*/ 0 w 6635579"/>
+              <a:gd name="connsiteY0" fmla="*/ 580768 h 1172959"/>
+              <a:gd name="connsiteX1" fmla="*/ 1470454 w 6635579"/>
+              <a:gd name="connsiteY1" fmla="*/ 580768 h 1172959"/>
+              <a:gd name="connsiteX2" fmla="*/ 1779373 w 6635579"/>
+              <a:gd name="connsiteY2" fmla="*/ 24713 h 1172959"/>
+              <a:gd name="connsiteX3" fmla="*/ 2409568 w 6635579"/>
+              <a:gd name="connsiteY3" fmla="*/ 1161535 h 1172959"/>
+              <a:gd name="connsiteX4" fmla="*/ 3039762 w 6635579"/>
+              <a:gd name="connsiteY4" fmla="*/ 37070 h 1172959"/>
+              <a:gd name="connsiteX5" fmla="*/ 3645244 w 6635579"/>
+              <a:gd name="connsiteY5" fmla="*/ 1161535 h 1172959"/>
+              <a:gd name="connsiteX6" fmla="*/ 4275438 w 6635579"/>
+              <a:gd name="connsiteY6" fmla="*/ 0 h 1172959"/>
+              <a:gd name="connsiteX7" fmla="*/ 4917990 w 6635579"/>
+              <a:gd name="connsiteY7" fmla="*/ 1161535 h 1172959"/>
+              <a:gd name="connsiteX8" fmla="*/ 5263979 w 6635579"/>
+              <a:gd name="connsiteY8" fmla="*/ 593124 h 1172959"/>
+              <a:gd name="connsiteX9" fmla="*/ 6635579 w 6635579"/>
+              <a:gd name="connsiteY9" fmla="*/ 593124 h 1172959"/>
+              <a:gd name="connsiteX10" fmla="*/ 6635579 w 6635579"/>
+              <a:gd name="connsiteY10" fmla="*/ 593124 h 1172959"/>
+              <a:gd name="connsiteX11" fmla="*/ 6635579 w 6635579"/>
+              <a:gd name="connsiteY11" fmla="*/ 593124 h 1172959"/>
+              <a:gd name="connsiteX0" fmla="*/ 0 w 6635579"/>
+              <a:gd name="connsiteY0" fmla="*/ 580768 h 1172959"/>
+              <a:gd name="connsiteX1" fmla="*/ 1470454 w 6635579"/>
+              <a:gd name="connsiteY1" fmla="*/ 580768 h 1172959"/>
+              <a:gd name="connsiteX2" fmla="*/ 1779373 w 6635579"/>
+              <a:gd name="connsiteY2" fmla="*/ 24713 h 1172959"/>
+              <a:gd name="connsiteX3" fmla="*/ 2409568 w 6635579"/>
+              <a:gd name="connsiteY3" fmla="*/ 1161535 h 1172959"/>
+              <a:gd name="connsiteX4" fmla="*/ 3039762 w 6635579"/>
+              <a:gd name="connsiteY4" fmla="*/ 37070 h 1172959"/>
+              <a:gd name="connsiteX5" fmla="*/ 3645244 w 6635579"/>
+              <a:gd name="connsiteY5" fmla="*/ 1161535 h 1172959"/>
+              <a:gd name="connsiteX6" fmla="*/ 4275438 w 6635579"/>
+              <a:gd name="connsiteY6" fmla="*/ 0 h 1172959"/>
+              <a:gd name="connsiteX7" fmla="*/ 4917990 w 6635579"/>
+              <a:gd name="connsiteY7" fmla="*/ 1161535 h 1172959"/>
+              <a:gd name="connsiteX8" fmla="*/ 5263979 w 6635579"/>
+              <a:gd name="connsiteY8" fmla="*/ 593124 h 1172959"/>
+              <a:gd name="connsiteX9" fmla="*/ 6635579 w 6635579"/>
+              <a:gd name="connsiteY9" fmla="*/ 593124 h 1172959"/>
+              <a:gd name="connsiteX10" fmla="*/ 6635579 w 6635579"/>
+              <a:gd name="connsiteY10" fmla="*/ 593124 h 1172959"/>
+              <a:gd name="connsiteX11" fmla="*/ 6635579 w 6635579"/>
+              <a:gd name="connsiteY11" fmla="*/ 593124 h 1172959"/>
+              <a:gd name="connsiteX0" fmla="*/ 0 w 6635579"/>
+              <a:gd name="connsiteY0" fmla="*/ 580768 h 1172959"/>
+              <a:gd name="connsiteX1" fmla="*/ 1470454 w 6635579"/>
+              <a:gd name="connsiteY1" fmla="*/ 580768 h 1172959"/>
+              <a:gd name="connsiteX2" fmla="*/ 1779373 w 6635579"/>
+              <a:gd name="connsiteY2" fmla="*/ 24713 h 1172959"/>
+              <a:gd name="connsiteX3" fmla="*/ 2409568 w 6635579"/>
+              <a:gd name="connsiteY3" fmla="*/ 1161535 h 1172959"/>
+              <a:gd name="connsiteX4" fmla="*/ 3039762 w 6635579"/>
+              <a:gd name="connsiteY4" fmla="*/ 37070 h 1172959"/>
+              <a:gd name="connsiteX5" fmla="*/ 3645244 w 6635579"/>
+              <a:gd name="connsiteY5" fmla="*/ 1161535 h 1172959"/>
+              <a:gd name="connsiteX6" fmla="*/ 4275438 w 6635579"/>
+              <a:gd name="connsiteY6" fmla="*/ 0 h 1172959"/>
+              <a:gd name="connsiteX7" fmla="*/ 4917990 w 6635579"/>
+              <a:gd name="connsiteY7" fmla="*/ 1161535 h 1172959"/>
+              <a:gd name="connsiteX8" fmla="*/ 5263979 w 6635579"/>
+              <a:gd name="connsiteY8" fmla="*/ 593124 h 1172959"/>
+              <a:gd name="connsiteX9" fmla="*/ 6635579 w 6635579"/>
+              <a:gd name="connsiteY9" fmla="*/ 593124 h 1172959"/>
+              <a:gd name="connsiteX10" fmla="*/ 6635579 w 6635579"/>
+              <a:gd name="connsiteY10" fmla="*/ 593124 h 1172959"/>
+              <a:gd name="connsiteX11" fmla="*/ 6635579 w 6635579"/>
+              <a:gd name="connsiteY11" fmla="*/ 593124 h 1172959"/>
+              <a:gd name="connsiteX0" fmla="*/ 0 w 6635579"/>
+              <a:gd name="connsiteY0" fmla="*/ 580768 h 1172959"/>
+              <a:gd name="connsiteX1" fmla="*/ 1470454 w 6635579"/>
+              <a:gd name="connsiteY1" fmla="*/ 580768 h 1172959"/>
+              <a:gd name="connsiteX2" fmla="*/ 1779373 w 6635579"/>
+              <a:gd name="connsiteY2" fmla="*/ 24713 h 1172959"/>
+              <a:gd name="connsiteX3" fmla="*/ 2409568 w 6635579"/>
+              <a:gd name="connsiteY3" fmla="*/ 1161535 h 1172959"/>
+              <a:gd name="connsiteX4" fmla="*/ 3039762 w 6635579"/>
+              <a:gd name="connsiteY4" fmla="*/ 37070 h 1172959"/>
+              <a:gd name="connsiteX5" fmla="*/ 3645244 w 6635579"/>
+              <a:gd name="connsiteY5" fmla="*/ 1161535 h 1172959"/>
+              <a:gd name="connsiteX6" fmla="*/ 4275438 w 6635579"/>
+              <a:gd name="connsiteY6" fmla="*/ 0 h 1172959"/>
+              <a:gd name="connsiteX7" fmla="*/ 4917990 w 6635579"/>
+              <a:gd name="connsiteY7" fmla="*/ 1161535 h 1172959"/>
+              <a:gd name="connsiteX8" fmla="*/ 5263979 w 6635579"/>
+              <a:gd name="connsiteY8" fmla="*/ 593124 h 1172959"/>
+              <a:gd name="connsiteX9" fmla="*/ 6635579 w 6635579"/>
+              <a:gd name="connsiteY9" fmla="*/ 593124 h 1172959"/>
+              <a:gd name="connsiteX10" fmla="*/ 6635579 w 6635579"/>
+              <a:gd name="connsiteY10" fmla="*/ 593124 h 1172959"/>
+              <a:gd name="connsiteX11" fmla="*/ 6635579 w 6635579"/>
+              <a:gd name="connsiteY11" fmla="*/ 593124 h 1172959"/>
+              <a:gd name="connsiteX0" fmla="*/ 0 w 6635579"/>
+              <a:gd name="connsiteY0" fmla="*/ 580768 h 1172959"/>
+              <a:gd name="connsiteX1" fmla="*/ 1470454 w 6635579"/>
+              <a:gd name="connsiteY1" fmla="*/ 580768 h 1172959"/>
+              <a:gd name="connsiteX2" fmla="*/ 1779373 w 6635579"/>
+              <a:gd name="connsiteY2" fmla="*/ 24713 h 1172959"/>
+              <a:gd name="connsiteX3" fmla="*/ 2409568 w 6635579"/>
+              <a:gd name="connsiteY3" fmla="*/ 1161535 h 1172959"/>
+              <a:gd name="connsiteX4" fmla="*/ 3039762 w 6635579"/>
+              <a:gd name="connsiteY4" fmla="*/ 37070 h 1172959"/>
+              <a:gd name="connsiteX5" fmla="*/ 3645244 w 6635579"/>
+              <a:gd name="connsiteY5" fmla="*/ 1161535 h 1172959"/>
+              <a:gd name="connsiteX6" fmla="*/ 4275438 w 6635579"/>
+              <a:gd name="connsiteY6" fmla="*/ 0 h 1172959"/>
+              <a:gd name="connsiteX7" fmla="*/ 4917990 w 6635579"/>
+              <a:gd name="connsiteY7" fmla="*/ 1161535 h 1172959"/>
+              <a:gd name="connsiteX8" fmla="*/ 5263979 w 6635579"/>
+              <a:gd name="connsiteY8" fmla="*/ 593124 h 1172959"/>
+              <a:gd name="connsiteX9" fmla="*/ 6635579 w 6635579"/>
+              <a:gd name="connsiteY9" fmla="*/ 593124 h 1172959"/>
+              <a:gd name="connsiteX10" fmla="*/ 6635579 w 6635579"/>
+              <a:gd name="connsiteY10" fmla="*/ 593124 h 1172959"/>
+              <a:gd name="connsiteX11" fmla="*/ 6635579 w 6635579"/>
+              <a:gd name="connsiteY11" fmla="*/ 593124 h 1172959"/>
+              <a:gd name="connsiteX0" fmla="*/ 0 w 6635579"/>
+              <a:gd name="connsiteY0" fmla="*/ 580768 h 1172959"/>
+              <a:gd name="connsiteX1" fmla="*/ 1470454 w 6635579"/>
+              <a:gd name="connsiteY1" fmla="*/ 580768 h 1172959"/>
+              <a:gd name="connsiteX2" fmla="*/ 1779373 w 6635579"/>
+              <a:gd name="connsiteY2" fmla="*/ 24713 h 1172959"/>
+              <a:gd name="connsiteX3" fmla="*/ 2409568 w 6635579"/>
+              <a:gd name="connsiteY3" fmla="*/ 1161535 h 1172959"/>
+              <a:gd name="connsiteX4" fmla="*/ 3039762 w 6635579"/>
+              <a:gd name="connsiteY4" fmla="*/ 37070 h 1172959"/>
+              <a:gd name="connsiteX5" fmla="*/ 3645244 w 6635579"/>
+              <a:gd name="connsiteY5" fmla="*/ 1161535 h 1172959"/>
+              <a:gd name="connsiteX6" fmla="*/ 4275438 w 6635579"/>
+              <a:gd name="connsiteY6" fmla="*/ 0 h 1172959"/>
+              <a:gd name="connsiteX7" fmla="*/ 4917990 w 6635579"/>
+              <a:gd name="connsiteY7" fmla="*/ 1161535 h 1172959"/>
+              <a:gd name="connsiteX8" fmla="*/ 5263979 w 6635579"/>
+              <a:gd name="connsiteY8" fmla="*/ 593124 h 1172959"/>
+              <a:gd name="connsiteX9" fmla="*/ 6635579 w 6635579"/>
+              <a:gd name="connsiteY9" fmla="*/ 593124 h 1172959"/>
+              <a:gd name="connsiteX10" fmla="*/ 6635579 w 6635579"/>
+              <a:gd name="connsiteY10" fmla="*/ 593124 h 1172959"/>
+              <a:gd name="connsiteX11" fmla="*/ 6635579 w 6635579"/>
+              <a:gd name="connsiteY11" fmla="*/ 593124 h 1172959"/>
+              <a:gd name="connsiteX0" fmla="*/ 0 w 6635579"/>
+              <a:gd name="connsiteY0" fmla="*/ 580768 h 1172959"/>
+              <a:gd name="connsiteX1" fmla="*/ 1470454 w 6635579"/>
+              <a:gd name="connsiteY1" fmla="*/ 580768 h 1172959"/>
+              <a:gd name="connsiteX2" fmla="*/ 1779373 w 6635579"/>
+              <a:gd name="connsiteY2" fmla="*/ 24713 h 1172959"/>
+              <a:gd name="connsiteX3" fmla="*/ 2409568 w 6635579"/>
+              <a:gd name="connsiteY3" fmla="*/ 1161535 h 1172959"/>
+              <a:gd name="connsiteX4" fmla="*/ 3039762 w 6635579"/>
+              <a:gd name="connsiteY4" fmla="*/ 37070 h 1172959"/>
+              <a:gd name="connsiteX5" fmla="*/ 3645244 w 6635579"/>
+              <a:gd name="connsiteY5" fmla="*/ 1161535 h 1172959"/>
+              <a:gd name="connsiteX6" fmla="*/ 4275438 w 6635579"/>
+              <a:gd name="connsiteY6" fmla="*/ 0 h 1172959"/>
+              <a:gd name="connsiteX7" fmla="*/ 4917990 w 6635579"/>
+              <a:gd name="connsiteY7" fmla="*/ 1161535 h 1172959"/>
+              <a:gd name="connsiteX8" fmla="*/ 5263979 w 6635579"/>
+              <a:gd name="connsiteY8" fmla="*/ 593124 h 1172959"/>
+              <a:gd name="connsiteX9" fmla="*/ 6635579 w 6635579"/>
+              <a:gd name="connsiteY9" fmla="*/ 593124 h 1172959"/>
+              <a:gd name="connsiteX10" fmla="*/ 6635579 w 6635579"/>
+              <a:gd name="connsiteY10" fmla="*/ 593124 h 1172959"/>
+              <a:gd name="connsiteX11" fmla="*/ 6635579 w 6635579"/>
+              <a:gd name="connsiteY11" fmla="*/ 593124 h 1172959"/>
+              <a:gd name="connsiteX0" fmla="*/ 0 w 6635579"/>
+              <a:gd name="connsiteY0" fmla="*/ 580768 h 1161535"/>
+              <a:gd name="connsiteX1" fmla="*/ 1470454 w 6635579"/>
+              <a:gd name="connsiteY1" fmla="*/ 580768 h 1161535"/>
+              <a:gd name="connsiteX2" fmla="*/ 1779373 w 6635579"/>
+              <a:gd name="connsiteY2" fmla="*/ 24713 h 1161535"/>
+              <a:gd name="connsiteX3" fmla="*/ 2409568 w 6635579"/>
+              <a:gd name="connsiteY3" fmla="*/ 1161535 h 1161535"/>
+              <a:gd name="connsiteX4" fmla="*/ 3039762 w 6635579"/>
+              <a:gd name="connsiteY4" fmla="*/ 37070 h 1161535"/>
+              <a:gd name="connsiteX5" fmla="*/ 3645244 w 6635579"/>
+              <a:gd name="connsiteY5" fmla="*/ 1161535 h 1161535"/>
+              <a:gd name="connsiteX6" fmla="*/ 4275438 w 6635579"/>
+              <a:gd name="connsiteY6" fmla="*/ 0 h 1161535"/>
+              <a:gd name="connsiteX7" fmla="*/ 4917990 w 6635579"/>
+              <a:gd name="connsiteY7" fmla="*/ 1161535 h 1161535"/>
+              <a:gd name="connsiteX8" fmla="*/ 5263979 w 6635579"/>
+              <a:gd name="connsiteY8" fmla="*/ 593124 h 1161535"/>
+              <a:gd name="connsiteX9" fmla="*/ 6635579 w 6635579"/>
+              <a:gd name="connsiteY9" fmla="*/ 593124 h 1161535"/>
+              <a:gd name="connsiteX10" fmla="*/ 6635579 w 6635579"/>
+              <a:gd name="connsiteY10" fmla="*/ 593124 h 1161535"/>
+              <a:gd name="connsiteX11" fmla="*/ 6635579 w 6635579"/>
+              <a:gd name="connsiteY11" fmla="*/ 593124 h 1161535"/>
+              <a:gd name="connsiteX0" fmla="*/ 0 w 6635579"/>
+              <a:gd name="connsiteY0" fmla="*/ 580768 h 1161535"/>
+              <a:gd name="connsiteX1" fmla="*/ 1470454 w 6635579"/>
+              <a:gd name="connsiteY1" fmla="*/ 580768 h 1161535"/>
+              <a:gd name="connsiteX2" fmla="*/ 1779373 w 6635579"/>
+              <a:gd name="connsiteY2" fmla="*/ 24713 h 1161535"/>
+              <a:gd name="connsiteX3" fmla="*/ 2409568 w 6635579"/>
+              <a:gd name="connsiteY3" fmla="*/ 1161535 h 1161535"/>
+              <a:gd name="connsiteX4" fmla="*/ 3039762 w 6635579"/>
+              <a:gd name="connsiteY4" fmla="*/ 37070 h 1161535"/>
+              <a:gd name="connsiteX5" fmla="*/ 3645244 w 6635579"/>
+              <a:gd name="connsiteY5" fmla="*/ 1161535 h 1161535"/>
+              <a:gd name="connsiteX6" fmla="*/ 4275438 w 6635579"/>
+              <a:gd name="connsiteY6" fmla="*/ 0 h 1161535"/>
+              <a:gd name="connsiteX7" fmla="*/ 4917990 w 6635579"/>
+              <a:gd name="connsiteY7" fmla="*/ 1161535 h 1161535"/>
+              <a:gd name="connsiteX8" fmla="*/ 5263979 w 6635579"/>
+              <a:gd name="connsiteY8" fmla="*/ 593124 h 1161535"/>
+              <a:gd name="connsiteX9" fmla="*/ 6635579 w 6635579"/>
+              <a:gd name="connsiteY9" fmla="*/ 593124 h 1161535"/>
+              <a:gd name="connsiteX10" fmla="*/ 6635579 w 6635579"/>
+              <a:gd name="connsiteY10" fmla="*/ 593124 h 1161535"/>
+              <a:gd name="connsiteX11" fmla="*/ 6635579 w 6635579"/>
+              <a:gd name="connsiteY11" fmla="*/ 593124 h 1161535"/>
+              <a:gd name="connsiteX0" fmla="*/ 0 w 6635579"/>
+              <a:gd name="connsiteY0" fmla="*/ 580768 h 1161535"/>
+              <a:gd name="connsiteX1" fmla="*/ 1470454 w 6635579"/>
+              <a:gd name="connsiteY1" fmla="*/ 580768 h 1161535"/>
+              <a:gd name="connsiteX2" fmla="*/ 1779373 w 6635579"/>
+              <a:gd name="connsiteY2" fmla="*/ 24713 h 1161535"/>
+              <a:gd name="connsiteX3" fmla="*/ 2409568 w 6635579"/>
+              <a:gd name="connsiteY3" fmla="*/ 1161535 h 1161535"/>
+              <a:gd name="connsiteX4" fmla="*/ 3039762 w 6635579"/>
+              <a:gd name="connsiteY4" fmla="*/ 37070 h 1161535"/>
+              <a:gd name="connsiteX5" fmla="*/ 3645244 w 6635579"/>
+              <a:gd name="connsiteY5" fmla="*/ 1161535 h 1161535"/>
+              <a:gd name="connsiteX6" fmla="*/ 4275438 w 6635579"/>
+              <a:gd name="connsiteY6" fmla="*/ 0 h 1161535"/>
+              <a:gd name="connsiteX7" fmla="*/ 4917990 w 6635579"/>
+              <a:gd name="connsiteY7" fmla="*/ 1161535 h 1161535"/>
+              <a:gd name="connsiteX8" fmla="*/ 5263979 w 6635579"/>
+              <a:gd name="connsiteY8" fmla="*/ 593124 h 1161535"/>
+              <a:gd name="connsiteX9" fmla="*/ 6635579 w 6635579"/>
+              <a:gd name="connsiteY9" fmla="*/ 593124 h 1161535"/>
+              <a:gd name="connsiteX10" fmla="*/ 6635579 w 6635579"/>
+              <a:gd name="connsiteY10" fmla="*/ 593124 h 1161535"/>
+              <a:gd name="connsiteX11" fmla="*/ 6635579 w 6635579"/>
+              <a:gd name="connsiteY11" fmla="*/ 593124 h 1161535"/>
+              <a:gd name="connsiteX0" fmla="*/ 0 w 6635579"/>
+              <a:gd name="connsiteY0" fmla="*/ 580768 h 1161535"/>
+              <a:gd name="connsiteX1" fmla="*/ 1470454 w 6635579"/>
+              <a:gd name="connsiteY1" fmla="*/ 580768 h 1161535"/>
+              <a:gd name="connsiteX2" fmla="*/ 1779373 w 6635579"/>
+              <a:gd name="connsiteY2" fmla="*/ 24713 h 1161535"/>
+              <a:gd name="connsiteX3" fmla="*/ 2409568 w 6635579"/>
+              <a:gd name="connsiteY3" fmla="*/ 1161535 h 1161535"/>
+              <a:gd name="connsiteX4" fmla="*/ 3039762 w 6635579"/>
+              <a:gd name="connsiteY4" fmla="*/ 37070 h 1161535"/>
+              <a:gd name="connsiteX5" fmla="*/ 3645244 w 6635579"/>
+              <a:gd name="connsiteY5" fmla="*/ 1161535 h 1161535"/>
+              <a:gd name="connsiteX6" fmla="*/ 4275438 w 6635579"/>
+              <a:gd name="connsiteY6" fmla="*/ 0 h 1161535"/>
+              <a:gd name="connsiteX7" fmla="*/ 4917990 w 6635579"/>
+              <a:gd name="connsiteY7" fmla="*/ 1161535 h 1161535"/>
+              <a:gd name="connsiteX8" fmla="*/ 5263979 w 6635579"/>
+              <a:gd name="connsiteY8" fmla="*/ 593124 h 1161535"/>
+              <a:gd name="connsiteX9" fmla="*/ 6635579 w 6635579"/>
+              <a:gd name="connsiteY9" fmla="*/ 593124 h 1161535"/>
+              <a:gd name="connsiteX10" fmla="*/ 6635579 w 6635579"/>
+              <a:gd name="connsiteY10" fmla="*/ 593124 h 1161535"/>
+              <a:gd name="connsiteX11" fmla="*/ 6635579 w 6635579"/>
+              <a:gd name="connsiteY11" fmla="*/ 593124 h 1161535"/>
+              <a:gd name="connsiteX0" fmla="*/ 0 w 6635579"/>
+              <a:gd name="connsiteY0" fmla="*/ 580768 h 1161535"/>
+              <a:gd name="connsiteX1" fmla="*/ 1470454 w 6635579"/>
+              <a:gd name="connsiteY1" fmla="*/ 580768 h 1161535"/>
+              <a:gd name="connsiteX2" fmla="*/ 1779373 w 6635579"/>
+              <a:gd name="connsiteY2" fmla="*/ 24713 h 1161535"/>
+              <a:gd name="connsiteX3" fmla="*/ 2409568 w 6635579"/>
+              <a:gd name="connsiteY3" fmla="*/ 1161535 h 1161535"/>
+              <a:gd name="connsiteX4" fmla="*/ 3039762 w 6635579"/>
+              <a:gd name="connsiteY4" fmla="*/ 37070 h 1161535"/>
+              <a:gd name="connsiteX5" fmla="*/ 3645244 w 6635579"/>
+              <a:gd name="connsiteY5" fmla="*/ 1161535 h 1161535"/>
+              <a:gd name="connsiteX6" fmla="*/ 4275438 w 6635579"/>
+              <a:gd name="connsiteY6" fmla="*/ 0 h 1161535"/>
+              <a:gd name="connsiteX7" fmla="*/ 4917990 w 6635579"/>
+              <a:gd name="connsiteY7" fmla="*/ 1161535 h 1161535"/>
+              <a:gd name="connsiteX8" fmla="*/ 5263979 w 6635579"/>
+              <a:gd name="connsiteY8" fmla="*/ 593124 h 1161535"/>
+              <a:gd name="connsiteX9" fmla="*/ 6635579 w 6635579"/>
+              <a:gd name="connsiteY9" fmla="*/ 593124 h 1161535"/>
+              <a:gd name="connsiteX10" fmla="*/ 6635579 w 6635579"/>
+              <a:gd name="connsiteY10" fmla="*/ 593124 h 1161535"/>
+              <a:gd name="connsiteX11" fmla="*/ 6635579 w 6635579"/>
+              <a:gd name="connsiteY11" fmla="*/ 593124 h 1161535"/>
+            </a:gdLst>
+            <a:ahLst/>
+            <a:cxnLst>
+              <a:cxn ang="0">
+                <a:pos x="connsiteX0" y="connsiteY0"/>
+              </a:cxn>
+              <a:cxn ang="0">
+                <a:pos x="connsiteX1" y="connsiteY1"/>
+              </a:cxn>
+              <a:cxn ang="0">
+                <a:pos x="connsiteX2" y="connsiteY2"/>
+              </a:cxn>
+              <a:cxn ang="0">
+                <a:pos x="connsiteX3" y="connsiteY3"/>
+              </a:cxn>
+              <a:cxn ang="0">
+                <a:pos x="connsiteX4" y="connsiteY4"/>
+              </a:cxn>
+              <a:cxn ang="0">
+                <a:pos x="connsiteX5" y="connsiteY5"/>
+              </a:cxn>
+              <a:cxn ang="0">
+                <a:pos x="connsiteX6" y="connsiteY6"/>
+              </a:cxn>
+              <a:cxn ang="0">
+                <a:pos x="connsiteX7" y="connsiteY7"/>
+              </a:cxn>
+              <a:cxn ang="0">
+                <a:pos x="connsiteX8" y="connsiteY8"/>
+              </a:cxn>
+              <a:cxn ang="0">
+                <a:pos x="connsiteX9" y="connsiteY9"/>
+              </a:cxn>
+              <a:cxn ang="0">
+                <a:pos x="connsiteX10" y="connsiteY10"/>
+              </a:cxn>
+              <a:cxn ang="0">
+                <a:pos x="connsiteX11" y="connsiteY11"/>
+              </a:cxn>
+            </a:cxnLst>
+            <a:rect l="l" t="t" r="r" b="b"/>
+            <a:pathLst>
+              <a:path w="6635579" h="1161535">
+                <a:moveTo>
+                  <a:pt x="0" y="580768"/>
+                </a:moveTo>
+                <a:cubicBezTo>
+                  <a:pt x="586946" y="627106"/>
+                  <a:pt x="15652" y="589038"/>
+                  <a:pt x="1470454" y="580768"/>
+                </a:cubicBezTo>
+                <a:cubicBezTo>
+                  <a:pt x="1785773" y="19169"/>
+                  <a:pt x="1491556" y="589100"/>
+                  <a:pt x="1779373" y="24713"/>
+                </a:cubicBezTo>
+                <a:cubicBezTo>
+                  <a:pt x="2395437" y="1171895"/>
+                  <a:pt x="1791540" y="34061"/>
+                  <a:pt x="2409568" y="1161535"/>
+                </a:cubicBezTo>
+                <a:cubicBezTo>
+                  <a:pt x="3046353" y="33489"/>
+                  <a:pt x="2425853" y="1176553"/>
+                  <a:pt x="3039762" y="37070"/>
+                </a:cubicBezTo>
+                <a:cubicBezTo>
+                  <a:pt x="3653671" y="1181243"/>
+                  <a:pt x="3045402" y="42297"/>
+                  <a:pt x="3645244" y="1161535"/>
+                </a:cubicBezTo>
+                <a:cubicBezTo>
+                  <a:pt x="4287288" y="-2883"/>
+                  <a:pt x="3655351" y="1172307"/>
+                  <a:pt x="4275438" y="0"/>
+                </a:cubicBezTo>
+                <a:cubicBezTo>
+                  <a:pt x="4909592" y="1158240"/>
+                  <a:pt x="4288999" y="2915"/>
+                  <a:pt x="4917990" y="1161535"/>
+                </a:cubicBezTo>
+                <a:cubicBezTo>
+                  <a:pt x="5251560" y="589829"/>
+                  <a:pt x="4926132" y="1161472"/>
+                  <a:pt x="5263979" y="593124"/>
+                </a:cubicBezTo>
+                <a:lnTo>
+                  <a:pt x="6635579" y="593124"/>
+                </a:lnTo>
+                <a:lnTo>
+                  <a:pt x="6635579" y="593124"/>
+                </a:lnTo>
+                <a:lnTo>
+                  <a:pt x="6635579" y="593124"/>
+                </a:lnTo>
+              </a:path>
+            </a:pathLst>
+          </a:custGeom>
+          <a:noFill/>
+          <a:ln w="38100"/>
+        </p:spPr>
+        <p:style>
+          <a:lnRef idx="2">
+            <a:schemeClr val="accent1">
+              <a:shade val="15000"/>
+            </a:schemeClr>
+          </a:lnRef>
+          <a:fillRef idx="1">
+            <a:schemeClr val="accent1"/>
+          </a:fillRef>
+          <a:effectRef idx="0">
+            <a:schemeClr val="accent1"/>
+          </a:effectRef>
+          <a:fontRef idx="minor">
+            <a:schemeClr val="lt1"/>
+          </a:fontRef>
+        </p:style>
+        <p:txBody>
+          <a:bodyPr rtlCol="0" anchor="ctr"/>
+          <a:lstStyle/>
+          <a:p>
+            <a:pPr algn="ctr"/>
+            <a:endParaRPr lang="en-US"/>
+          </a:p>
+        </p:txBody>
+      </p:sp>
+      <p:sp>
+        <p:nvSpPr>
+          <p:cNvPr id="16" name="TextBox 15">
+            <a:extLst>
+              <a:ext uri="{FF2B5EF4-FFF2-40B4-BE49-F238E27FC236}">
+                <a16:creationId xmlns:a16="http://schemas.microsoft.com/office/drawing/2014/main" id="{05E6E1C0-E2BC-AE89-D682-C639B90BE456}"/>
+              </a:ext>
+            </a:extLst>
+          </p:cNvPr>
+          <p:cNvSpPr txBox="1"/>
+          <p:nvPr/>
+        </p:nvSpPr>
+        <p:spPr>
+          <a:xfrm>
+            <a:off x="4143753" y="3624469"/>
+            <a:ext cx="1101584" cy="369332"/>
+          </a:xfrm>
+          <a:prstGeom prst="rect">
+            <a:avLst/>
+          </a:prstGeom>
+          <a:noFill/>
+        </p:spPr>
+        <p:txBody>
+          <a:bodyPr wrap="none" rtlCol="0">
+            <a:spAutoFit/>
+          </a:bodyPr>
+          <a:lstStyle/>
+          <a:p>
+            <a:r>
+              <a:rPr lang="en-US" dirty="0"/>
+              <a:t>10K Ohm</a:t>
+            </a:r>
+          </a:p>
+        </p:txBody>
+      </p:sp>
+      <p:pic>
+        <p:nvPicPr>
+          <p:cNvPr id="17" name="Picture 16">
+            <a:extLst>
+              <a:ext uri="{FF2B5EF4-FFF2-40B4-BE49-F238E27FC236}">
+                <a16:creationId xmlns:a16="http://schemas.microsoft.com/office/drawing/2014/main" id="{D38FF392-7D31-D4F1-7291-9D851AC26B55}"/>
+              </a:ext>
+            </a:extLst>
+          </p:cNvPr>
+          <p:cNvPicPr>
+            <a:picLocks noChangeAspect="1"/>
+          </p:cNvPicPr>
+          <p:nvPr/>
+        </p:nvPicPr>
+        <p:blipFill>
+          <a:blip r:embed="rId2"/>
+          <a:stretch>
+            <a:fillRect/>
+          </a:stretch>
+        </p:blipFill>
+        <p:spPr>
+          <a:xfrm>
+            <a:off x="7635306" y="1453712"/>
+            <a:ext cx="2628900" cy="3467100"/>
+          </a:xfrm>
+          <a:prstGeom prst="rect">
+            <a:avLst/>
+          </a:prstGeom>
+        </p:spPr>
+      </p:pic>
+    </p:spTree>
+    <p:extLst>
+      <p:ext uri="{BB962C8B-B14F-4D97-AF65-F5344CB8AC3E}">
+        <p14:creationId xmlns:p14="http://schemas.microsoft.com/office/powerpoint/2010/main" val="119153225"/>
+      </p:ext>
+    </p:extLst>
+  </p:cSld>
+  <p:clrMapOvr>
+    <a:masterClrMapping/>
+  </p:clrMapOvr>
+</p:sld>
+</file>
+
 <file path=ppt/theme/theme1.xml><?xml version="1.0" encoding="utf-8"?>
 <a:theme xmlns:a="http://schemas.openxmlformats.org/drawingml/2006/main" name="Office Theme">
   <a:themeElements>

--- a/slides/Circuit-Diagrams.pptx
+++ b/slides/Circuit-Diagrams.pptx
@@ -5,10 +5,12 @@
     <p:sldMasterId id="2147483648" r:id="rId1"/>
   </p:sldMasterIdLst>
   <p:sldIdLst>
-    <p:sldId id="256" r:id="rId2"/>
-    <p:sldId id="257" r:id="rId3"/>
-    <p:sldId id="258" r:id="rId4"/>
-    <p:sldId id="259" r:id="rId5"/>
+    <p:sldId id="260" r:id="rId2"/>
+    <p:sldId id="256" r:id="rId3"/>
+    <p:sldId id="257" r:id="rId4"/>
+    <p:sldId id="258" r:id="rId5"/>
+    <p:sldId id="259" r:id="rId6"/>
+    <p:sldId id="261" r:id="rId7"/>
   </p:sldIdLst>
   <p:sldSz cx="12192000" cy="6858000"/>
   <p:notesSz cx="6858000" cy="9144000"/>
@@ -262,7 +264,7 @@
           <a:p>
             <a:fld id="{1BE92E5C-6CC1-3C4C-9008-EB0C631F4F05}" type="datetimeFigureOut">
               <a:rPr lang="en-US" smtClean="0"/>
-              <a:t>3/5/25</a:t>
+              <a:t>10/26/25</a:t>
             </a:fld>
             <a:endParaRPr lang="en-US"/>
           </a:p>
@@ -460,7 +462,7 @@
           <a:p>
             <a:fld id="{1BE92E5C-6CC1-3C4C-9008-EB0C631F4F05}" type="datetimeFigureOut">
               <a:rPr lang="en-US" smtClean="0"/>
-              <a:t>3/5/25</a:t>
+              <a:t>10/26/25</a:t>
             </a:fld>
             <a:endParaRPr lang="en-US"/>
           </a:p>
@@ -668,7 +670,7 @@
           <a:p>
             <a:fld id="{1BE92E5C-6CC1-3C4C-9008-EB0C631F4F05}" type="datetimeFigureOut">
               <a:rPr lang="en-US" smtClean="0"/>
-              <a:t>3/5/25</a:t>
+              <a:t>10/26/25</a:t>
             </a:fld>
             <a:endParaRPr lang="en-US"/>
           </a:p>
@@ -866,7 +868,7 @@
           <a:p>
             <a:fld id="{1BE92E5C-6CC1-3C4C-9008-EB0C631F4F05}" type="datetimeFigureOut">
               <a:rPr lang="en-US" smtClean="0"/>
-              <a:t>3/5/25</a:t>
+              <a:t>10/26/25</a:t>
             </a:fld>
             <a:endParaRPr lang="en-US"/>
           </a:p>
@@ -1141,7 +1143,7 @@
           <a:p>
             <a:fld id="{1BE92E5C-6CC1-3C4C-9008-EB0C631F4F05}" type="datetimeFigureOut">
               <a:rPr lang="en-US" smtClean="0"/>
-              <a:t>3/5/25</a:t>
+              <a:t>10/26/25</a:t>
             </a:fld>
             <a:endParaRPr lang="en-US"/>
           </a:p>
@@ -1406,7 +1408,7 @@
           <a:p>
             <a:fld id="{1BE92E5C-6CC1-3C4C-9008-EB0C631F4F05}" type="datetimeFigureOut">
               <a:rPr lang="en-US" smtClean="0"/>
-              <a:t>3/5/25</a:t>
+              <a:t>10/26/25</a:t>
             </a:fld>
             <a:endParaRPr lang="en-US"/>
           </a:p>
@@ -1818,7 +1820,7 @@
           <a:p>
             <a:fld id="{1BE92E5C-6CC1-3C4C-9008-EB0C631F4F05}" type="datetimeFigureOut">
               <a:rPr lang="en-US" smtClean="0"/>
-              <a:t>3/5/25</a:t>
+              <a:t>10/26/25</a:t>
             </a:fld>
             <a:endParaRPr lang="en-US"/>
           </a:p>
@@ -1959,7 +1961,7 @@
           <a:p>
             <a:fld id="{1BE92E5C-6CC1-3C4C-9008-EB0C631F4F05}" type="datetimeFigureOut">
               <a:rPr lang="en-US" smtClean="0"/>
-              <a:t>3/5/25</a:t>
+              <a:t>10/26/25</a:t>
             </a:fld>
             <a:endParaRPr lang="en-US"/>
           </a:p>
@@ -2072,7 +2074,7 @@
           <a:p>
             <a:fld id="{1BE92E5C-6CC1-3C4C-9008-EB0C631F4F05}" type="datetimeFigureOut">
               <a:rPr lang="en-US" smtClean="0"/>
-              <a:t>3/5/25</a:t>
+              <a:t>10/26/25</a:t>
             </a:fld>
             <a:endParaRPr lang="en-US"/>
           </a:p>
@@ -2383,7 +2385,7 @@
           <a:p>
             <a:fld id="{1BE92E5C-6CC1-3C4C-9008-EB0C631F4F05}" type="datetimeFigureOut">
               <a:rPr lang="en-US" smtClean="0"/>
-              <a:t>3/5/25</a:t>
+              <a:t>10/26/25</a:t>
             </a:fld>
             <a:endParaRPr lang="en-US"/>
           </a:p>
@@ -2671,7 +2673,7 @@
           <a:p>
             <a:fld id="{1BE92E5C-6CC1-3C4C-9008-EB0C631F4F05}" type="datetimeFigureOut">
               <a:rPr lang="en-US" smtClean="0"/>
-              <a:t>3/5/25</a:t>
+              <a:t>10/26/25</a:t>
             </a:fld>
             <a:endParaRPr lang="en-US"/>
           </a:p>
@@ -2912,7 +2914,7 @@
           <a:p>
             <a:fld id="{1BE92E5C-6CC1-3C4C-9008-EB0C631F4F05}" type="datetimeFigureOut">
               <a:rPr lang="en-US" smtClean="0"/>
-              <a:t>3/5/25</a:t>
+              <a:t>10/26/25</a:t>
             </a:fld>
             <a:endParaRPr lang="en-US"/>
           </a:p>
@@ -3329,6 +3331,89 @@
           <a:chExt cx="0" cy="0"/>
         </a:xfrm>
       </p:grpSpPr>
+      <p:sp>
+        <p:nvSpPr>
+          <p:cNvPr id="4" name="Title 3">
+            <a:extLst>
+              <a:ext uri="{FF2B5EF4-FFF2-40B4-BE49-F238E27FC236}">
+                <a16:creationId xmlns:a16="http://schemas.microsoft.com/office/drawing/2014/main" id="{698F10A1-EDF2-4303-5D43-A49B1CFD4D0A}"/>
+              </a:ext>
+            </a:extLst>
+          </p:cNvPr>
+          <p:cNvSpPr>
+            <a:spLocks noGrp="1"/>
+          </p:cNvSpPr>
+          <p:nvPr>
+            <p:ph type="ctrTitle"/>
+          </p:nvPr>
+        </p:nvSpPr>
+        <p:spPr/>
+        <p:txBody>
+          <a:bodyPr/>
+          <a:lstStyle/>
+          <a:p>
+            <a:r>
+              <a:rPr lang="en-US" dirty="0"/>
+              <a:t>LED Noodle Circuit Diagrams</a:t>
+            </a:r>
+          </a:p>
+        </p:txBody>
+      </p:sp>
+      <p:sp>
+        <p:nvSpPr>
+          <p:cNvPr id="5" name="Subtitle 4">
+            <a:extLst>
+              <a:ext uri="{FF2B5EF4-FFF2-40B4-BE49-F238E27FC236}">
+                <a16:creationId xmlns:a16="http://schemas.microsoft.com/office/drawing/2014/main" id="{BEC84C93-D6F4-12F7-E525-9FD901C62760}"/>
+              </a:ext>
+            </a:extLst>
+          </p:cNvPr>
+          <p:cNvSpPr>
+            <a:spLocks noGrp="1"/>
+          </p:cNvSpPr>
+          <p:nvPr>
+            <p:ph type="subTitle" idx="1"/>
+          </p:nvPr>
+        </p:nvSpPr>
+        <p:spPr/>
+        <p:txBody>
+          <a:bodyPr/>
+          <a:lstStyle/>
+          <a:p>
+            <a:endParaRPr lang="en-US"/>
+          </a:p>
+        </p:txBody>
+      </p:sp>
+    </p:spTree>
+    <p:extLst>
+      <p:ext uri="{BB962C8B-B14F-4D97-AF65-F5344CB8AC3E}">
+        <p14:creationId xmlns:p14="http://schemas.microsoft.com/office/powerpoint/2010/main" val="3534546791"/>
+      </p:ext>
+    </p:extLst>
+  </p:cSld>
+  <p:clrMapOvr>
+    <a:masterClrMapping/>
+  </p:clrMapOvr>
+</p:sld>
+</file>
+
+<file path=ppt/slides/slide2.xml><?xml version="1.0" encoding="utf-8"?>
+<p:sld xmlns:a="http://schemas.openxmlformats.org/drawingml/2006/main" xmlns:r="http://schemas.openxmlformats.org/officeDocument/2006/relationships" xmlns:p="http://schemas.openxmlformats.org/presentationml/2006/main">
+  <p:cSld>
+    <p:spTree>
+      <p:nvGrpSpPr>
+        <p:cNvPr id="1" name=""/>
+        <p:cNvGrpSpPr/>
+        <p:nvPr/>
+      </p:nvGrpSpPr>
+      <p:grpSpPr>
+        <a:xfrm>
+          <a:off x="0" y="0"/>
+          <a:ext cx="0" cy="0"/>
+          <a:chOff x="0" y="0"/>
+          <a:chExt cx="0" cy="0"/>
+        </a:xfrm>
+      </p:grpSpPr>
       <p:pic>
         <p:nvPicPr>
           <p:cNvPr id="11" name="Picture 10">
@@ -3351,7 +3436,7 @@
         </p:blipFill>
         <p:spPr>
           <a:xfrm>
-            <a:off x="6244434" y="1979010"/>
+            <a:off x="6046726" y="2287929"/>
             <a:ext cx="1435100" cy="1562100"/>
           </a:xfrm>
           <a:prstGeom prst="rect">
@@ -3359,6 +3444,53 @@
           </a:prstGeom>
         </p:spPr>
       </p:pic>
+      <p:pic>
+        <p:nvPicPr>
+          <p:cNvPr id="20" name="Picture 4" descr="Resistor Symbol Royalty-Free Images ...">
+            <a:extLst>
+              <a:ext uri="{FF2B5EF4-FFF2-40B4-BE49-F238E27FC236}">
+                <a16:creationId xmlns:a16="http://schemas.microsoft.com/office/drawing/2014/main" id="{7A9F6B84-DC0C-C051-10EF-5427F8CD4781}"/>
+              </a:ext>
+            </a:extLst>
+          </p:cNvPr>
+          <p:cNvPicPr>
+            <a:picLocks noChangeAspect="1" noChangeArrowheads="1"/>
+          </p:cNvPicPr>
+          <p:nvPr/>
+        </p:nvPicPr>
+        <p:blipFill>
+          <a:blip r:embed="rId3">
+            <a:extLst>
+              <a:ext uri="{28A0092B-C50C-407E-A947-70E740481C1C}">
+                <a14:useLocalDpi xmlns:a14="http://schemas.microsoft.com/office/drawing/2010/main" val="0"/>
+              </a:ext>
+            </a:extLst>
+          </a:blip>
+          <a:srcRect/>
+          <a:stretch>
+            <a:fillRect/>
+          </a:stretch>
+        </p:blipFill>
+        <p:spPr bwMode="auto">
+          <a:xfrm rot="5400000">
+            <a:off x="6520449" y="1910782"/>
+            <a:ext cx="681347" cy="281129"/>
+          </a:xfrm>
+          <a:prstGeom prst="rect">
+            <a:avLst/>
+          </a:prstGeom>
+          <a:noFill/>
+          <a:extLst>
+            <a:ext uri="{909E8E84-426E-40DD-AFC4-6F175D3DCCD1}">
+              <a14:hiddenFill xmlns:a14="http://schemas.microsoft.com/office/drawing/2010/main">
+                <a:solidFill>
+                  <a:srgbClr val="FFFFFF"/>
+                </a:solidFill>
+              </a14:hiddenFill>
+            </a:ext>
+          </a:extLst>
+        </p:spPr>
+      </p:pic>
       <p:cxnSp>
         <p:nvCxnSpPr>
           <p:cNvPr id="5" name="Straight Connector 4">
@@ -3375,8 +3507,8 @@
         </p:nvCxnSpPr>
         <p:spPr>
           <a:xfrm>
-            <a:off x="5287243" y="705293"/>
-            <a:ext cx="2315036" cy="0"/>
+            <a:off x="3289465" y="1001855"/>
+            <a:ext cx="4127463" cy="0"/>
           </a:xfrm>
           <a:prstGeom prst="line">
             <a:avLst/>
@@ -3418,8 +3550,8 @@
         </p:nvCxnSpPr>
         <p:spPr>
           <a:xfrm>
-            <a:off x="5400116" y="4489623"/>
-            <a:ext cx="2279418" cy="0"/>
+            <a:off x="3123210" y="4786185"/>
+            <a:ext cx="4370973" cy="0"/>
           </a:xfrm>
           <a:prstGeom prst="line">
             <a:avLst/>
@@ -3459,7 +3591,7 @@
         </p:nvSpPr>
         <p:spPr>
           <a:xfrm>
-            <a:off x="5227645" y="705293"/>
+            <a:off x="5042294" y="1001855"/>
             <a:ext cx="450764" cy="369332"/>
           </a:xfrm>
           <a:prstGeom prst="rect">
@@ -3494,8 +3626,8 @@
         </p:nvSpPr>
         <p:spPr>
           <a:xfrm>
-            <a:off x="5453027" y="4120290"/>
-            <a:ext cx="679994" cy="369332"/>
+            <a:off x="4768913" y="4405745"/>
+            <a:ext cx="848116" cy="369332"/>
           </a:xfrm>
           <a:prstGeom prst="rect">
             <a:avLst/>
@@ -3503,7 +3635,7 @@
           <a:noFill/>
         </p:spPr>
         <p:txBody>
-          <a:bodyPr wrap="none" rtlCol="0">
+          <a:bodyPr wrap="square" rtlCol="0">
             <a:spAutoFit/>
           </a:bodyPr>
           <a:lstStyle/>
@@ -3529,7 +3661,7 @@
         </p:nvSpPr>
         <p:spPr>
           <a:xfrm>
-            <a:off x="2101017" y="2598974"/>
+            <a:off x="1038336" y="5441029"/>
             <a:ext cx="2484591" cy="369332"/>
           </a:xfrm>
           <a:prstGeom prst="rect">
@@ -3579,7 +3711,7 @@
         </p:blipFill>
         <p:spPr bwMode="auto">
           <a:xfrm>
-            <a:off x="5411372" y="2598973"/>
+            <a:off x="5226021" y="2895535"/>
             <a:ext cx="943555" cy="355745"/>
           </a:xfrm>
           <a:prstGeom prst="rect">
@@ -3611,7 +3743,7 @@
         </p:nvSpPr>
         <p:spPr>
           <a:xfrm>
-            <a:off x="5180491" y="2162180"/>
+            <a:off x="4995140" y="2458742"/>
             <a:ext cx="1130439" cy="369332"/>
           </a:xfrm>
           <a:prstGeom prst="rect">
@@ -3644,13 +3776,12 @@
           </p:cNvPr>
           <p:cNvCxnSpPr>
             <a:cxnSpLocks/>
-            <a:endCxn id="1028" idx="1"/>
           </p:cNvCxnSpPr>
           <p:nvPr/>
         </p:nvCxnSpPr>
         <p:spPr>
           <a:xfrm>
-            <a:off x="4646428" y="2760060"/>
+            <a:off x="4461077" y="3019552"/>
             <a:ext cx="764944" cy="16786"/>
           </a:xfrm>
           <a:prstGeom prst="line">
@@ -3689,7 +3820,7 @@
         </p:nvCxnSpPr>
         <p:spPr>
           <a:xfrm>
-            <a:off x="7046474" y="3370521"/>
+            <a:off x="6873480" y="3679439"/>
             <a:ext cx="0" cy="1119101"/>
           </a:xfrm>
           <a:prstGeom prst="line">
@@ -3712,12 +3843,120 @@
           </a:fontRef>
         </p:style>
       </p:cxnSp>
+      <p:sp>
+        <p:nvSpPr>
+          <p:cNvPr id="21" name="TextBox 20">
+            <a:extLst>
+              <a:ext uri="{FF2B5EF4-FFF2-40B4-BE49-F238E27FC236}">
+                <a16:creationId xmlns:a16="http://schemas.microsoft.com/office/drawing/2014/main" id="{C8C49636-CD64-5EEE-0373-589FDDF42E22}"/>
+              </a:ext>
+            </a:extLst>
+          </p:cNvPr>
+          <p:cNvSpPr txBox="1"/>
+          <p:nvPr/>
+        </p:nvSpPr>
+        <p:spPr>
+          <a:xfrm>
+            <a:off x="7116025" y="1885428"/>
+            <a:ext cx="1109599" cy="369332"/>
+          </a:xfrm>
+          <a:prstGeom prst="rect">
+            <a:avLst/>
+          </a:prstGeom>
+          <a:noFill/>
+        </p:spPr>
+        <p:txBody>
+          <a:bodyPr wrap="none" rtlCol="0">
+            <a:spAutoFit/>
+          </a:bodyPr>
+          <a:lstStyle/>
+          <a:p>
+            <a:pPr algn="ctr"/>
+            <a:r>
+              <a:rPr lang="en-US" b="1" dirty="0"/>
+              <a:t>220 Ohm</a:t>
+            </a:r>
+          </a:p>
+        </p:txBody>
+      </p:sp>
       <p:pic>
         <p:nvPicPr>
-          <p:cNvPr id="20" name="Picture 4" descr="Resistor Symbol Royalty-Free Images ...">
-            <a:extLst>
-              <a:ext uri="{FF2B5EF4-FFF2-40B4-BE49-F238E27FC236}">
-                <a16:creationId xmlns:a16="http://schemas.microsoft.com/office/drawing/2014/main" id="{7A9F6B84-DC0C-C051-10EF-5427F8CD4781}"/>
+          <p:cNvPr id="24" name="Picture 23">
+            <a:extLst>
+              <a:ext uri="{FF2B5EF4-FFF2-40B4-BE49-F238E27FC236}">
+                <a16:creationId xmlns:a16="http://schemas.microsoft.com/office/drawing/2014/main" id="{89ED26EB-ADC5-D891-253E-03F94E119894}"/>
+              </a:ext>
+            </a:extLst>
+          </p:cNvPr>
+          <p:cNvPicPr>
+            <a:picLocks noChangeAspect="1"/>
+          </p:cNvPicPr>
+          <p:nvPr/>
+        </p:nvPicPr>
+        <p:blipFill>
+          <a:blip r:embed="rId4"/>
+          <a:stretch>
+            <a:fillRect/>
+          </a:stretch>
+        </p:blipFill>
+        <p:spPr>
+          <a:xfrm rot="16200000" flipV="1">
+            <a:off x="6633282" y="1004754"/>
+            <a:ext cx="681346" cy="751279"/>
+          </a:xfrm>
+          <a:prstGeom prst="rect">
+            <a:avLst/>
+          </a:prstGeom>
+        </p:spPr>
+      </p:pic>
+      <p:sp>
+        <p:nvSpPr>
+          <p:cNvPr id="30" name="TextBox 29">
+            <a:extLst>
+              <a:ext uri="{FF2B5EF4-FFF2-40B4-BE49-F238E27FC236}">
+                <a16:creationId xmlns:a16="http://schemas.microsoft.com/office/drawing/2014/main" id="{D791A8B5-1439-F317-37F1-D81FC00E9B92}"/>
+              </a:ext>
+            </a:extLst>
+          </p:cNvPr>
+          <p:cNvSpPr txBox="1"/>
+          <p:nvPr/>
+        </p:nvSpPr>
+        <p:spPr>
+          <a:xfrm>
+            <a:off x="7322522" y="2650129"/>
+            <a:ext cx="1411733" cy="800219"/>
+          </a:xfrm>
+          <a:prstGeom prst="rect">
+            <a:avLst/>
+          </a:prstGeom>
+          <a:noFill/>
+        </p:spPr>
+        <p:txBody>
+          <a:bodyPr wrap="none" rtlCol="0">
+            <a:spAutoFit/>
+          </a:bodyPr>
+          <a:lstStyle/>
+          <a:p>
+            <a:pPr algn="ctr"/>
+            <a:r>
+              <a:rPr lang="en-US" sz="2800" b="1" dirty="0"/>
+              <a:t>2N2222</a:t>
+            </a:r>
+          </a:p>
+          <a:p>
+            <a:r>
+              <a:rPr lang="en-US" dirty="0"/>
+              <a:t>max 800 mA</a:t>
+            </a:r>
+          </a:p>
+        </p:txBody>
+      </p:sp>
+      <p:pic>
+        <p:nvPicPr>
+          <p:cNvPr id="1026" name="Picture 2">
+            <a:extLst>
+              <a:ext uri="{FF2B5EF4-FFF2-40B4-BE49-F238E27FC236}">
+                <a16:creationId xmlns:a16="http://schemas.microsoft.com/office/drawing/2014/main" id="{DF32448A-AF0E-8E27-AAA3-C8AB7BDFF2FD}"/>
               </a:ext>
             </a:extLst>
           </p:cNvPr>
@@ -3727,7 +3966,7 @@
           <p:nvPr/>
         </p:nvPicPr>
         <p:blipFill>
-          <a:blip r:embed="rId3">
+          <a:blip r:embed="rId5">
             <a:extLst>
               <a:ext uri="{28A0092B-C50C-407E-A947-70E740481C1C}">
                 <a14:useLocalDpi xmlns:a14="http://schemas.microsoft.com/office/drawing/2010/main" val="0"/>
@@ -3740,9 +3979,9 @@
           </a:stretch>
         </p:blipFill>
         <p:spPr bwMode="auto">
-          <a:xfrm rot="5400000">
-            <a:off x="6705800" y="909885"/>
-            <a:ext cx="681347" cy="281129"/>
+          <a:xfrm rot="5400000" flipV="1">
+            <a:off x="3231301" y="2542458"/>
+            <a:ext cx="1434566" cy="961975"/>
           </a:xfrm>
           <a:prstGeom prst="rect">
             <a:avLst/>
@@ -3761,10 +4000,10 @@
       </p:pic>
       <p:sp>
         <p:nvSpPr>
-          <p:cNvPr id="21" name="TextBox 20">
-            <a:extLst>
-              <a:ext uri="{FF2B5EF4-FFF2-40B4-BE49-F238E27FC236}">
-                <a16:creationId xmlns:a16="http://schemas.microsoft.com/office/drawing/2014/main" id="{C8C49636-CD64-5EEE-0373-589FDDF42E22}"/>
+          <p:cNvPr id="2" name="TextBox 1">
+            <a:extLst>
+              <a:ext uri="{FF2B5EF4-FFF2-40B4-BE49-F238E27FC236}">
+                <a16:creationId xmlns:a16="http://schemas.microsoft.com/office/drawing/2014/main" id="{FCB923FB-0177-AB84-3EEA-1F0DC04AB099}"/>
               </a:ext>
             </a:extLst>
           </p:cNvPr>
@@ -3773,8 +4012,8 @@
         </p:nvSpPr>
         <p:spPr>
           <a:xfrm>
-            <a:off x="5745709" y="923848"/>
-            <a:ext cx="1109599" cy="369332"/>
+            <a:off x="2038415" y="2646768"/>
+            <a:ext cx="1696042" cy="646331"/>
           </a:xfrm>
           <a:prstGeom prst="rect">
             <a:avLst/>
@@ -3790,47 +4029,103 @@
             <a:pPr algn="ctr"/>
             <a:r>
               <a:rPr lang="en-US" b="1" dirty="0"/>
-              <a:t>220 Ohm</a:t>
-            </a:r>
-          </a:p>
-        </p:txBody>
-      </p:sp>
-      <p:pic>
-        <p:nvPicPr>
-          <p:cNvPr id="24" name="Picture 23">
-            <a:extLst>
-              <a:ext uri="{FF2B5EF4-FFF2-40B4-BE49-F238E27FC236}">
-                <a16:creationId xmlns:a16="http://schemas.microsoft.com/office/drawing/2014/main" id="{89ED26EB-ADC5-D891-253E-03F94E119894}"/>
-              </a:ext>
-            </a:extLst>
-          </p:cNvPr>
-          <p:cNvPicPr>
-            <a:picLocks noChangeAspect="1"/>
-          </p:cNvPicPr>
+              <a:t>10K</a:t>
+            </a:r>
+            <a:br>
+              <a:rPr lang="en-US" b="1" dirty="0"/>
+            </a:br>
+            <a:r>
+              <a:rPr lang="en-US" b="1" dirty="0"/>
+              <a:t>Potentiometer</a:t>
+            </a:r>
+          </a:p>
+        </p:txBody>
+      </p:sp>
+      <p:cxnSp>
+        <p:nvCxnSpPr>
+          <p:cNvPr id="9" name="Straight Connector 8">
+            <a:extLst>
+              <a:ext uri="{FF2B5EF4-FFF2-40B4-BE49-F238E27FC236}">
+                <a16:creationId xmlns:a16="http://schemas.microsoft.com/office/drawing/2014/main" id="{64375EA4-5182-3A57-172E-FF8FE5FDAEDA}"/>
+              </a:ext>
+            </a:extLst>
+          </p:cNvPr>
+          <p:cNvCxnSpPr>
+            <a:cxnSpLocks/>
+          </p:cNvCxnSpPr>
           <p:nvPr/>
-        </p:nvPicPr>
-        <p:blipFill>
-          <a:blip r:embed="rId4"/>
-          <a:stretch>
-            <a:fillRect/>
-          </a:stretch>
-        </p:blipFill>
+        </p:nvCxnSpPr>
         <p:spPr>
-          <a:xfrm rot="16200000" flipV="1">
-            <a:off x="6806276" y="1326030"/>
-            <a:ext cx="681346" cy="751279"/>
+          <a:xfrm>
+            <a:off x="3950170" y="3689335"/>
+            <a:ext cx="0" cy="1119101"/>
           </a:xfrm>
-          <a:prstGeom prst="rect">
+          <a:prstGeom prst="line">
             <a:avLst/>
           </a:prstGeom>
+          <a:ln w="38100"/>
         </p:spPr>
-      </p:pic>
-      <p:sp>
-        <p:nvSpPr>
-          <p:cNvPr id="30" name="TextBox 29">
-            <a:extLst>
-              <a:ext uri="{FF2B5EF4-FFF2-40B4-BE49-F238E27FC236}">
-                <a16:creationId xmlns:a16="http://schemas.microsoft.com/office/drawing/2014/main" id="{D791A8B5-1439-F317-37F1-D81FC00E9B92}"/>
+        <p:style>
+          <a:lnRef idx="2">
+            <a:schemeClr val="accent1"/>
+          </a:lnRef>
+          <a:fillRef idx="0">
+            <a:schemeClr val="accent1"/>
+          </a:fillRef>
+          <a:effectRef idx="1">
+            <a:schemeClr val="accent1"/>
+          </a:effectRef>
+          <a:fontRef idx="minor">
+            <a:schemeClr val="tx1"/>
+          </a:fontRef>
+        </p:style>
+      </p:cxnSp>
+      <p:cxnSp>
+        <p:nvCxnSpPr>
+          <p:cNvPr id="13" name="Straight Connector 12">
+            <a:extLst>
+              <a:ext uri="{FF2B5EF4-FFF2-40B4-BE49-F238E27FC236}">
+                <a16:creationId xmlns:a16="http://schemas.microsoft.com/office/drawing/2014/main" id="{50FCE582-87EB-4C39-5F55-A2A564F22D5E}"/>
+              </a:ext>
+            </a:extLst>
+          </p:cNvPr>
+          <p:cNvCxnSpPr>
+            <a:cxnSpLocks/>
+            <a:endCxn id="1026" idx="1"/>
+          </p:cNvCxnSpPr>
+          <p:nvPr/>
+        </p:nvCxnSpPr>
+        <p:spPr>
+          <a:xfrm flipH="1">
+            <a:off x="3948585" y="1027283"/>
+            <a:ext cx="11481" cy="1278880"/>
+          </a:xfrm>
+          <a:prstGeom prst="line">
+            <a:avLst/>
+          </a:prstGeom>
+          <a:ln w="38100"/>
+        </p:spPr>
+        <p:style>
+          <a:lnRef idx="2">
+            <a:schemeClr val="accent1"/>
+          </a:lnRef>
+          <a:fillRef idx="0">
+            <a:schemeClr val="accent1"/>
+          </a:fillRef>
+          <a:effectRef idx="1">
+            <a:schemeClr val="accent1"/>
+          </a:effectRef>
+          <a:fontRef idx="minor">
+            <a:schemeClr val="tx1"/>
+          </a:fontRef>
+        </p:style>
+      </p:cxnSp>
+      <p:sp>
+        <p:nvSpPr>
+          <p:cNvPr id="17" name="TextBox 16">
+            <a:extLst>
+              <a:ext uri="{FF2B5EF4-FFF2-40B4-BE49-F238E27FC236}">
+                <a16:creationId xmlns:a16="http://schemas.microsoft.com/office/drawing/2014/main" id="{E7EE1113-A2A8-8AA7-1049-68AEFB1CC28C}"/>
               </a:ext>
             </a:extLst>
           </p:cNvPr>
@@ -3839,8 +4134,8 @@
         </p:nvSpPr>
         <p:spPr>
           <a:xfrm>
-            <a:off x="7507873" y="2353567"/>
-            <a:ext cx="1411733" cy="800219"/>
+            <a:off x="7413291" y="1230306"/>
+            <a:ext cx="1603645" cy="369332"/>
           </a:xfrm>
           <a:prstGeom prst="rect">
             <a:avLst/>
@@ -3855,14 +4150,8 @@
           <a:p>
             <a:pPr algn="ctr"/>
             <a:r>
-              <a:rPr lang="en-US" sz="2800" b="1" dirty="0"/>
-              <a:t>2N2222</a:t>
-            </a:r>
-          </a:p>
-          <a:p>
-            <a:r>
-              <a:rPr lang="en-US" dirty="0"/>
-              <a:t>max 800 mA</a:t>
+              <a:rPr lang="en-US" b="1" dirty="0"/>
+              <a:t>Standard LED</a:t>
             </a:r>
           </a:p>
         </p:txBody>
@@ -3880,7 +4169,7 @@
 </p:sld>
 </file>
 
-<file path=ppt/slides/slide2.xml><?xml version="1.0" encoding="utf-8"?>
+<file path=ppt/slides/slide3.xml><?xml version="1.0" encoding="utf-8"?>
 <p:sld xmlns:a="http://schemas.openxmlformats.org/drawingml/2006/main" xmlns:r="http://schemas.openxmlformats.org/officeDocument/2006/relationships" xmlns:p="http://schemas.openxmlformats.org/presentationml/2006/main">
   <p:cSld>
     <p:spTree>
@@ -4753,7 +5042,7 @@
 </p:sld>
 </file>
 
-<file path=ppt/slides/slide3.xml><?xml version="1.0" encoding="utf-8"?>
+<file path=ppt/slides/slide4.xml><?xml version="1.0" encoding="utf-8"?>
 <p:sld xmlns:a="http://schemas.openxmlformats.org/drawingml/2006/main" xmlns:r="http://schemas.openxmlformats.org/officeDocument/2006/relationships" xmlns:p="http://schemas.openxmlformats.org/presentationml/2006/main">
   <p:cSld>
     <p:spTree>
@@ -5632,7 +5921,7 @@
 </p:sld>
 </file>
 
-<file path=ppt/slides/slide4.xml><?xml version="1.0" encoding="utf-8"?>
+<file path=ppt/slides/slide5.xml><?xml version="1.0" encoding="utf-8"?>
 <p:sld xmlns:a="http://schemas.openxmlformats.org/drawingml/2006/main" xmlns:r="http://schemas.openxmlformats.org/officeDocument/2006/relationships" xmlns:p="http://schemas.openxmlformats.org/presentationml/2006/main">
   <p:cSld>
     <p:spTree>
@@ -6000,7 +6289,7 @@
         </p:nvSpPr>
         <p:spPr>
           <a:xfrm>
-            <a:off x="6675607" y="4472249"/>
+            <a:off x="6533103" y="4115989"/>
             <a:ext cx="304797" cy="369332"/>
           </a:xfrm>
           <a:prstGeom prst="rect">
@@ -6966,6 +7255,253 @@
 </p:sld>
 </file>
 
+<file path=ppt/slides/slide6.xml><?xml version="1.0" encoding="utf-8"?>
+<p:sld xmlns:a="http://schemas.openxmlformats.org/drawingml/2006/main" xmlns:r="http://schemas.openxmlformats.org/officeDocument/2006/relationships" xmlns:p="http://schemas.openxmlformats.org/presentationml/2006/main">
+  <p:cSld>
+    <p:spTree>
+      <p:nvGrpSpPr>
+        <p:cNvPr id="1" name=""/>
+        <p:cNvGrpSpPr/>
+        <p:nvPr/>
+      </p:nvGrpSpPr>
+      <p:grpSpPr>
+        <a:xfrm>
+          <a:off x="0" y="0"/>
+          <a:ext cx="0" cy="0"/>
+          <a:chOff x="0" y="0"/>
+          <a:chExt cx="0" cy="0"/>
+        </a:xfrm>
+      </p:grpSpPr>
+      <p:sp>
+        <p:nvSpPr>
+          <p:cNvPr id="2" name="Title 1">
+            <a:extLst>
+              <a:ext uri="{FF2B5EF4-FFF2-40B4-BE49-F238E27FC236}">
+                <a16:creationId xmlns:a16="http://schemas.microsoft.com/office/drawing/2014/main" id="{BDB0F318-C846-DE55-C8A0-561E9139AC4D}"/>
+              </a:ext>
+            </a:extLst>
+          </p:cNvPr>
+          <p:cNvSpPr>
+            <a:spLocks noGrp="1"/>
+          </p:cNvSpPr>
+          <p:nvPr>
+            <p:ph type="title"/>
+          </p:nvPr>
+        </p:nvSpPr>
+        <p:spPr/>
+        <p:txBody>
+          <a:bodyPr/>
+          <a:lstStyle/>
+          <a:p>
+            <a:r>
+              <a:rPr lang="en-US" dirty="0"/>
+              <a:t>Photoresistor Symbol</a:t>
+            </a:r>
+          </a:p>
+        </p:txBody>
+      </p:sp>
+      <p:grpSp>
+        <p:nvGrpSpPr>
+          <p:cNvPr id="10" name="Group 9">
+            <a:extLst>
+              <a:ext uri="{FF2B5EF4-FFF2-40B4-BE49-F238E27FC236}">
+                <a16:creationId xmlns:a16="http://schemas.microsoft.com/office/drawing/2014/main" id="{BBCDB20C-DAD4-AC55-505C-2281821ECD65}"/>
+              </a:ext>
+            </a:extLst>
+          </p:cNvPr>
+          <p:cNvGrpSpPr/>
+          <p:nvPr/>
+        </p:nvGrpSpPr>
+        <p:grpSpPr>
+          <a:xfrm>
+            <a:off x="1160930" y="2565894"/>
+            <a:ext cx="4169557" cy="3083676"/>
+            <a:chOff x="3642872" y="2387764"/>
+            <a:chExt cx="4169557" cy="3083676"/>
+          </a:xfrm>
+        </p:grpSpPr>
+        <p:pic>
+          <p:nvPicPr>
+            <p:cNvPr id="5" name="Picture 4" descr="A close up of a chip&#10;&#10;AI-generated content may be incorrect.">
+              <a:extLst>
+                <a:ext uri="{FF2B5EF4-FFF2-40B4-BE49-F238E27FC236}">
+                  <a16:creationId xmlns:a16="http://schemas.microsoft.com/office/drawing/2014/main" id="{C3EB3C4C-0429-26D0-E167-12D07CCF6069}"/>
+                </a:ext>
+              </a:extLst>
+            </p:cNvPr>
+            <p:cNvPicPr>
+              <a:picLocks noChangeAspect="1"/>
+            </p:cNvPicPr>
+            <p:nvPr/>
+          </p:nvPicPr>
+          <p:blipFill>
+            <a:blip r:embed="rId2"/>
+            <a:stretch>
+              <a:fillRect/>
+            </a:stretch>
+          </p:blipFill>
+          <p:spPr>
+            <a:xfrm>
+              <a:off x="4148117" y="2387764"/>
+              <a:ext cx="3253580" cy="2973099"/>
+            </a:xfrm>
+            <a:prstGeom prst="rect">
+              <a:avLst/>
+            </a:prstGeom>
+          </p:spPr>
+        </p:pic>
+        <p:sp>
+          <p:nvSpPr>
+            <p:cNvPr id="6" name="Triangle 5">
+              <a:extLst>
+                <a:ext uri="{FF2B5EF4-FFF2-40B4-BE49-F238E27FC236}">
+                  <a16:creationId xmlns:a16="http://schemas.microsoft.com/office/drawing/2014/main" id="{90EEE2E2-3681-8292-77EC-40C8F4A5D190}"/>
+                </a:ext>
+              </a:extLst>
+            </p:cNvPr>
+            <p:cNvSpPr/>
+            <p:nvPr/>
+          </p:nvSpPr>
+          <p:spPr>
+            <a:xfrm rot="579357">
+              <a:off x="6826480" y="4625701"/>
+              <a:ext cx="985949" cy="845739"/>
+            </a:xfrm>
+            <a:prstGeom prst="triangle">
+              <a:avLst>
+                <a:gd name="adj" fmla="val 48182"/>
+              </a:avLst>
+            </a:prstGeom>
+            <a:solidFill>
+              <a:schemeClr val="bg1"/>
+            </a:solidFill>
+            <a:ln>
+              <a:noFill/>
+            </a:ln>
+          </p:spPr>
+          <p:style>
+            <a:lnRef idx="2">
+              <a:schemeClr val="accent1">
+                <a:shade val="15000"/>
+              </a:schemeClr>
+            </a:lnRef>
+            <a:fillRef idx="1">
+              <a:schemeClr val="accent1"/>
+            </a:fillRef>
+            <a:effectRef idx="0">
+              <a:schemeClr val="accent1"/>
+            </a:effectRef>
+            <a:fontRef idx="minor">
+              <a:schemeClr val="lt1"/>
+            </a:fontRef>
+          </p:style>
+          <p:txBody>
+            <a:bodyPr rtlCol="0" anchor="ctr"/>
+            <a:lstStyle/>
+            <a:p>
+              <a:pPr algn="ctr"/>
+              <a:endParaRPr lang="en-US"/>
+            </a:p>
+          </p:txBody>
+        </p:sp>
+        <p:sp>
+          <p:nvSpPr>
+            <p:cNvPr id="7" name="Triangle 6">
+              <a:extLst>
+                <a:ext uri="{FF2B5EF4-FFF2-40B4-BE49-F238E27FC236}">
+                  <a16:creationId xmlns:a16="http://schemas.microsoft.com/office/drawing/2014/main" id="{74A2388A-CF2F-02EE-0127-CF0DB92A8B5B}"/>
+                </a:ext>
+              </a:extLst>
+            </p:cNvPr>
+            <p:cNvSpPr/>
+            <p:nvPr/>
+          </p:nvSpPr>
+          <p:spPr>
+            <a:xfrm rot="21338902">
+              <a:off x="3642872" y="4418501"/>
+              <a:ext cx="1216552" cy="993292"/>
+            </a:xfrm>
+            <a:prstGeom prst="triangle">
+              <a:avLst>
+                <a:gd name="adj" fmla="val 48182"/>
+              </a:avLst>
+            </a:prstGeom>
+            <a:solidFill>
+              <a:schemeClr val="bg1"/>
+            </a:solidFill>
+            <a:ln>
+              <a:noFill/>
+            </a:ln>
+          </p:spPr>
+          <p:style>
+            <a:lnRef idx="2">
+              <a:schemeClr val="accent1">
+                <a:shade val="15000"/>
+              </a:schemeClr>
+            </a:lnRef>
+            <a:fillRef idx="1">
+              <a:schemeClr val="accent1"/>
+            </a:fillRef>
+            <a:effectRef idx="0">
+              <a:schemeClr val="accent1"/>
+            </a:effectRef>
+            <a:fontRef idx="minor">
+              <a:schemeClr val="lt1"/>
+            </a:fontRef>
+          </p:style>
+          <p:txBody>
+            <a:bodyPr rtlCol="0" anchor="ctr"/>
+            <a:lstStyle/>
+            <a:p>
+              <a:pPr algn="ctr"/>
+              <a:endParaRPr lang="en-US"/>
+            </a:p>
+          </p:txBody>
+        </p:sp>
+      </p:grpSp>
+      <p:pic>
+        <p:nvPicPr>
+          <p:cNvPr id="9" name="Picture 8" descr="A black and white circular object with a white background&#10;&#10;AI-generated content may be incorrect.">
+            <a:extLst>
+              <a:ext uri="{FF2B5EF4-FFF2-40B4-BE49-F238E27FC236}">
+                <a16:creationId xmlns:a16="http://schemas.microsoft.com/office/drawing/2014/main" id="{A5244985-9E7D-A46A-E683-22DD5349ABFD}"/>
+              </a:ext>
+            </a:extLst>
+          </p:cNvPr>
+          <p:cNvPicPr>
+            <a:picLocks noChangeAspect="1"/>
+          </p:cNvPicPr>
+          <p:nvPr/>
+        </p:nvPicPr>
+        <p:blipFill>
+          <a:blip r:embed="rId3"/>
+          <a:stretch>
+            <a:fillRect/>
+          </a:stretch>
+        </p:blipFill>
+        <p:spPr>
+          <a:xfrm>
+            <a:off x="6539593" y="2745014"/>
+            <a:ext cx="2247900" cy="2413000"/>
+          </a:xfrm>
+          <a:prstGeom prst="rect">
+            <a:avLst/>
+          </a:prstGeom>
+        </p:spPr>
+      </p:pic>
+    </p:spTree>
+    <p:extLst>
+      <p:ext uri="{BB962C8B-B14F-4D97-AF65-F5344CB8AC3E}">
+        <p14:creationId xmlns:p14="http://schemas.microsoft.com/office/powerpoint/2010/main" val="3120502938"/>
+      </p:ext>
+    </p:extLst>
+  </p:cSld>
+  <p:clrMapOvr>
+    <a:masterClrMapping/>
+  </p:clrMapOvr>
+</p:sld>
+</file>
+
 <file path=ppt/theme/theme1.xml><?xml version="1.0" encoding="utf-8"?>
 <a:theme xmlns:a="http://schemas.openxmlformats.org/drawingml/2006/main" name="Office Theme">
   <a:themeElements>
